--- a/lectures/lecture-09/Lecture-Live/Lecture 09 - Lecture.pptx
+++ b/lectures/lecture-09/Lecture-Live/Lecture 09 - Lecture.pptx
@@ -143,6 +143,1419 @@
     </p:ext>
   </p:extLst>
 </p:presentation>
+</file>
+
+<file path=ppt/ink/ink1.xml><?xml version="1.0" encoding="utf-8"?>
+<inkml:ink xmlns:inkml="http://www.w3.org/2003/InkML">
+  <inkml:definitions>
+    <inkml:context xml:id="ctx0">
+      <inkml:inkSource xml:id="inkSrc0">
+        <inkml:traceFormat>
+          <inkml:channel name="X" type="integer" min="-2.14748E9" max="2.14748E9" units="cm"/>
+          <inkml:channel name="Y" type="integer" min="-2.14748E9" max="2.14748E9" units="cm"/>
+          <inkml:channel name="F" type="integer" max="32767" units="dev"/>
+          <inkml:channel name="OA" type="integer" max="360" units="deg"/>
+          <inkml:channel name="OE" type="integer" max="90" units="deg"/>
+        </inkml:traceFormat>
+        <inkml:channelProperties>
+          <inkml:channelProperty channel="X" name="resolution" value="1000" units="1/cm"/>
+          <inkml:channelProperty channel="Y" name="resolution" value="1000" units="1/cm"/>
+          <inkml:channelProperty channel="F" name="resolution" value="0" units="1/dev"/>
+          <inkml:channelProperty channel="OA" name="resolution" value="1000" units="1/deg"/>
+          <inkml:channelProperty channel="OE" name="resolution" value="1000" units="1/deg"/>
+        </inkml:channelProperties>
+      </inkml:inkSource>
+      <inkml:timestamp xml:id="ts0" timeString="2021-04-16T19:01:07.546"/>
+    </inkml:context>
+    <inkml:brush xml:id="br0">
+      <inkml:brushProperty name="width" value="0.05" units="cm"/>
+      <inkml:brushProperty name="height" value="0.05" units="cm"/>
+      <inkml:brushProperty name="color" value="#E71224"/>
+    </inkml:brush>
+  </inkml:definitions>
+  <inkml:trace contextRef="#ctx0" brushRef="#br0">276 119 3224 0 0,'0'0'143'0'0,"-3"-12"1639"0"0,2 1 1648 0 0,-1-3-495 0 0,1 11-2607 0 0,0 1 0 0 0,1-1-1 0 0,-1 0 1 0 0,1 0 0 0 0,0 1-1 0 0,0-1 1 0 0,1-5-1 0 0,-2-17 2093 0 0,-1 15-1396 0 0,2 9-717 0 0,0-1-1 0 0,0 0 0 0 0,-1 1 1 0 0,1-1-1 0 0,0 1 0 0 0,-1-1 1 0 0,1 1-1 0 0,-2-3 0 0 0,1 3-251 0 0,1 1-1 0 0,0 0 1 0 0,-1-1 0 0 0,1 1-1 0 0,-1 0 1 0 0,1 0-1 0 0,-1-1 1 0 0,1 1 0 0 0,-1 0-1 0 0,1 0 1 0 0,-1 0-1 0 0,1 0 1 0 0,-1 0 0 0 0,1 0-1 0 0,-1 0 1 0 0,1 0-1 0 0,-1 0 1 0 0,1 0 0 0 0,-1 0-1 0 0,1 0 1 0 0,-1 0-1 0 0,1 0 1 0 0,-1 0 0 0 0,1 1-1 0 0,0-1 1 0 0,-1 0-1 0 0,1 0 1 0 0,-1 0 0 0 0,1 1-1 0 0,-1-1 1 0 0,1 0 0 0 0,0 1-1 0 0,-1-1 1 0 0,0 1-1 0 0,-2 2 19 0 0,0 0 0 0 0,0 1 0 0 0,0-1 0 0 0,0 1 1 0 0,0 0-1 0 0,1-1 0 0 0,0 1 0 0 0,-4 7 0 0 0,-6 21-69 0 0,1-1 1 0 0,2 2-1 0 0,-8 48 1 0 0,-10 35-9 0 0,-2-2 78 0 0,8-28-9 0 0,19-79-34 0 0,1-3-9 0 0,0 0-1 0 0,0 0 1 0 0,-1 0 0 0 0,1 0 0 0 0,-1 0 0 0 0,0 0-1 0 0,-4 6 1 0 0,6-10-14 0 0,-1 0 0 0 0,1 0 0 0 0,-1 0 0 0 0,1 1 0 0 0,0-1 0 0 0,-1 0 0 0 0,1 0 0 0 0,-1 0 0 0 0,1 0 0 0 0,-1 0 0 0 0,1 0 0 0 0,-1 0 0 0 0,1 0 0 0 0,-1 0 0 0 0,1 0 0 0 0,-1 0 0 0 0,1 0 0 0 0,0-1 0 0 0,-1 1-1 0 0,1 0 1 0 0,-1 0 0 0 0,1 0 0 0 0,-1-1 0 0 0,1 1 0 0 0,0 0 0 0 0,-1 0 0 0 0,1-1 0 0 0,0 1 0 0 0,-1 0 0 0 0,1-1 0 0 0,0 1 0 0 0,-1 0 0 0 0,1-1 0 0 0,0 1 0 0 0,0-1 0 0 0,-1 1 0 0 0,0-2 17 0 0,0 1 0 0 0,0-1-1 0 0,0 1 1 0 0,0-1 0 0 0,0 1 0 0 0,0-1 0 0 0,0 0 0 0 0,0 1 0 0 0,1-1-1 0 0,-2-2 1 0 0,-8-47-175 0 0,7 27 183 0 0,1-2 648 0 0,-8-29-1 0 0,10 55-666 0 0,0-1 1 0 0,0 1-1 0 0,0 0 0 0 0,0 0 0 0 0,0 0 0 0 0,0 0 0 0 0,0 0 0 0 0,0 0 1 0 0,0 0-1 0 0,0 0 0 0 0,0-1 0 0 0,0 1 0 0 0,0 0 0 0 0,0 0 1 0 0,0 0-1 0 0,0 0 0 0 0,0 0 0 0 0,0 0 0 0 0,0 0 0 0 0,0 0 1 0 0,0 0-1 0 0,0 0 0 0 0,0-1 0 0 0,0 1 0 0 0,0 0 0 0 0,0 0 0 0 0,-1 0 1 0 0,1 0-1 0 0,0 0 0 0 0,0 0 0 0 0,0 0 0 0 0,0 0 0 0 0,0 0 1 0 0,0 0-1 0 0,0 0 0 0 0,0 0 0 0 0,0 0 0 0 0,-1 0 0 0 0,1 0 0 0 0,0 0 1 0 0,0 0-1 0 0,0 0 0 0 0,0 0 0 0 0,0 0 0 0 0,0 0 0 0 0,0 0 1 0 0,0 0-1 0 0,-1 0 0 0 0,1 0 0 0 0,0 0 0 0 0,0 0 0 0 0,0 0 0 0 0,0 0 1 0 0,0 0-1 0 0,0 0 0 0 0,-5 8 190 0 0,-3 12-229 0 0,6-9-6 0 0,1 0 0 0 0,0 1 1 0 0,1-1-1 0 0,0 1 0 0 0,1-1 0 0 0,0 0 0 0 0,1 1 0 0 0,0-1 0 0 0,1 0 1 0 0,0 0-1 0 0,1 0 0 0 0,0 0 0 0 0,5 10 0 0 0,-7-18 50 0 0,0 0 0 0 0,0 1 0 0 0,1-1 0 0 0,-1 0 0 0 0,0 0 0 0 0,1 0 0 0 0,0 0 1 0 0,4 3-1 0 0,-6-5-8 0 0,1 0 1 0 0,-1 0-1 0 0,1 0 1 0 0,0 0-1 0 0,-1-1 1 0 0,1 1 0 0 0,0 0-1 0 0,-1-1 1 0 0,1 1-1 0 0,0-1 1 0 0,0 1-1 0 0,-1-1 1 0 0,1 0-1 0 0,0 0 1 0 0,0 0 0 0 0,0 0-1 0 0,0 0 1 0 0,-1 0-1 0 0,4-1 1 0 0,1-1 52 0 0,0 0 1 0 0,0-1-1 0 0,-1 0 1 0 0,1 0-1 0 0,-1 0 0 0 0,0-1 1 0 0,0 1-1 0 0,0-1 1 0 0,0-1-1 0 0,-1 1 1 0 0,1-1-1 0 0,5-7 0 0 0,3-7 127 0 0,0-1-1 0 0,10-24 0 0 0,4-4-89 0 0,-16 33-116 0 0,3-5-4596 0 0</inkml:trace>
+</inkml:ink>
+</file>
+
+<file path=ppt/ink/ink10.xml><?xml version="1.0" encoding="utf-8"?>
+<inkml:ink xmlns:inkml="http://www.w3.org/2003/InkML">
+  <inkml:definitions>
+    <inkml:context xml:id="ctx0">
+      <inkml:inkSource xml:id="inkSrc0">
+        <inkml:traceFormat>
+          <inkml:channel name="X" type="integer" min="-2.14748E9" max="2.14748E9" units="cm"/>
+          <inkml:channel name="Y" type="integer" min="-2.14748E9" max="2.14748E9" units="cm"/>
+          <inkml:channel name="F" type="integer" max="32767" units="dev"/>
+          <inkml:channel name="OA" type="integer" max="360" units="deg"/>
+          <inkml:channel name="OE" type="integer" max="90" units="deg"/>
+        </inkml:traceFormat>
+        <inkml:channelProperties>
+          <inkml:channelProperty channel="X" name="resolution" value="1000" units="1/cm"/>
+          <inkml:channelProperty channel="Y" name="resolution" value="1000" units="1/cm"/>
+          <inkml:channelProperty channel="F" name="resolution" value="0" units="1/dev"/>
+          <inkml:channelProperty channel="OA" name="resolution" value="1000" units="1/deg"/>
+          <inkml:channelProperty channel="OE" name="resolution" value="1000" units="1/deg"/>
+        </inkml:channelProperties>
+      </inkml:inkSource>
+      <inkml:timestamp xml:id="ts0" timeString="2021-04-16T19:01:56.249"/>
+    </inkml:context>
+    <inkml:brush xml:id="br0">
+      <inkml:brushProperty name="width" value="0.05" units="cm"/>
+      <inkml:brushProperty name="height" value="0.05" units="cm"/>
+      <inkml:brushProperty name="color" value="#E71224"/>
+    </inkml:brush>
+  </inkml:definitions>
+  <inkml:trace contextRef="#ctx0" brushRef="#br0">76 0 13360 0 0,'0'0'2516'0'0,"-3"15"1038"0"0,-14 128-2737 0 0,5-12-409 0 0,9-79 935 0 0,-18 95 1 0 0,15-130-1167 0 0,6-17-177 0 0,-1 0 0 0 0,1 1 0 0 0,0-1 0 0 0,0 0 0 0 0,0 0 0 0 0,0 0 0 0 0,0 0 0 0 0,0 0 0 0 0,0 0 0 0 0,-1 0 0 0 0,1 0 0 0 0,0 0 0 0 0,0 0 0 0 0,0 0 0 0 0,0 0 0 0 0,0 0 0 0 0,0 0 0 0 0,0 0 0 0 0,-1 0 0 0 0,1 0 0 0 0,0 0 0 0 0,0 0 0 0 0,0 0 0 0 0,0 0 0 0 0,0 0 0 0 0,0 0 0 0 0,-1 0 0 0 0,1 0 0 0 0,0 0 0 0 0,0 0 0 0 0,0 0 0 0 0,0-1 0 0 0,0 1 0 0 0,0 0 0 0 0,0 0 0 0 0,0 0-1 0 0,0 0 1 0 0,-1 0 0 0 0,1 0 0 0 0,0 0 0 0 0,0 0 0 0 0,0 0 0 0 0,0-1 0 0 0,0 1 0 0 0,0 0 0 0 0,0 0 0 0 0,0 0 0 0 0,0 0 0 0 0,0 0 0 0 0,0 0 0 0 0,0-1 0 0 0,0 1 0 0 0,0 0 0 0 0,0 0 0 0 0,0 0 0 0 0,0 0 0 0 0,-3-9 42 0 0,3 9-9 0 0,-3-16 544 0 0,2-1 1 0 0,0 1-1 0 0,2-31 1 0 0,11-48-186 0 0,-6 61 30 0 0,18-61 0 0 0,-20 81-341 0 0,1 0-1 0 0,1 1 0 0 0,1 0 1 0 0,0 1-1 0 0,0-1 0 0 0,1 1 1 0 0,11-13-1 0 0,-15 21-41 0 0,0 0 0 0 0,0 0 0 0 0,1 0 0 0 0,-1 1 0 0 0,1 0 0 0 0,-1 0 0 0 0,1 0 0 0 0,0 0 0 0 0,0 1 0 0 0,0 0 0 0 0,1 0 0 0 0,-1 0 0 0 0,8-1 0 0 0,-10 2-55 0 0,-1 1 1 0 0,1 0-1 0 0,-1 0 0 0 0,1 0 0 0 0,-1 0 1 0 0,1 0-1 0 0,-1 1 0 0 0,1-1 1 0 0,-1 1-1 0 0,1 0 0 0 0,-1-1 1 0 0,1 1-1 0 0,-1 0 0 0 0,0 0 1 0 0,1 1-1 0 0,-1-1 0 0 0,0 0 0 0 0,0 1 1 0 0,0-1-1 0 0,0 1 0 0 0,0 0 1 0 0,-1 0-1 0 0,1 0 0 0 0,0 0 1 0 0,-1 0-1 0 0,1 0 0 0 0,-1 0 1 0 0,0 0-1 0 0,0 0 0 0 0,0 1 0 0 0,1 2 1 0 0,1 4 79 0 0,0 0 0 0 0,0 0-1 0 0,-1 1 1 0 0,-1-1 0 0 0,1 1 0 0 0,-2 0 0 0 0,1-1 0 0 0,-1 1 0 0 0,-2 12-1 0 0,-3 9-265 0 0,-13 46-1 0 0,9-40-126 0 0,7-30 332 0 0,0 0 0 0 0,-1-1 1 0 0,1 1-1 0 0,-1-1 0 0 0,-1 0 1 0 0,1 1-1 0 0,-7 7 0 0 0,7-11 42 0 0,0 1 0 0 0,0-1 0 0 0,0 0 0 0 0,0 0-1 0 0,0 0 1 0 0,-1 0 0 0 0,1-1 0 0 0,-1 1 0 0 0,0-1 0 0 0,0 0-1 0 0,0 0 1 0 0,-8 2 0 0 0,10-3-61 0 0,0-1 1 0 0,0 0-1 0 0,0 0 0 0 0,0 0 1 0 0,-1 0-1 0 0,1 0 0 0 0,0 0 1 0 0,0 0-1 0 0,0-1 0 0 0,0 1 0 0 0,0-1 1 0 0,0 0-1 0 0,0 1 0 0 0,0-1 1 0 0,0 0-1 0 0,0 0 0 0 0,0 0 1 0 0,1 0-1 0 0,-1-1 0 0 0,-2-1 0 0 0,1 0 81 0 0,1 1 0 0 0,-1-1 0 0 0,1 0-1 0 0,-1 0 1 0 0,1 0 0 0 0,0 0 0 0 0,0 0 0 0 0,0-1-1 0 0,1 1 1 0 0,-3-7 0 0 0,3 6-6 0 0,0-1 0 0 0,0 1 1 0 0,1-1-1 0 0,-1 0 0 0 0,1 1 0 0 0,1-6 1 0 0,-1-1 375 0 0,11 21-137 0 0,-3 1-301 0 0,-1 0 0 0 0,-1 0 1 0 0,0 1-1 0 0,0 0 0 0 0,-1 0 1 0 0,4 15-1 0 0,-2-8-11 0 0,16 33 0 0 0,-15-37-188 0 0,6 10-1845 0 0,0 0 1 0 0,27 33 0 0 0</inkml:trace>
+</inkml:ink>
+</file>
+
+<file path=ppt/ink/ink11.xml><?xml version="1.0" encoding="utf-8"?>
+<inkml:ink xmlns:inkml="http://www.w3.org/2003/InkML">
+  <inkml:definitions>
+    <inkml:context xml:id="ctx0">
+      <inkml:inkSource xml:id="inkSrc0">
+        <inkml:traceFormat>
+          <inkml:channel name="X" type="integer" min="-2.14748E9" max="2.14748E9" units="cm"/>
+          <inkml:channel name="Y" type="integer" min="-2.14748E9" max="2.14748E9" units="cm"/>
+          <inkml:channel name="F" type="integer" max="32767" units="dev"/>
+          <inkml:channel name="OA" type="integer" max="360" units="deg"/>
+          <inkml:channel name="OE" type="integer" max="90" units="deg"/>
+        </inkml:traceFormat>
+        <inkml:channelProperties>
+          <inkml:channelProperty channel="X" name="resolution" value="1000" units="1/cm"/>
+          <inkml:channelProperty channel="Y" name="resolution" value="1000" units="1/cm"/>
+          <inkml:channelProperty channel="F" name="resolution" value="0" units="1/dev"/>
+          <inkml:channelProperty channel="OA" name="resolution" value="1000" units="1/deg"/>
+          <inkml:channelProperty channel="OE" name="resolution" value="1000" units="1/deg"/>
+        </inkml:channelProperties>
+      </inkml:inkSource>
+      <inkml:timestamp xml:id="ts0" timeString="2021-04-16T19:01:56.641"/>
+    </inkml:context>
+    <inkml:brush xml:id="br0">
+      <inkml:brushProperty name="width" value="0.05" units="cm"/>
+      <inkml:brushProperty name="height" value="0.05" units="cm"/>
+      <inkml:brushProperty name="color" value="#E71224"/>
+    </inkml:brush>
+  </inkml:definitions>
+  <inkml:trace contextRef="#ctx0" brushRef="#br0">1 185 4144 0 0,'9'0'428'0'0,"-4"1"727"0"0,1-1 1 0 0,-1 0 0 0 0,1 0-1 0 0,-1-1 1 0 0,1 1-1 0 0,-1-1 1 0 0,1-1 0 0 0,-1 1-1 0 0,10-5 1 0 0,23-11 4564 0 0,-16 3-5579 0 0,-10 7 284 0 0,-1-2 0 0 0,0 0 1 0 0,15-15-1 0 0,-20 18-187 0 0,0-1 1 0 0,-1 1-1 0 0,0-1 0 0 0,0 0 1 0 0,-1 0-1 0 0,0-1 0 0 0,4-9 1 0 0,-8 17-236 0 0,1-1 0 0 0,-1 0 0 0 0,0 0 0 0 0,1 0 0 0 0,-1 1 1 0 0,0-1-1 0 0,0 0 0 0 0,0 0 0 0 0,0 0 0 0 0,0 0 1 0 0,0 1-1 0 0,0-1 0 0 0,0 0 0 0 0,0 0 0 0 0,0 0 0 0 0,0 0 1 0 0,0 1-1 0 0,-1-1 0 0 0,1 0 0 0 0,0 0 0 0 0,0 0 1 0 0,-1 1-1 0 0,1-1 0 0 0,-1 0 0 0 0,1 0 0 0 0,-1 1 0 0 0,1-1 1 0 0,-1 1-1 0 0,1-1 0 0 0,-1 0 0 0 0,0 1 0 0 0,1-1 0 0 0,-1 1 1 0 0,0-1-1 0 0,1 1 0 0 0,-1-1 0 0 0,-1 1 0 0 0,0-1 35 0 0,0 1 0 0 0,1-1 0 0 0,-1 1 0 0 0,0 0 0 0 0,0-1-1 0 0,1 1 1 0 0,-1 0 0 0 0,0 0 0 0 0,0 1 0 0 0,0-1 0 0 0,1 0-1 0 0,-1 0 1 0 0,0 1 0 0 0,1-1 0 0 0,-1 1 0 0 0,-2 1 0 0 0,-2 1 75 0 0,0 1 0 0 0,0 0 0 0 0,1 0 0 0 0,-1 1 0 0 0,1-1 0 0 0,0 1 0 0 0,1 0 0 0 0,-1 1 0 0 0,-4 6 0 0 0,1 1-117 0 0,1-1 0 0 0,0 1-1 0 0,-6 19 1 0 0,12-31-27 0 0,1 1 0 0 0,-1-1 0 0 0,1 0 1 0 0,-1 1-1 0 0,1-1 0 0 0,0 0 0 0 0,0 1 1 0 0,0-1-1 0 0,-1 0 0 0 0,1 1 0 0 0,0-1 0 0 0,1 1 1 0 0,-1-1-1 0 0,0 0 0 0 0,0 1 0 0 0,0-1 1 0 0,1 0-1 0 0,-1 1 0 0 0,1-1 0 0 0,-1 0 0 0 0,1 0 1 0 0,1 3-1 0 0,-1-3-186 0 0,0-1 1 0 0,-1 1 0 0 0,1 0-1 0 0,0-1 1 0 0,0 1-1 0 0,0 0 1 0 0,0-1-1 0 0,0 1 1 0 0,-1-1-1 0 0,1 0 1 0 0,0 1-1 0 0,2-1 1 0 0,-1 1-685 0 0,0-1 0 0 0,0 0 0 0 0,0 0 0 0 0,0 0 0 0 0,0 0 0 0 0,0 0 0 0 0,3-1-1 0 0,12-1-6329 0 0</inkml:trace>
+</inkml:ink>
+</file>
+
+<file path=ppt/ink/ink12.xml><?xml version="1.0" encoding="utf-8"?>
+<inkml:ink xmlns:inkml="http://www.w3.org/2003/InkML">
+  <inkml:definitions>
+    <inkml:context xml:id="ctx0">
+      <inkml:inkSource xml:id="inkSrc0">
+        <inkml:traceFormat>
+          <inkml:channel name="X" type="integer" min="-2.14748E9" max="2.14748E9" units="cm"/>
+          <inkml:channel name="Y" type="integer" min="-2.14748E9" max="2.14748E9" units="cm"/>
+          <inkml:channel name="F" type="integer" max="32767" units="dev"/>
+          <inkml:channel name="OA" type="integer" max="360" units="deg"/>
+          <inkml:channel name="OE" type="integer" max="90" units="deg"/>
+        </inkml:traceFormat>
+        <inkml:channelProperties>
+          <inkml:channelProperty channel="X" name="resolution" value="1000" units="1/cm"/>
+          <inkml:channelProperty channel="Y" name="resolution" value="1000" units="1/cm"/>
+          <inkml:channelProperty channel="F" name="resolution" value="0" units="1/dev"/>
+          <inkml:channelProperty channel="OA" name="resolution" value="1000" units="1/deg"/>
+          <inkml:channelProperty channel="OE" name="resolution" value="1000" units="1/deg"/>
+        </inkml:channelProperties>
+      </inkml:inkSource>
+      <inkml:timestamp xml:id="ts0" timeString="2021-04-16T19:01:57.021"/>
+    </inkml:context>
+    <inkml:brush xml:id="br0">
+      <inkml:brushProperty name="width" value="0.05" units="cm"/>
+      <inkml:brushProperty name="height" value="0.05" units="cm"/>
+      <inkml:brushProperty name="color" value="#E71224"/>
+    </inkml:brush>
+  </inkml:definitions>
+  <inkml:trace contextRef="#ctx0" brushRef="#br0">63 0 11056 0 0,'-2'1'109'0'0,"1"0"0"0"0,0 0 0 0 0,-1 0 0 0 0,1 0 0 0 0,0 0 0 0 0,0 0 0 0 0,0 0 0 0 0,0 0 0 0 0,0 0 0 0 0,0 1 0 0 0,-5 10 10561 0 0,8-7-10062 0 0,-2-3-431 0 0,1 0 1 0 0,0 0-1 0 0,0 0 1 0 0,0 0-1 0 0,0 0 0 0 0,0 0 1 0 0,0-1-1 0 0,1 1 1 0 0,-1 0-1 0 0,1-1 0 0 0,2 3 1 0 0,19 12 655 0 0,-15-11-546 0 0,0 1 0 0 0,0 0 0 0 0,8 9 0 0 0,-14-13-238 0 0,0 0 1 0 0,0 0-1 0 0,0 1 0 0 0,-1-1 0 0 0,1 0 1 0 0,-1 1-1 0 0,0-1 0 0 0,0 1 0 0 0,0 0 1 0 0,0-1-1 0 0,0 1 0 0 0,0 0 0 0 0,-1-1 1 0 0,1 1-1 0 0,-1 5 0 0 0,-1 6 14 0 0,0 0 0 0 0,-1 0 0 0 0,0 0 0 0 0,-1-1 0 0 0,-1 1 0 0 0,0-1 0 0 0,-1 0-1 0 0,-1 0 1 0 0,0 0 0 0 0,-11 17 0 0 0,9-17-601 0 0,-1 0 0 0 0,0-1 0 0 0,-1 0 0 0 0,-1-1 0 0 0,-17 15 0 0 0,10-13-1742 0 0</inkml:trace>
+</inkml:ink>
+</file>
+
+<file path=ppt/ink/ink13.xml><?xml version="1.0" encoding="utf-8"?>
+<inkml:ink xmlns:inkml="http://www.w3.org/2003/InkML">
+  <inkml:definitions>
+    <inkml:context xml:id="ctx0">
+      <inkml:inkSource xml:id="inkSrc0">
+        <inkml:traceFormat>
+          <inkml:channel name="X" type="integer" min="-2.14748E9" max="2.14748E9" units="cm"/>
+          <inkml:channel name="Y" type="integer" min="-2.14748E9" max="2.14748E9" units="cm"/>
+          <inkml:channel name="F" type="integer" max="32767" units="dev"/>
+          <inkml:channel name="OA" type="integer" max="360" units="deg"/>
+          <inkml:channel name="OE" type="integer" max="90" units="deg"/>
+        </inkml:traceFormat>
+        <inkml:channelProperties>
+          <inkml:channelProperty channel="X" name="resolution" value="1000" units="1/cm"/>
+          <inkml:channelProperty channel="Y" name="resolution" value="1000" units="1/cm"/>
+          <inkml:channelProperty channel="F" name="resolution" value="0" units="1/dev"/>
+          <inkml:channelProperty channel="OA" name="resolution" value="1000" units="1/deg"/>
+          <inkml:channelProperty channel="OE" name="resolution" value="1000" units="1/deg"/>
+        </inkml:channelProperties>
+      </inkml:inkSource>
+      <inkml:timestamp xml:id="ts0" timeString="2021-04-16T19:01:57.364"/>
+    </inkml:context>
+    <inkml:brush xml:id="br0">
+      <inkml:brushProperty name="width" value="0.05" units="cm"/>
+      <inkml:brushProperty name="height" value="0.05" units="cm"/>
+      <inkml:brushProperty name="color" value="#E71224"/>
+    </inkml:brush>
+  </inkml:definitions>
+  <inkml:trace contextRef="#ctx0" brushRef="#br0">50 18 3680 0 0,'-2'-2'9831'0'0,"-5"-5"-3740"0"0,5 8-5916 0 0,0 0 0 0 0,0 1 0 0 0,0-1 1 0 0,0 1-1 0 0,0 0 0 0 0,1 0 0 0 0,-1 0 0 0 0,0 0 0 0 0,1 0 0 0 0,0 0 0 0 0,-1 0 1 0 0,1 0-1 0 0,0 0 0 0 0,-1 4 0 0 0,-11 35 250 0 0,12-31-360 0 0,0 0 0 0 0,0 1 0 0 0,1-1 1 0 0,0 1-1 0 0,1-1 0 0 0,0 1 0 0 0,5 15 0 0 0,-5-21-35 0 0,0-1-1 0 0,1 0 0 0 0,-1 0 0 0 0,1 1 1 0 0,0-1-1 0 0,0 0 0 0 0,1 0 0 0 0,-1-1 0 0 0,1 1 1 0 0,0 0-1 0 0,6 5 0 0 0,-7-7-7 0 0,1 0 0 0 0,-1-1 0 0 0,0 0 0 0 0,1 1 0 0 0,0-1 0 0 0,-1 0 0 0 0,1 0 0 0 0,0 0 0 0 0,-1-1 0 0 0,1 1 0 0 0,0-1 0 0 0,0 1 0 0 0,-1-1 0 0 0,1 0 0 0 0,0 0 0 0 0,0 0-1 0 0,0 0 1 0 0,0-1 0 0 0,-1 1 0 0 0,4-2 0 0 0,3-1 85 0 0,0 0 0 0 0,-1 0-1 0 0,1-1 1 0 0,-1 0-1 0 0,0-1 1 0 0,0 0 0 0 0,-1 0-1 0 0,1 0 1 0 0,-1-1 0 0 0,0 0-1 0 0,-1-1 1 0 0,7-8-1 0 0,1-2 273 0 0,-1-1-1 0 0,-1 0 1 0 0,20-40-1 0 0,-27 49-228 0 0,2-6 379 0 0,8-23 0 0 0,-43 112 523 0 0,22-53-1275 0 0,0 1 0 0 0,1-1-1 0 0,1 1 1 0 0,1 0 0 0 0,1 0 0 0 0,1 42-1 0 0,1-62-209 0 0,0-1-1 0 0,1 1 0 0 0,-1 0 0 0 0,0 0 0 0 0,1-1 0 0 0,-1 1 0 0 0,1 0 0 0 0,0-1 0 0 0,1 3 0 0 0</inkml:trace>
+</inkml:ink>
+</file>
+
+<file path=ppt/ink/ink14.xml><?xml version="1.0" encoding="utf-8"?>
+<inkml:ink xmlns:inkml="http://www.w3.org/2003/InkML">
+  <inkml:definitions>
+    <inkml:context xml:id="ctx0">
+      <inkml:inkSource xml:id="inkSrc0">
+        <inkml:traceFormat>
+          <inkml:channel name="X" type="integer" min="-2.14748E9" max="2.14748E9" units="cm"/>
+          <inkml:channel name="Y" type="integer" min="-2.14748E9" max="2.14748E9" units="cm"/>
+          <inkml:channel name="F" type="integer" max="32767" units="dev"/>
+          <inkml:channel name="OA" type="integer" max="360" units="deg"/>
+          <inkml:channel name="OE" type="integer" max="90" units="deg"/>
+        </inkml:traceFormat>
+        <inkml:channelProperties>
+          <inkml:channelProperty channel="X" name="resolution" value="1000" units="1/cm"/>
+          <inkml:channelProperty channel="Y" name="resolution" value="1000" units="1/cm"/>
+          <inkml:channelProperty channel="F" name="resolution" value="0" units="1/dev"/>
+          <inkml:channelProperty channel="OA" name="resolution" value="1000" units="1/deg"/>
+          <inkml:channelProperty channel="OE" name="resolution" value="1000" units="1/deg"/>
+        </inkml:channelProperties>
+      </inkml:inkSource>
+      <inkml:timestamp xml:id="ts0" timeString="2021-04-16T19:01:57.850"/>
+    </inkml:context>
+    <inkml:brush xml:id="br0">
+      <inkml:brushProperty name="width" value="0.05" units="cm"/>
+      <inkml:brushProperty name="height" value="0.05" units="cm"/>
+      <inkml:brushProperty name="color" value="#E71224"/>
+    </inkml:brush>
+  </inkml:definitions>
+  <inkml:trace contextRef="#ctx0" brushRef="#br0">127 32 15432 0 0,'0'0'705'0'0,"-14"-10"261"0"0,-1-12 5104 0 0,15 30-5613 0 0,-2 19-196 0 0,3 43 0 0 0,0-20-166 0 0,0-17 44 0 0,2-1 0 0 0,8 43-1 0 0,-10-68-108 0 0,1-1-1 0 0,-1 0 0 0 0,2 0 1 0 0,-1 1-1 0 0,4 6 0 0 0,-4-10-16 0 0,-1-1-1 0 0,1 1 1 0 0,0-1-1 0 0,0 1 1 0 0,0-1-1 0 0,0 0 1 0 0,0 0-1 0 0,0 0 1 0 0,1 0-1 0 0,-1 0 1 0 0,1 0-1 0 0,5 2 1 0 0,-5-3 38 0 0,1 1-1 0 0,0-1 1 0 0,-1-1-1 0 0,1 1 1 0 0,0 0 0 0 0,0-1-1 0 0,0 0 1 0 0,-1 0 0 0 0,1 0-1 0 0,7-2 1 0 0,40-10 761 0 0,-16 2-78 0 0,-4 7 59 0 0,-30 2-747 0 0,0 1-1 0 0,1 0 0 0 0,-1 0 0 0 0,1 1 0 0 0,-1-1 0 0 0,1 0 0 0 0,-1 0 1 0 0,0 1-1 0 0,1-1 0 0 0,-1 1 0 0 0,1-1 0 0 0,-1 1 0 0 0,0-1 1 0 0,0 1-1 0 0,1 0 0 0 0,-1 0 0 0 0,2 1 0 0 0,-3-1-23 0 0,0 0 0 0 0,1 0 0 0 0,-1-1 1 0 0,0 1-1 0 0,0 0 0 0 0,0 0 0 0 0,1 0 0 0 0,-1 0 0 0 0,0 0 0 0 0,0 0 0 0 0,0 0 0 0 0,-1-1 1 0 0,1 1-1 0 0,0 0 0 0 0,0 0 0 0 0,0 0 0 0 0,-1 0 0 0 0,1 0 0 0 0,0-1 0 0 0,-1 1 0 0 0,1 0 0 0 0,-2 1 1 0 0,-12 20 215 0 0,11-18-178 0 0,-10 13-175 0 0,0-1 0 0 0,-1 0 0 0 0,0-2 0 0 0,-1 1 1 0 0,-1-2-1 0 0,0 0 0 0 0,-1-1 0 0 0,0-1 0 0 0,-1 0 0 0 0,0-1 1 0 0,-1-1-1 0 0,0-1 0 0 0,-1-1 0 0 0,-35 9 0 0 0,35-14-2351 0 0,6-3-3537 0 0,0-2-2331 0 0</inkml:trace>
+</inkml:ink>
+</file>
+
+<file path=ppt/ink/ink15.xml><?xml version="1.0" encoding="utf-8"?>
+<inkml:ink xmlns:inkml="http://www.w3.org/2003/InkML">
+  <inkml:definitions>
+    <inkml:context xml:id="ctx0">
+      <inkml:inkSource xml:id="inkSrc0">
+        <inkml:traceFormat>
+          <inkml:channel name="X" type="integer" min="-2.14748E9" max="2.14748E9" units="cm"/>
+          <inkml:channel name="Y" type="integer" min="-2.14748E9" max="2.14748E9" units="cm"/>
+          <inkml:channel name="F" type="integer" max="32767" units="dev"/>
+          <inkml:channel name="OA" type="integer" max="360" units="deg"/>
+          <inkml:channel name="OE" type="integer" max="90" units="deg"/>
+        </inkml:traceFormat>
+        <inkml:channelProperties>
+          <inkml:channelProperty channel="X" name="resolution" value="1000" units="1/cm"/>
+          <inkml:channelProperty channel="Y" name="resolution" value="1000" units="1/cm"/>
+          <inkml:channelProperty channel="F" name="resolution" value="0" units="1/dev"/>
+          <inkml:channelProperty channel="OA" name="resolution" value="1000" units="1/deg"/>
+          <inkml:channelProperty channel="OE" name="resolution" value="1000" units="1/deg"/>
+        </inkml:channelProperties>
+      </inkml:inkSource>
+      <inkml:timestamp xml:id="ts0" timeString="2021-04-16T19:01:58.690"/>
+    </inkml:context>
+    <inkml:brush xml:id="br0">
+      <inkml:brushProperty name="width" value="0.05" units="cm"/>
+      <inkml:brushProperty name="height" value="0.05" units="cm"/>
+      <inkml:brushProperty name="color" value="#E71224"/>
+    </inkml:brush>
+  </inkml:definitions>
+  <inkml:trace contextRef="#ctx0" brushRef="#br0">0 238 1840 0 0,'0'0'9456'0'0,"6"10"-6690"0"0,-5-9-2645 0 0,0-1-1 0 0,0 0 0 0 0,0 1 1 0 0,1-1-1 0 0,-1 0 0 0 0,0 0 1 0 0,0 0-1 0 0,1 0 0 0 0,-1 0 1 0 0,0 0-1 0 0,1 0 0 0 0,-1 0 1 0 0,0 0-1 0 0,0-1 0 0 0,0 1 1 0 0,1 0-1 0 0,-1-1 0 0 0,0 1 1 0 0,0-1-1 0 0,0 1 1 0 0,0-1-1 0 0,0 0 0 0 0,0 0 1 0 0,0 1-1 0 0,0-1 0 0 0,0 0 1 0 0,1-1-1 0 0,5-5 301 0 0,-1 0 0 0 0,-1 0 0 0 0,6-9 0 0 0,2-1 352 0 0,24-32 845 0 0,28-31 645 0 0,-51 63-1826 0 0,-11 13-353 0 0,0-1 0 0 0,1 1 0 0 0,-1 1 0 0 0,1-1-1 0 0,0 0 1 0 0,0 1 0 0 0,0 0 0 0 0,9-6 0 0 0,-13 9-82 0 0,1 0-1 0 0,-1 0 1 0 0,0 0-1 0 0,1 0 1 0 0,-1 0 0 0 0,0 0-1 0 0,1 0 1 0 0,-1 0 0 0 0,0 1-1 0 0,1-1 1 0 0,-1 0 0 0 0,0 0-1 0 0,1 0 1 0 0,-1 0 0 0 0,0 0-1 0 0,1 1 1 0 0,-1-1-1 0 0,0 0 1 0 0,0 0 0 0 0,1 0-1 0 0,-1 1 1 0 0,0-1 0 0 0,0 0-1 0 0,1 0 1 0 0,-1 1 0 0 0,0-1-1 0 0,0 0 1 0 0,0 1 0 0 0,1-1-1 0 0,-1 0 1 0 0,0 1-1 0 0,0-1 1 0 0,0 0 0 0 0,0 1-1 0 0,0-1 1 0 0,3 13 52 0 0,3 48 30 0 0,-8-36-69 0 0,1-20-11 0 0,0 0 0 0 0,1 0 0 0 0,-1 0 0 0 0,1 0 0 0 0,0 1 0 0 0,1-1 1 0 0,-1 0-1 0 0,1 0 0 0 0,0 0 0 0 0,0 0 0 0 0,3 5 0 0 0,-4-9-3 0 0,0-1 1 0 0,0 0-1 0 0,1 1 0 0 0,-1-1 0 0 0,0 0 0 0 0,0 1 1 0 0,1-1-1 0 0,-1 0 0 0 0,0 1 0 0 0,1-1 0 0 0,-1 0 0 0 0,0 0 1 0 0,1 1-1 0 0,-1-1 0 0 0,0 0 0 0 0,1 0 0 0 0,-1 0 1 0 0,1 1-1 0 0,-1-1 0 0 0,0 0 0 0 0,1 0 0 0 0,-1 0 1 0 0,1 0-1 0 0,-1 0 0 0 0,0 0 0 0 0,1 0 0 0 0,-1 0 0 0 0,1 0 1 0 0,-1 0-1 0 0,1 0 0 0 0,-1 0 0 0 0,0 0 0 0 0,1 0 1 0 0,-1-1-1 0 0,1 1 0 0 0,-1 0 0 0 0,0 0 0 0 0,1 0 0 0 0,-1-1 1 0 0,0 1-1 0 0,1 0 0 0 0,-1 0 0 0 0,0-1 0 0 0,1 1 1 0 0,3-4 24 0 0,-1 0 0 0 0,0 0 0 0 0,0 1 0 0 0,-1-2 1 0 0,1 1-1 0 0,-1 0 0 0 0,0-1 0 0 0,0 1 0 0 0,2-7 1 0 0,9-16 155 0 0,-4 10 6 0 0,0 3 190 0 0,14-20 0 0 0,-20 30-273 0 0,-1 1 0 0 0,2-1 0 0 0,-1 1 0 0 0,0 0-1 0 0,1 0 1 0 0,-1 1 0 0 0,1-1 0 0 0,0 0-1 0 0,0 1 1 0 0,5-2 0 0 0,-9 4-91 0 0,1-1 0 0 0,0 1 0 0 0,0 0 0 0 0,0 0 0 0 0,0 0 0 0 0,-1-1 0 0 0,1 1 0 0 0,0 0 0 0 0,0 0 0 0 0,0 0 0 0 0,0 0 0 0 0,0 1 0 0 0,-1-1 0 0 0,1 0 0 0 0,0 0 0 0 0,0 0 0 0 0,0 1 0 0 0,0-1 0 0 0,-1 0 0 0 0,1 1 0 0 0,0-1 0 0 0,1 2 0 0 0,-1-1 8 0 0,1 1 0 0 0,-1-1 1 0 0,1 1-1 0 0,-1 0 0 0 0,1-1 1 0 0,-1 1-1 0 0,0 0 0 0 0,2 4 1 0 0,0 2 22 0 0,0 0 0 0 0,-1 0 1 0 0,3 13-1 0 0,-2 17 36 0 0,-3-30-96 0 0,0 0-1 0 0,1 0 1 0 0,0-1 0 0 0,0 1-1 0 0,3 7 1 0 0,-2-8-268 0 0,-2-5 130 0 0,0-1 0 0 0,1 1 0 0 0,-1-1-1 0 0,0 1 1 0 0,1 0 0 0 0,0-1 0 0 0,-1 1-1 0 0,1-1 1 0 0,0 1 0 0 0,0-1 0 0 0,0 0-1 0 0,0 1 1 0 0,0-1 0 0 0,0 0 0 0 0,0 0-1 0 0,1 1 1 0 0,1 0 0 0 0,5-4-3428 0 0,5-3 1579 0 0</inkml:trace>
+</inkml:ink>
+</file>
+
+<file path=ppt/ink/ink16.xml><?xml version="1.0" encoding="utf-8"?>
+<inkml:ink xmlns:inkml="http://www.w3.org/2003/InkML">
+  <inkml:definitions>
+    <inkml:context xml:id="ctx0">
+      <inkml:inkSource xml:id="inkSrc0">
+        <inkml:traceFormat>
+          <inkml:channel name="X" type="integer" min="-2.14748E9" max="2.14748E9" units="cm"/>
+          <inkml:channel name="Y" type="integer" min="-2.14748E9" max="2.14748E9" units="cm"/>
+          <inkml:channel name="F" type="integer" max="32767" units="dev"/>
+          <inkml:channel name="OA" type="integer" max="360" units="deg"/>
+          <inkml:channel name="OE" type="integer" max="90" units="deg"/>
+        </inkml:traceFormat>
+        <inkml:channelProperties>
+          <inkml:channelProperty channel="X" name="resolution" value="1000" units="1/cm"/>
+          <inkml:channelProperty channel="Y" name="resolution" value="1000" units="1/cm"/>
+          <inkml:channelProperty channel="F" name="resolution" value="0" units="1/dev"/>
+          <inkml:channelProperty channel="OA" name="resolution" value="1000" units="1/deg"/>
+          <inkml:channelProperty channel="OE" name="resolution" value="1000" units="1/deg"/>
+        </inkml:channelProperties>
+      </inkml:inkSource>
+      <inkml:timestamp xml:id="ts0" timeString="2021-04-16T19:01:59.072"/>
+    </inkml:context>
+    <inkml:brush xml:id="br0">
+      <inkml:brushProperty name="width" value="0.05" units="cm"/>
+      <inkml:brushProperty name="height" value="0.05" units="cm"/>
+      <inkml:brushProperty name="color" value="#E71224"/>
+    </inkml:brush>
+  </inkml:definitions>
+  <inkml:trace contextRef="#ctx0" brushRef="#br0">32 218 15864 0 0,'-3'11'1691'0'0,"-6"59"38"0"0,1-11 2 0 0,2-11-2122 0 0,0 88 0 0 0,6-129-547 0 0</inkml:trace>
+  <inkml:trace contextRef="#ctx0" brushRef="#br0" timeOffset="1">98 30 9672 0 0,'-8'-15'864'0'0,"8"13"-696"0"0,-2-4-168 0 0,-1 4 960 0 0,0-3 1296 0 0</inkml:trace>
+</inkml:ink>
+</file>
+
+<file path=ppt/ink/ink17.xml><?xml version="1.0" encoding="utf-8"?>
+<inkml:ink xmlns:inkml="http://www.w3.org/2003/InkML">
+  <inkml:definitions>
+    <inkml:context xml:id="ctx0">
+      <inkml:inkSource xml:id="inkSrc0">
+        <inkml:traceFormat>
+          <inkml:channel name="X" type="integer" min="-2.14748E9" max="2.14748E9" units="cm"/>
+          <inkml:channel name="Y" type="integer" min="-2.14748E9" max="2.14748E9" units="cm"/>
+          <inkml:channel name="F" type="integer" max="32767" units="dev"/>
+          <inkml:channel name="OA" type="integer" max="360" units="deg"/>
+          <inkml:channel name="OE" type="integer" max="90" units="deg"/>
+        </inkml:traceFormat>
+        <inkml:channelProperties>
+          <inkml:channelProperty channel="X" name="resolution" value="1000" units="1/cm"/>
+          <inkml:channelProperty channel="Y" name="resolution" value="1000" units="1/cm"/>
+          <inkml:channelProperty channel="F" name="resolution" value="0" units="1/dev"/>
+          <inkml:channelProperty channel="OA" name="resolution" value="1000" units="1/deg"/>
+          <inkml:channelProperty channel="OE" name="resolution" value="1000" units="1/deg"/>
+        </inkml:channelProperties>
+      </inkml:inkSource>
+      <inkml:timestamp xml:id="ts0" timeString="2021-04-16T19:01:59.401"/>
+    </inkml:context>
+    <inkml:brush xml:id="br0">
+      <inkml:brushProperty name="width" value="0.05" units="cm"/>
+      <inkml:brushProperty name="height" value="0.05" units="cm"/>
+      <inkml:brushProperty name="color" value="#E71224"/>
+    </inkml:brush>
+  </inkml:definitions>
+  <inkml:trace contextRef="#ctx0" brushRef="#br0">80 1 17503 0 0,'-42'25'1904'0'0,"42"-24"-1863"0"0,-1-1 0 0 0,1 1-1 0 0,-1-1 1 0 0,1 0 0 0 0,-1 1-1 0 0,1-1 1 0 0,-1 1 0 0 0,1-1-1 0 0,-1 1 1 0 0,1 0 0 0 0,0-1-1 0 0,-1 1 1 0 0,1-1 0 0 0,0 1-1 0 0,0 0 1 0 0,-1 0 0 0 0,1 0 56 0 0,0-1-1 0 0,0 1 1 0 0,-1-1 0 0 0,1 1-1 0 0,0 0 1 0 0,0-1 0 0 0,-1 0 0 0 0,1 1-1 0 0,0-1 1 0 0,-1 1 0 0 0,1-1 0 0 0,0 1-1 0 0,-1-1 1 0 0,1 1 0 0 0,-1-1-1 0 0,1 0 1 0 0,0 1 0 0 0,-2-1 0 0 0,2 0-32 0 0,0 1 1 0 0,0-1-1 0 0,0 0 0 0 0,0 0 1 0 0,0 1-1 0 0,0-1 1 0 0,0 0-1 0 0,0 0 1 0 0,0 0-1 0 0,0 1 1 0 0,0-1-1 0 0,0 0 1 0 0,0 0-1 0 0,0 1 0 0 0,0-1 1 0 0,0 0-1 0 0,0 0 1 0 0,0 0-1 0 0,0 1 1 0 0,1-1-1 0 0,-1 0 1 0 0,0 0-1 0 0,0 0 0 0 0,0 0 1 0 0,0 1-1 0 0,0-1 1 0 0,0 0-1 0 0,1 0 1 0 0,-1 0-1 0 0,0 0 1 0 0,0 0-1 0 0,0 1 0 0 0,1-1 1 0 0,-1 0-1 0 0,0 0 1 0 0,0 0-1 0 0,0 0 1 0 0,1 0-1 0 0,-1 0 1 0 0,9 6 790 0 0,-3-4-642 0 0,0-1 0 0 0,0 0 0 0 0,0 0 0 0 0,0 0-1 0 0,-1-1 1 0 0,1 0 0 0 0,10-1 0 0 0,-9 0-91 0 0,-1 1 0 0 0,0 0 0 0 0,1 0 0 0 0,-1 0 0 0 0,1 1 0 0 0,6 2 0 0 0,-12-3-110 0 0,0 0 1 0 0,0 1-1 0 0,0-1 0 0 0,0 1 0 0 0,0-1 0 0 0,0 1 0 0 0,0-1 1 0 0,0 1-1 0 0,-1-1 0 0 0,1 1 0 0 0,0 0 0 0 0,0 0 0 0 0,-1-1 1 0 0,1 1-1 0 0,0 0 0 0 0,-1 0 0 0 0,1 0 0 0 0,-1 0 1 0 0,1 0-1 0 0,-1 0 0 0 0,0 0 0 0 0,1 0 0 0 0,-1 0 0 0 0,0 0 1 0 0,0 0-1 0 0,1 0 0 0 0,-1 0 0 0 0,0 0 0 0 0,0 0 0 0 0,0 0 1 0 0,0 0-1 0 0,-1 0 0 0 0,1 0 0 0 0,0 0 0 0 0,0 0 1 0 0,0 0-1 0 0,-1 0 0 0 0,0 2 0 0 0,-1 3 16 0 0,-1-1-1 0 0,1 1 1 0 0,-1 0-1 0 0,0-1 1 0 0,-5 6-1 0 0,-1 0-204 0 0,-1 0-1 0 0,-1 0 0 0 0,0-1 0 0 0,-1 0 0 0 0,-22 15 0 0 0,25-19-280 0 0,4-3-177 0 0,1 0-1 0 0,0-1 1 0 0,-1 1 0 0 0,1-1 0 0 0,-9 2 0 0 0,4-3-1120 0 0</inkml:trace>
+</inkml:ink>
+</file>
+
+<file path=ppt/ink/ink18.xml><?xml version="1.0" encoding="utf-8"?>
+<inkml:ink xmlns:inkml="http://www.w3.org/2003/InkML">
+  <inkml:definitions>
+    <inkml:context xml:id="ctx0">
+      <inkml:inkSource xml:id="inkSrc0">
+        <inkml:traceFormat>
+          <inkml:channel name="X" type="integer" min="-2.14748E9" max="2.14748E9" units="cm"/>
+          <inkml:channel name="Y" type="integer" min="-2.14748E9" max="2.14748E9" units="cm"/>
+          <inkml:channel name="F" type="integer" max="32767" units="dev"/>
+          <inkml:channel name="OA" type="integer" max="360" units="deg"/>
+          <inkml:channel name="OE" type="integer" max="90" units="deg"/>
+        </inkml:traceFormat>
+        <inkml:channelProperties>
+          <inkml:channelProperty channel="X" name="resolution" value="1000" units="1/cm"/>
+          <inkml:channelProperty channel="Y" name="resolution" value="1000" units="1/cm"/>
+          <inkml:channelProperty channel="F" name="resolution" value="0" units="1/dev"/>
+          <inkml:channelProperty channel="OA" name="resolution" value="1000" units="1/deg"/>
+          <inkml:channelProperty channel="OE" name="resolution" value="1000" units="1/deg"/>
+        </inkml:channelProperties>
+      </inkml:inkSource>
+      <inkml:timestamp xml:id="ts0" timeString="2021-04-16T19:01:59.810"/>
+    </inkml:context>
+    <inkml:brush xml:id="br0">
+      <inkml:brushProperty name="width" value="0.05" units="cm"/>
+      <inkml:brushProperty name="height" value="0.05" units="cm"/>
+      <inkml:brushProperty name="color" value="#E71224"/>
+    </inkml:brush>
+  </inkml:definitions>
+  <inkml:trace contextRef="#ctx0" brushRef="#br0">85 295 13216 0 0,'0'0'1194'0'0,"-14"10"-807"0"0,-23 13 5133 0 0,34-22-5032 0 0,0 1 1 0 0,0 0-1 0 0,0 1 0 0 0,0-1 1 0 0,0 0-1 0 0,-5 6 0 0 0,7-7-369 0 0,0 0 0 0 0,1 0 0 0 0,-1 0 0 0 0,0 0 0 0 0,1 0 0 0 0,-1 0 0 0 0,1 1 0 0 0,-1-1 0 0 0,1 0 0 0 0,0 0 0 0 0,-1 0 0 0 0,1 0 0 0 0,0 1 0 0 0,0-1 0 0 0,0 0 0 0 0,-1 0 0 0 0,2 1 0 0 0,-1-1 0 0 0,0 0 0 0 0,0 0 0 0 0,0 0 0 0 0,0 1 0 0 0,1 0 0 0 0,0-1-95 0 0,-1 0-1 0 0,1-1 1 0 0,0 1-1 0 0,-1 0 0 0 0,1-1 1 0 0,0 1-1 0 0,0 0 1 0 0,-1-1-1 0 0,1 1 1 0 0,0-1-1 0 0,0 0 0 0 0,0 1 1 0 0,0-1-1 0 0,0 1 1 0 0,-1-1-1 0 0,1 0 1 0 0,0 0-1 0 0,0 0 0 0 0,0 0 1 0 0,2 1-1 0 0,20-1 55 0 0,-19 0-32 0 0,72 4 639 0 0,-56 1-522 0 0,-19-5-157 0 0,0 0 0 0 0,0 1 0 0 0,0-1 0 0 0,-1 1 0 0 0,1-1 0 0 0,0 0 0 0 0,0 1 0 0 0,0 0 0 0 0,0-1 0 0 0,-1 1 1 0 0,1-1-1 0 0,0 1 0 0 0,-1 0 0 0 0,1-1 0 0 0,0 1 0 0 0,-1 0 0 0 0,1 0 0 0 0,-1 0 0 0 0,1 0 0 0 0,-1-1 0 0 0,0 1 0 0 0,1 0 0 0 0,-1 0 0 0 0,0 0 0 0 0,1 0 0 0 0,-1 0 0 0 0,0 0 0 0 0,0 0 0 0 0,0 0 0 0 0,0 1 0 0 0,0 0 2 0 0,-1 0-1 0 0,1 0 1 0 0,-1 0-1 0 0,0 0 1 0 0,0 0-1 0 0,0 0 1 0 0,0 0-1 0 0,-1 2 0 0 0,1-3 0 0 0,-5 6-386 0 0,0 0-1 0 0,-1 0 1 0 0,0-1 0 0 0,0 0-1 0 0,-1 0 1 0 0,0-1-1 0 0,-11 6 1 0 0,5-5-1407 0 0</inkml:trace>
+  <inkml:trace contextRef="#ctx0" brushRef="#br0" timeOffset="1">253 416 18743 0 0,'0'0'416'0'0,"0"9"80"0"0,-5 4 16 0 0,-3 2 16 0 0,5 3-424 0 0,0-1-104 0 0,-3 3 0 0 0,-2 0 0 0 0,2 0 120 0 0,1-3 0 0 0,1-4 0 0 0,-1-3 0 0 0,-1 0-880 0 0,4-2-168 0 0</inkml:trace>
+  <inkml:trace contextRef="#ctx0" brushRef="#br0" timeOffset="2">349 4 9672 0 0,'-3'-2'864'0'0,"-2"0"-696"0"0,0 2 3408 0 0,5 4-1584 0 0,2 5-6064 0 0,-2-2-1216 0 0</inkml:trace>
+</inkml:ink>
+</file>
+
+<file path=ppt/ink/ink19.xml><?xml version="1.0" encoding="utf-8"?>
+<inkml:ink xmlns:inkml="http://www.w3.org/2003/InkML">
+  <inkml:definitions>
+    <inkml:context xml:id="ctx0">
+      <inkml:inkSource xml:id="inkSrc0">
+        <inkml:traceFormat>
+          <inkml:channel name="X" type="integer" min="-2.14748E9" max="2.14748E9" units="cm"/>
+          <inkml:channel name="Y" type="integer" min="-2.14748E9" max="2.14748E9" units="cm"/>
+          <inkml:channel name="F" type="integer" max="32767" units="dev"/>
+          <inkml:channel name="OA" type="integer" max="360" units="deg"/>
+          <inkml:channel name="OE" type="integer" max="90" units="deg"/>
+        </inkml:traceFormat>
+        <inkml:channelProperties>
+          <inkml:channelProperty channel="X" name="resolution" value="1000" units="1/cm"/>
+          <inkml:channelProperty channel="Y" name="resolution" value="1000" units="1/cm"/>
+          <inkml:channelProperty channel="F" name="resolution" value="0" units="1/dev"/>
+          <inkml:channelProperty channel="OA" name="resolution" value="1000" units="1/deg"/>
+          <inkml:channelProperty channel="OE" name="resolution" value="1000" units="1/deg"/>
+        </inkml:channelProperties>
+      </inkml:inkSource>
+      <inkml:timestamp xml:id="ts0" timeString="2021-04-16T19:02:00.209"/>
+    </inkml:context>
+    <inkml:brush xml:id="br0">
+      <inkml:brushProperty name="width" value="0.05" units="cm"/>
+      <inkml:brushProperty name="height" value="0.05" units="cm"/>
+      <inkml:brushProperty name="color" value="#E71224"/>
+    </inkml:brush>
+  </inkml:definitions>
+  <inkml:trace contextRef="#ctx0" brushRef="#br0">49 17 9216 0 0,'0'0'57'0'0,"-1"1"1"0"0,0-1-1 0 0,0 0 1 0 0,0 1-1 0 0,1-1 1 0 0,-1 1-1 0 0,0-1 1 0 0,1 1-1 0 0,-1 0 1 0 0,0-1-1 0 0,1 1 0 0 0,-1 0 1 0 0,1-1-1 0 0,-1 1 1 0 0,1 0-1 0 0,-1 0 1 0 0,-10 17 609 0 0,8-13 626 0 0,-1 3 678 0 0,0 0 0 0 0,0 0 0 0 0,-3 13 0 0 0,6-18-1629 0 0,0 0 0 0 0,0 0 0 0 0,1 0-1 0 0,-1 0 1 0 0,1 0 0 0 0,0 0 0 0 0,0 0 0 0 0,0 0 0 0 0,0 0 0 0 0,0 0 0 0 0,1 0-1 0 0,-1 0 1 0 0,2 4 0 0 0,-1-6 277 0 0,2-1-481 0 0,0-1 0 0 0,0 0 0 0 0,0 0 0 0 0,0 0-1 0 0,0 0 1 0 0,0 0 0 0 0,0-1 0 0 0,0 1 0 0 0,0-1 0 0 0,0 0 0 0 0,-1 1 0 0 0,1-1 0 0 0,-1-1 0 0 0,1 1-1 0 0,-1 0 1 0 0,0-1 0 0 0,0 1 0 0 0,0-1 0 0 0,3-5 0 0 0,3-4-84 0 0,-1-1 0 0 0,0-1-1 0 0,5-13 1 0 0,1-10-975 0 0</inkml:trace>
+</inkml:ink>
+</file>
+
+<file path=ppt/ink/ink2.xml><?xml version="1.0" encoding="utf-8"?>
+<inkml:ink xmlns:inkml="http://www.w3.org/2003/InkML">
+  <inkml:definitions>
+    <inkml:context xml:id="ctx0">
+      <inkml:inkSource xml:id="inkSrc0">
+        <inkml:traceFormat>
+          <inkml:channel name="X" type="integer" min="-2.14748E9" max="2.14748E9" units="cm"/>
+          <inkml:channel name="Y" type="integer" min="-2.14748E9" max="2.14748E9" units="cm"/>
+          <inkml:channel name="F" type="integer" max="32767" units="dev"/>
+          <inkml:channel name="OA" type="integer" max="360" units="deg"/>
+          <inkml:channel name="OE" type="integer" max="90" units="deg"/>
+        </inkml:traceFormat>
+        <inkml:channelProperties>
+          <inkml:channelProperty channel="X" name="resolution" value="1000" units="1/cm"/>
+          <inkml:channelProperty channel="Y" name="resolution" value="1000" units="1/cm"/>
+          <inkml:channelProperty channel="F" name="resolution" value="0" units="1/dev"/>
+          <inkml:channelProperty channel="OA" name="resolution" value="1000" units="1/deg"/>
+          <inkml:channelProperty channel="OE" name="resolution" value="1000" units="1/deg"/>
+        </inkml:channelProperties>
+      </inkml:inkSource>
+      <inkml:timestamp xml:id="ts0" timeString="2021-04-16T19:01:12.537"/>
+    </inkml:context>
+    <inkml:brush xml:id="br0">
+      <inkml:brushProperty name="width" value="0.05" units="cm"/>
+      <inkml:brushProperty name="height" value="0.05" units="cm"/>
+      <inkml:brushProperty name="color" value="#E71224"/>
+    </inkml:brush>
+  </inkml:definitions>
+  <inkml:trace contextRef="#ctx0" brushRef="#br0">2 95 2760 0 0,'-1'-6'13186'0'0,"1"8"-13062"0"0,1 0-1 0 0,0 0 1 0 0,0 0-1 0 0,0-1 0 0 0,0 1 1 0 0,0-1-1 0 0,1 1 1 0 0,-1-1-1 0 0,0 1 1 0 0,1-1-1 0 0,-1 1 1 0 0,1-1-1 0 0,0 0 0 0 0,-1 0 1 0 0,1 0-1 0 0,0 0 1 0 0,-1 0-1 0 0,1 0 1 0 0,3 0-1 0 0,5 2 325 0 0,-1 0 1 0 0,18 1-1 0 0,-22-3-265 0 0,11 1 122 0 0,0-2 0 0 0,-1 0 0 0 0,1-1 0 0 0,20-3 0 0 0,17-1 361 0 0,17 1 412 0 0,-21 1-820 0 0,71 3 1 0 0,-78 2 30 0 0,44-5 1 0 0,-56 2-175 0 0,127-3 502 0 0,67-5 262 0 0,298-10 1258 0 0,-388 22-1870 0 0,107-4 430 0 0,-224 0-637 0 0,118-5 426 0 0,71 3 283 0 0,-143 1-500 0 0,68 4 34 0 0,-103 1-258 0 0,-15-1 49 0 0,1-1 1 0 0,0 0-1 0 0,0-1 1 0 0,0 0-1 0 0,25-5 1 0 0,-37 5-109 0 0,4-1 25 0 0,0 0 0 0 0,0 0 0 0 0,0 0 0 0 0,-1-1 0 0 0,1 0 0 0 0,0 0 0 0 0,-1 0 0 0 0,0-1 0 0 0,0 0 0 0 0,1 0 0 0 0,-2 0 0 0 0,1-1 0 0 0,6-5 0 0 0,8-7 83 0 0,-17 15-177 0 0,1-1 0 0 0,-1 1 0 0 0,0-1 0 0 0,0 0 1 0 0,0 0-1 0 0,0 0 0 0 0,0 0 0 0 0,1-2 0 0 0,-2 3-334 0 0</inkml:trace>
+</inkml:ink>
+</file>
+
+<file path=ppt/ink/ink20.xml><?xml version="1.0" encoding="utf-8"?>
+<inkml:ink xmlns:inkml="http://www.w3.org/2003/InkML">
+  <inkml:definitions>
+    <inkml:context xml:id="ctx0">
+      <inkml:inkSource xml:id="inkSrc0">
+        <inkml:traceFormat>
+          <inkml:channel name="X" type="integer" min="-2.14748E9" max="2.14748E9" units="cm"/>
+          <inkml:channel name="Y" type="integer" min="-2.14748E9" max="2.14748E9" units="cm"/>
+          <inkml:channel name="F" type="integer" max="32767" units="dev"/>
+          <inkml:channel name="OA" type="integer" max="360" units="deg"/>
+          <inkml:channel name="OE" type="integer" max="90" units="deg"/>
+        </inkml:traceFormat>
+        <inkml:channelProperties>
+          <inkml:channelProperty channel="X" name="resolution" value="1000" units="1/cm"/>
+          <inkml:channelProperty channel="Y" name="resolution" value="1000" units="1/cm"/>
+          <inkml:channelProperty channel="F" name="resolution" value="0" units="1/dev"/>
+          <inkml:channelProperty channel="OA" name="resolution" value="1000" units="1/deg"/>
+          <inkml:channelProperty channel="OE" name="resolution" value="1000" units="1/deg"/>
+        </inkml:channelProperties>
+      </inkml:inkSource>
+      <inkml:timestamp xml:id="ts0" timeString="2021-04-16T19:02:00.570"/>
+    </inkml:context>
+    <inkml:brush xml:id="br0">
+      <inkml:brushProperty name="width" value="0.05" units="cm"/>
+      <inkml:brushProperty name="height" value="0.05" units="cm"/>
+      <inkml:brushProperty name="color" value="#E71224"/>
+    </inkml:brush>
+  </inkml:definitions>
+  <inkml:trace contextRef="#ctx0" brushRef="#br0">1 187 21191 0 0,'7'15'480'0'0,"-6"-13"1167"0"0,0-3-1466 0 0,8-13 535 0 0,0 0-1 0 0,-2-1 1 0 0,11-27-1 0 0,-9 20 376 0 0,14-25 0 0 0,-18 40-811 0 0,-1-1-1 0 0,1 1 1 0 0,7-6-1 0 0,-11 11-255 0 0,0 1 0 0 0,1 0 0 0 0,-1-1 0 0 0,1 1 0 0 0,-1 0 0 0 0,1 0 0 0 0,0 0-1 0 0,-1 0 1 0 0,3-1 0 0 0,-3 2-21 0 0,-1 0 0 0 0,1 0 0 0 0,0 0 0 0 0,-1 0 0 0 0,1 0 0 0 0,0 0 0 0 0,-1 0 0 0 0,1 0 0 0 0,0 0 0 0 0,-1 0 0 0 0,1 0 0 0 0,0 0 0 0 0,-1 0 0 0 0,1 0 0 0 0,0 1 0 0 0,-1-1 0 0 0,1 0 0 0 0,-1 1 0 0 0,1-1 0 0 0,0 0 0 0 0,-1 1 0 0 0,1-1 0 0 0,-1 0-1 0 0,1 1 1 0 0,-1-1 0 0 0,1 2 0 0 0,8 7 11 0 0,-3-3 1 0 0,-1 0-1 0 0,0 1 1 0 0,0-1 0 0 0,4 9-1 0 0,-7-12-2 0 0,-1-1 0 0 0,1 1 0 0 0,0-1 0 0 0,-1 1-1 0 0,1-1 1 0 0,0 0 0 0 0,0 0 0 0 0,1 0 0 0 0,-1 0 0 0 0,0 0 0 0 0,4 1-1 0 0,-5-2-10 0 0,0 0-1 0 0,1-1 0 0 0,-1 1 0 0 0,0-1 1 0 0,0 1-1 0 0,1-1 0 0 0,-1 0 1 0 0,1 0-1 0 0,-1 1 0 0 0,0-1 0 0 0,1 0 1 0 0,-1 0-1 0 0,0 0 0 0 0,1-1 0 0 0,-1 1 1 0 0,1 0-1 0 0,-1 0 0 0 0,0-1 0 0 0,1 1 1 0 0,-1-1-1 0 0,0 1 0 0 0,0-1 1 0 0,1 0-1 0 0,-1 1 0 0 0,1-2 0 0 0,13-9-394 0 0,12-9-4682 0 0</inkml:trace>
+</inkml:ink>
+</file>
+
+<file path=ppt/ink/ink21.xml><?xml version="1.0" encoding="utf-8"?>
+<inkml:ink xmlns:inkml="http://www.w3.org/2003/InkML">
+  <inkml:definitions>
+    <inkml:context xml:id="ctx0">
+      <inkml:inkSource xml:id="inkSrc0">
+        <inkml:traceFormat>
+          <inkml:channel name="X" type="integer" min="-2.14748E9" max="2.14748E9" units="cm"/>
+          <inkml:channel name="Y" type="integer" min="-2.14748E9" max="2.14748E9" units="cm"/>
+          <inkml:channel name="F" type="integer" max="32767" units="dev"/>
+          <inkml:channel name="OA" type="integer" max="360" units="deg"/>
+          <inkml:channel name="OE" type="integer" max="90" units="deg"/>
+        </inkml:traceFormat>
+        <inkml:channelProperties>
+          <inkml:channelProperty channel="X" name="resolution" value="1000" units="1/cm"/>
+          <inkml:channelProperty channel="Y" name="resolution" value="1000" units="1/cm"/>
+          <inkml:channelProperty channel="F" name="resolution" value="0" units="1/dev"/>
+          <inkml:channelProperty channel="OA" name="resolution" value="1000" units="1/deg"/>
+          <inkml:channelProperty channel="OE" name="resolution" value="1000" units="1/deg"/>
+        </inkml:channelProperties>
+      </inkml:inkSource>
+      <inkml:timestamp xml:id="ts0" timeString="2021-04-16T19:02:01.225"/>
+    </inkml:context>
+    <inkml:brush xml:id="br0">
+      <inkml:brushProperty name="width" value="0.05" units="cm"/>
+      <inkml:brushProperty name="height" value="0.05" units="cm"/>
+      <inkml:brushProperty name="color" value="#E71224"/>
+    </inkml:brush>
+  </inkml:definitions>
+  <inkml:trace contextRef="#ctx0" brushRef="#br0">29 221 3224 0 0,'-15'-11'8417'0'0,"2"-16"2705"0"0,20 22-9310 0 0,17 7-1359 0 0,-1 0 0 0 0,0 2 1 0 0,35 10-1 0 0,13 2-235 0 0,-32-9-53 0 0,0-2 1 0 0,1-1-1 0 0,-1-3 1 0 0,1-1-1 0 0,0-1 1 0 0,52-10-1 0 0,-83 10-126 0 0,8-2 77 0 0,0-1-1 0 0,-1 0 1 0 0,24-9 0 0 0,-40 13-107 0 0,1-1 0 0 0,-1 1 0 0 0,1 0 0 0 0,-1 0 0 0 0,1 0 0 0 0,-1-1 0 0 0,0 1 0 0 0,1 0 0 0 0,-1-1 0 0 0,1 1 0 0 0,-1 0 0 0 0,0-1 0 0 0,1 1 0 0 0,-1 0 0 0 0,0-1 0 0 0,1 1-1 0 0,-1-1 1 0 0,0 1 0 0 0,0-1 0 0 0,1 1 0 0 0,-1-1 0 0 0,0 1 0 0 0,0-1 0 0 0,0 1 0 0 0,0-1 0 0 0,0 1 0 0 0,1-1 0 0 0,-1 0 0 0 0,-1 0 10 0 0,1 0-1 0 0,0 0 0 0 0,-1 0 0 0 0,1 0 1 0 0,-1 0-1 0 0,1 0 0 0 0,-1 0 0 0 0,1 0 1 0 0,-1 0-1 0 0,0 0 0 0 0,1 1 0 0 0,-3-3 1 0 0,0 0 16 0 0,-1 0 1 0 0,0 0 0 0 0,0 0-1 0 0,0 1 1 0 0,-7-4 0 0 0,-104-41 81 0 0,18 4-117 0 0,75 32-7 0 0,6 2 207 0 0,-22-8-1 0 0,37 17-191 0 0,1 0-1 0 0,-1 0 0 0 0,1 0 1 0 0,0 0-1 0 0,-1-1 1 0 0,1 1-1 0 0,-1 0 0 0 0,1 0 1 0 0,0 0-1 0 0,-1-1 1 0 0,1 1-1 0 0,-1 0 1 0 0,1 0-1 0 0,0-1 0 0 0,0 1 1 0 0,-1 0-1 0 0,1-1 1 0 0,0 1-1 0 0,-1 0 0 0 0,1-1 1 0 0,0 1-1 0 0,0 0 1 0 0,0-1-1 0 0,-1 1 1 0 0,1-1-1 0 0,0 0 0 0 0,0 1 13 0 0,0-1-1 0 0,0 1 0 0 0,1-1 1 0 0,-1 1-1 0 0,0 0 0 0 0,0-1 1 0 0,1 1-1 0 0,-1-1 1 0 0,0 1-1 0 0,1-1 0 0 0,-1 1 1 0 0,0 0-1 0 0,1-1 0 0 0,-1 1 1 0 0,1 0-1 0 0,-1 0 0 0 0,1-1 1 0 0,0 1-1 0 0,1-1 32 0 0,0 0 0 0 0,0 0 1 0 0,1 0-1 0 0,-1 0 0 0 0,0 0 0 0 0,1 1 0 0 0,-1-1 1 0 0,0 1-1 0 0,5 0 0 0 0,34 4-25 0 0,-17-1 45 0 0,33 6 0 0 0,-49-7-58 0 0,0 1 1 0 0,-1-1-1 0 0,1 1 0 0 0,0 1 1 0 0,-1-1-1 0 0,0 1 0 0 0,0 1 1 0 0,7 5-1 0 0,-11-8 10 0 0,-1-1 1 0 0,0 1-1 0 0,1 0 0 0 0,-1 0 0 0 0,0 1 0 0 0,0-1 1 0 0,-1 0-1 0 0,1 1 0 0 0,0-1 0 0 0,-1 1 1 0 0,1 0-1 0 0,-1-1 0 0 0,0 1 0 0 0,0 0 1 0 0,0 0-1 0 0,0 0 0 0 0,0-1 0 0 0,-1 1 1 0 0,0 0-1 0 0,1 4 0 0 0,-1 2-4 0 0,-1 0-1 0 0,1 0 1 0 0,-1 0-1 0 0,-1 0 1 0 0,0-1 0 0 0,0 1-1 0 0,-1 0 1 0 0,0-1-1 0 0,-1 0 1 0 0,1 0 0 0 0,-2 0-1 0 0,1 0 1 0 0,-1 0-1 0 0,0-1 1 0 0,0 0 0 0 0,-1 0-1 0 0,-10 9 1 0 0,11-12-654 0 0,0 0 0 0 0,0 0 0 0 0,-1-1 0 0 0,1 0 1 0 0,-1 0-1 0 0,-12 5 0 0 0,11-6-840 0 0</inkml:trace>
+</inkml:ink>
+</file>
+
+<file path=ppt/ink/ink22.xml><?xml version="1.0" encoding="utf-8"?>
+<inkml:ink xmlns:inkml="http://www.w3.org/2003/InkML">
+  <inkml:definitions>
+    <inkml:context xml:id="ctx0">
+      <inkml:inkSource xml:id="inkSrc0">
+        <inkml:traceFormat>
+          <inkml:channel name="X" type="integer" min="-2.14748E9" max="2.14748E9" units="cm"/>
+          <inkml:channel name="Y" type="integer" min="-2.14748E9" max="2.14748E9" units="cm"/>
+          <inkml:channel name="F" type="integer" max="32767" units="dev"/>
+          <inkml:channel name="OA" type="integer" max="360" units="deg"/>
+          <inkml:channel name="OE" type="integer" max="90" units="deg"/>
+        </inkml:traceFormat>
+        <inkml:channelProperties>
+          <inkml:channelProperty channel="X" name="resolution" value="1000" units="1/cm"/>
+          <inkml:channelProperty channel="Y" name="resolution" value="1000" units="1/cm"/>
+          <inkml:channelProperty channel="F" name="resolution" value="0" units="1/dev"/>
+          <inkml:channelProperty channel="OA" name="resolution" value="1000" units="1/deg"/>
+          <inkml:channelProperty channel="OE" name="resolution" value="1000" units="1/deg"/>
+        </inkml:channelProperties>
+      </inkml:inkSource>
+      <inkml:timestamp xml:id="ts0" timeString="2021-04-16T19:02:03.931"/>
+    </inkml:context>
+    <inkml:brush xml:id="br0">
+      <inkml:brushProperty name="width" value="0.05" units="cm"/>
+      <inkml:brushProperty name="height" value="0.05" units="cm"/>
+      <inkml:brushProperty name="color" value="#E71224"/>
+    </inkml:brush>
+  </inkml:definitions>
+  <inkml:trace contextRef="#ctx0" brushRef="#br0">331 45 2760 0 0,'0'0'448'0'0,"8"-16"7066"0"0,-8 15-7235 0 0,0 0 0 0 0,0 0 0 0 0,0 0 0 0 0,0 0 0 0 0,0 0 0 0 0,0-1 0 0 0,0 1 0 0 0,0 0 0 0 0,-1 0 0 0 0,1 0 0 0 0,0 0 0 0 0,-1 0 0 0 0,1 0 0 0 0,-1 0 0 0 0,1 0 0 0 0,-1 0 0 0 0,0 0 0 0 0,1 1 0 0 0,-1-1 0 0 0,0 0 0 0 0,0 0 0 0 0,1 0 0 0 0,-1 1 0 0 0,0-1-1 0 0,0 0 1 0 0,0 1 0 0 0,-1-1 0 0 0,-1 0 2 0 0,1 0 0 0 0,-1 1 0 0 0,1 0 0 0 0,-1-1 0 0 0,1 1-1 0 0,-1 0 1 0 0,1 0 0 0 0,-1 1 0 0 0,1-1 0 0 0,-1 0-1 0 0,-3 2 1 0 0,-6 1 113 0 0,-1 1-1 0 0,1 0 0 0 0,0 1 1 0 0,0 1-1 0 0,0 0 1 0 0,1 0-1 0 0,-13 10 0 0 0,8-3-31 0 0,1 0-1 0 0,0 0 0 0 0,-24 30 0 0 0,26-26-162 0 0,0 0 0 0 0,2 1 0 0 0,0 0 0 0 0,-9 20-1 0 0,15-26-119 0 0,0 1 0 0 0,1-1 0 0 0,0 1-1 0 0,1 0 1 0 0,0 0 0 0 0,1 0-1 0 0,-1 19 1 0 0,3-28-64 0 0,0 0 0 0 0,0 0 0 0 0,1-1 0 0 0,-1 1 0 0 0,1 0 0 0 0,0 0 0 0 0,0-1 0 0 0,0 1 0 0 0,1-1 0 0 0,-1 1 0 0 0,1-1 0 0 0,0 1 0 0 0,2 3 0 0 0,-3-6-6 0 0,1 0 1 0 0,-1 0-1 0 0,0 1 0 0 0,1-1 1 0 0,-1 0-1 0 0,0 0 0 0 0,1 0 1 0 0,-1-1-1 0 0,1 1 1 0 0,0 0-1 0 0,-1-1 0 0 0,1 1 1 0 0,0-1-1 0 0,-1 1 0 0 0,1-1 1 0 0,0 0-1 0 0,-1 1 0 0 0,1-1 1 0 0,0 0-1 0 0,0 0 0 0 0,-1 0 1 0 0,1-1-1 0 0,0 1 1 0 0,0 0-1 0 0,-1-1 0 0 0,1 1 1 0 0,0-1-1 0 0,-1 1 0 0 0,1-1 1 0 0,2-1-1 0 0,5-3 37 0 0,1-1-1 0 0,-1 0 0 0 0,-1 0 1 0 0,1-1-1 0 0,-1 0 0 0 0,0 0 1 0 0,12-15-1 0 0,-4 2-66 0 0,-1-1-1 0 0,14-24 1 0 0,-9 2-446 0 0,-13 27-1004 0 0,16-28 1 0 0,-21 40 1036 0 0,1 1 0 0 0,-1 0 0 0 0,1-1 0 0 0,-1 1-1 0 0,1 0 1 0 0,0 0 0 0 0,0 1 0 0 0,1-1 0 0 0,-1 1 0 0 0,0-1-1 0 0,1 1 1 0 0,7-3 0 0 0,-8 4 179 0 0,1 0 0 0 0,0 0 0 0 0,0 0 0 0 0,-1 0 1 0 0,1 1-1 0 0,0 0 0 0 0,0 0 0 0 0,0 0 0 0 0,7 1 0 0 0,-9-1 321 0 0,0 1 0 0 0,0-1-1 0 0,0 1 1 0 0,1 0 0 0 0,-1-1 0 0 0,0 1-1 0 0,0 0 1 0 0,0 0 0 0 0,-1 1-1 0 0,1-1 1 0 0,0 0 0 0 0,0 1 0 0 0,-1-1-1 0 0,1 1 1 0 0,0-1 0 0 0,-1 1 0 0 0,0 0-1 0 0,2 2 1 0 0,6 13 777 0 0,-1 1 0 0 0,0 0 0 0 0,-1 1 0 0 0,-2-1 0 0 0,0 1 1 0 0,0 0-1 0 0,1 27 0 0 0,1 140 637 0 0,-8-141-1000 0 0,1-28-163 0 0,-1 1 0 0 0,-3 20 0 0 0,4-37-296 0 0,0-1 0 0 0,0 1 0 0 0,0-1 1 0 0,-1 1-1 0 0,1-1 0 0 0,0 1 0 0 0,0 0 0 0 0,0-1 1 0 0,0 1-1 0 0,-1-1 0 0 0,1 1 0 0 0,0-1 0 0 0,0 1 1 0 0,-1-1-1 0 0,1 1 0 0 0,0-1 0 0 0,-1 0 0 0 0,1 1 1 0 0,-1 0-1 0 0,0-1 7 0 0,1 0 1 0 0,0 0-1 0 0,-1 0 1 0 0,1 0-1 0 0,0-1 1 0 0,0 1-1 0 0,-1 0 1 0 0,1 0-1 0 0,0 0 1 0 0,-1 0-1 0 0,1 0 1 0 0,0-1-1 0 0,0 1 1 0 0,-1 0-1 0 0,1 0 1 0 0,0-1-1 0 0,0 1 1 0 0,0 0-1 0 0,-1 0 1 0 0,1-1-1 0 0,0 1 1 0 0,0 0-1 0 0,0 0 1 0 0,0-1-1 0 0,-9-23 572 0 0,4-6-347 0 0,0 4-164 0 0,2 0 1 0 0,-1-29-1 0 0,3 29-50 0 0,2 1 0 0 0,1 0 1 0 0,0 0-1 0 0,2 0 0 0 0,1 0 0 0 0,2 0 0 0 0,12-34 0 0 0,-12 42 123 0 0,1 1 0 0 0,0 0 0 0 0,22-30 0 0 0,-27 42-107 0 0,1-1 0 0 0,0 1 0 0 0,1 0 0 0 0,-1 0 0 0 0,1 0 0 0 0,10-6 0 0 0,-12 8-27 0 0,0 1 1 0 0,1-1 0 0 0,-1 1 0 0 0,0 0 0 0 0,1 0-1 0 0,-1 0 1 0 0,1 1 0 0 0,0-1 0 0 0,-1 1 0 0 0,1-1-1 0 0,-1 1 1 0 0,7 1 0 0 0,-9-1-23 0 0,0 0 0 0 0,1 1 0 0 0,-1-1 1 0 0,0 0-1 0 0,0 1 0 0 0,1-1 0 0 0,-1 1 0 0 0,0-1 0 0 0,0 1 1 0 0,0 0-1 0 0,0 0 0 0 0,0-1 0 0 0,0 1 0 0 0,0 0 0 0 0,0 0 0 0 0,0 0 1 0 0,0 0-1 0 0,0 0 0 0 0,1 1 0 0 0,-1 1 4 0 0,0-1 0 0 0,0 1 0 0 0,0-1 0 0 0,0 1 0 0 0,0-1-1 0 0,-1 1 1 0 0,1-1 0 0 0,-1 1 0 0 0,0 3 0 0 0,0 2 14 0 0,0 1 1 0 0,-1-1-1 0 0,0 1 0 0 0,0-1 1 0 0,-3 9-1 0 0,-1-4-11 0 0,0-1 1 0 0,-1 0-1 0 0,0 0 0 0 0,0 0 1 0 0,-14 16-1 0 0,16-23-148 0 0,1-1-1 0 0,-1 0 1 0 0,0 0 0 0 0,0 0-1 0 0,0-1 1 0 0,-1 0 0 0 0,1 1-1 0 0,-1-2 1 0 0,0 1 0 0 0,1 0-1 0 0,-1-1 1 0 0,-1 0 0 0 0,1 0-1 0 0,0 0 1 0 0,0-1 0 0 0,-1 0-1 0 0,1 0 1 0 0,-1 0 0 0 0,1-1-1 0 0,-1 0 1 0 0,-6 0 0 0 0,-4-5-1692 0 0,10-1-488 0 0</inkml:trace>
+</inkml:ink>
+</file>
+
+<file path=ppt/ink/ink23.xml><?xml version="1.0" encoding="utf-8"?>
+<inkml:ink xmlns:inkml="http://www.w3.org/2003/InkML">
+  <inkml:definitions>
+    <inkml:context xml:id="ctx0">
+      <inkml:inkSource xml:id="inkSrc0">
+        <inkml:traceFormat>
+          <inkml:channel name="X" type="integer" min="-2.14748E9" max="2.14748E9" units="cm"/>
+          <inkml:channel name="Y" type="integer" min="-2.14748E9" max="2.14748E9" units="cm"/>
+          <inkml:channel name="F" type="integer" max="32767" units="dev"/>
+          <inkml:channel name="OA" type="integer" max="360" units="deg"/>
+          <inkml:channel name="OE" type="integer" max="90" units="deg"/>
+        </inkml:traceFormat>
+        <inkml:channelProperties>
+          <inkml:channelProperty channel="X" name="resolution" value="1000" units="1/cm"/>
+          <inkml:channelProperty channel="Y" name="resolution" value="1000" units="1/cm"/>
+          <inkml:channelProperty channel="F" name="resolution" value="0" units="1/dev"/>
+          <inkml:channelProperty channel="OA" name="resolution" value="1000" units="1/deg"/>
+          <inkml:channelProperty channel="OE" name="resolution" value="1000" units="1/deg"/>
+        </inkml:channelProperties>
+      </inkml:inkSource>
+      <inkml:timestamp xml:id="ts0" timeString="2021-04-16T19:02:04.339"/>
+    </inkml:context>
+    <inkml:brush xml:id="br0">
+      <inkml:brushProperty name="width" value="0.05" units="cm"/>
+      <inkml:brushProperty name="height" value="0.05" units="cm"/>
+      <inkml:brushProperty name="color" value="#E71224"/>
+    </inkml:brush>
+  </inkml:definitions>
+  <inkml:trace contextRef="#ctx0" brushRef="#br0">1 173 7832 0 0,'1'0'602'0'0,"15"7"2170"0"0,0-2 0 0 0,1 0 0 0 0,29 5 0 0 0,-40-10-1908 0 0,1 1-1 0 0,0-1 1 0 0,0-1 0 0 0,-1 1 0 0 0,1-1-1 0 0,10-2 1 0 0,-11 1-755 0 0,0 0-1 0 0,0 0 1 0 0,-1-1 0 0 0,10-5-1 0 0,-8 3 72 0 0,-1 0-1 0 0,0 0 1 0 0,0 0-1 0 0,-1 0 1 0 0,1-1-1 0 0,-1 0 1 0 0,-1 0-1 0 0,1-1 1 0 0,4-8-1 0 0,-6 9-118 0 0,0 0 1 0 0,0 1-1 0 0,-1-1 0 0 0,0 0 1 0 0,0 0-1 0 0,0-1 0 0 0,-1 1 1 0 0,0 0-1 0 0,0 0 0 0 0,-1-1 1 0 0,0 1-1 0 0,0-7 0 0 0,0 12-32 0 0,0 0-1 0 0,0 0 0 0 0,-1 0 1 0 0,1-1-1 0 0,0 1 1 0 0,0 0-1 0 0,-1 0 0 0 0,1 0 1 0 0,-1 0-1 0 0,1 0 0 0 0,-1-1 1 0 0,1 1-1 0 0,-1 0 1 0 0,0 0-1 0 0,1 0 0 0 0,-1 1 1 0 0,0-1-1 0 0,0 0 1 0 0,0 0-1 0 0,0 0 0 0 0,0 1 1 0 0,0-1-1 0 0,0 0 1 0 0,0 1-1 0 0,0-1 0 0 0,0 1 1 0 0,0-1-1 0 0,0 1 1 0 0,0-1-1 0 0,-2 1 0 0 0,2 0 44 0 0,-1 0-1 0 0,0 0 0 0 0,1 0 0 0 0,-1 0 1 0 0,0 1-1 0 0,1-1 0 0 0,-1 1 0 0 0,0-1 1 0 0,1 1-1 0 0,-1 0 0 0 0,1 0 0 0 0,-1-1 1 0 0,1 1-1 0 0,-1 0 0 0 0,1 0 1 0 0,0 0-1 0 0,-1 1 0 0 0,1-1 0 0 0,0 0 1 0 0,0 0-1 0 0,-2 3 0 0 0,-8 11 47 0 0,0 0-1 0 0,1 1 1 0 0,-16 33-1 0 0,23-42-99 0 0,1 0 0 0 0,-1 1 0 0 0,1-1 0 0 0,1 1 0 0 0,-1 0 0 0 0,1 0 0 0 0,0 0 0 0 0,1 0 0 0 0,0 0 0 0 0,0 0 0 0 0,1-1 0 0 0,1 9 0 0 0,-1-14-55 0 0,0 1-1 0 0,-1-1 1 0 0,1 0-1 0 0,0 0 1 0 0,0 0-1 0 0,0 0 1 0 0,0 0-1 0 0,1 0 1 0 0,-1-1-1 0 0,1 1 1 0 0,-1 0 0 0 0,1 0-1 0 0,-1-1 1 0 0,1 1-1 0 0,0-1 1 0 0,0 0-1 0 0,-1 1 1 0 0,1-1-1 0 0,0 0 1 0 0,0 0 0 0 0,1 0-1 0 0,-1-1 1 0 0,0 1-1 0 0,0 0 1 0 0,0-1-1 0 0,0 1 1 0 0,1-1-1 0 0,-1 0 1 0 0,4 0-1 0 0,2 0-196 0 0,0 0-1 0 0,0 0 0 0 0,0-1 1 0 0,0 0-1 0 0,0-1 0 0 0,-1 0 0 0 0,9-3 1 0 0,19-6-2998 0 0,-16 4 1569 0 0</inkml:trace>
+</inkml:ink>
+</file>
+
+<file path=ppt/ink/ink24.xml><?xml version="1.0" encoding="utf-8"?>
+<inkml:ink xmlns:inkml="http://www.w3.org/2003/InkML">
+  <inkml:definitions>
+    <inkml:context xml:id="ctx0">
+      <inkml:inkSource xml:id="inkSrc0">
+        <inkml:traceFormat>
+          <inkml:channel name="X" type="integer" min="-2.14748E9" max="2.14748E9" units="cm"/>
+          <inkml:channel name="Y" type="integer" min="-2.14748E9" max="2.14748E9" units="cm"/>
+          <inkml:channel name="F" type="integer" max="32767" units="dev"/>
+          <inkml:channel name="OA" type="integer" max="360" units="deg"/>
+          <inkml:channel name="OE" type="integer" max="90" units="deg"/>
+        </inkml:traceFormat>
+        <inkml:channelProperties>
+          <inkml:channelProperty channel="X" name="resolution" value="1000" units="1/cm"/>
+          <inkml:channelProperty channel="Y" name="resolution" value="1000" units="1/cm"/>
+          <inkml:channelProperty channel="F" name="resolution" value="0" units="1/dev"/>
+          <inkml:channelProperty channel="OA" name="resolution" value="1000" units="1/deg"/>
+          <inkml:channelProperty channel="OE" name="resolution" value="1000" units="1/deg"/>
+        </inkml:channelProperties>
+      </inkml:inkSource>
+      <inkml:timestamp xml:id="ts0" timeString="2021-04-16T19:02:04.728"/>
+    </inkml:context>
+    <inkml:brush xml:id="br0">
+      <inkml:brushProperty name="width" value="0.05" units="cm"/>
+      <inkml:brushProperty name="height" value="0.05" units="cm"/>
+      <inkml:brushProperty name="color" value="#E71224"/>
+    </inkml:brush>
+  </inkml:definitions>
+  <inkml:trace contextRef="#ctx0" brushRef="#br0">1 329 23039 0 0,'0'0'2315'0'0,"5"-8"-1659"0"0,47-99 3306 0 0,-30 60-2799 0 0,-9 16-870 0 0,-8 18-198 0 0,1 0-1 0 0,11-18 0 0 0,-17 31-94 0 0,0 0 0 0 0,1 0 0 0 0,-1-1 0 0 0,0 1 0 0 0,0 0 0 0 0,0 0 0 0 0,0 0 0 0 0,1 0 0 0 0,-1-1 0 0 0,0 1 0 0 0,0 0 0 0 0,0 0 0 0 0,1 0 0 0 0,-1 0 0 0 0,0 0 0 0 0,0 0 0 0 0,1 0 0 0 0,-1 0 0 0 0,0 0 0 0 0,0 0 0 0 0,1 0 0 0 0,-1 0 0 0 0,0 0 0 0 0,0 0 0 0 0,0 0 0 0 0,1 0 0 0 0,-1 0 0 0 0,0 0 0 0 0,0 0 0 0 0,1 0 0 0 0,-1 0 0 0 0,0 0 0 0 0,0 0 0 0 0,1 0 0 0 0,-1 0 0 0 0,0 0 0 0 0,0 1 0 0 0,0-1 0 0 0,1 0 0 0 0,-1 0 0 0 0,0 0 0 0 0,0 0 0 0 0,0 1 0 0 0,0-1 0 0 0,0 0 0 0 0,1 0 0 0 0,-1 0 0 0 0,0 1 0 0 0,0-1 0 0 0,0 0 0 0 0,0 0 0 0 0,0 0 0 0 0,0 1 0 0 0,0-1 0 0 0,7 14 0 0 0,-7-13 0 0 0,4 9 21 0 0,-1 1-1 0 0,5 18 1 0 0,4 13 60 0 0,-11-38-78 0 0,0-1 0 0 0,1 1 0 0 0,0-1 0 0 0,-1 0 0 0 0,1 1 1 0 0,1-1-1 0 0,-1 0 0 0 0,5 5 0 0 0,-6-8-5 0 0,0 1 0 0 0,0 0 0 0 0,0-1 0 0 0,0 1 0 0 0,0-1 0 0 0,0 1 0 0 0,0-1 0 0 0,0 0 0 0 0,0 1 0 0 0,0-1 0 0 0,0 0 0 0 0,0 0 0 0 0,0 0 0 0 0,0 0 0 0 0,0 0 0 0 0,0 0 0 0 0,0 0 0 0 0,0 0 0 0 0,0 0 0 0 0,0 0 0 0 0,0 0 0 0 0,0-1 0 0 0,0 1 0 0 0,0 0 0 0 0,0-1 0 0 0,0 1 1 0 0,0-1-1 0 0,0 1 0 0 0,0-1 0 0 0,-1 0 0 0 0,1 1 0 0 0,0-1 0 0 0,0 0 0 0 0,0 1 0 0 0,-1-1 0 0 0,2-1 0 0 0,3-4 4 0 0,0 0 0 0 0,0 0 1 0 0,6-11-1 0 0,-10 15-5 0 0,28-54 3 0 0,-11 19 0 0 0,13-34-4305 0 0,-25 55 2770 0 0</inkml:trace>
+</inkml:ink>
+</file>
+
+<file path=ppt/ink/ink25.xml><?xml version="1.0" encoding="utf-8"?>
+<inkml:ink xmlns:inkml="http://www.w3.org/2003/InkML">
+  <inkml:definitions>
+    <inkml:context xml:id="ctx0">
+      <inkml:inkSource xml:id="inkSrc0">
+        <inkml:traceFormat>
+          <inkml:channel name="X" type="integer" min="-2.14748E9" max="2.14748E9" units="cm"/>
+          <inkml:channel name="Y" type="integer" min="-2.14748E9" max="2.14748E9" units="cm"/>
+          <inkml:channel name="F" type="integer" max="32767" units="dev"/>
+          <inkml:channel name="OA" type="integer" max="360" units="deg"/>
+          <inkml:channel name="OE" type="integer" max="90" units="deg"/>
+        </inkml:traceFormat>
+        <inkml:channelProperties>
+          <inkml:channelProperty channel="X" name="resolution" value="1000" units="1/cm"/>
+          <inkml:channelProperty channel="Y" name="resolution" value="1000" units="1/cm"/>
+          <inkml:channelProperty channel="F" name="resolution" value="0" units="1/dev"/>
+          <inkml:channelProperty channel="OA" name="resolution" value="1000" units="1/deg"/>
+          <inkml:channelProperty channel="OE" name="resolution" value="1000" units="1/deg"/>
+        </inkml:channelProperties>
+      </inkml:inkSource>
+      <inkml:timestamp xml:id="ts0" timeString="2021-04-16T19:02:05.721"/>
+    </inkml:context>
+    <inkml:brush xml:id="br0">
+      <inkml:brushProperty name="width" value="0.05" units="cm"/>
+      <inkml:brushProperty name="height" value="0.05" units="cm"/>
+      <inkml:brushProperty name="color" value="#E71224"/>
+    </inkml:brush>
+  </inkml:definitions>
+  <inkml:trace contextRef="#ctx0" brushRef="#br0">7 207 10592 0 0,'-7'-5'9863'0'0,"28"-1"-7760"0"0,33 4-706 0 0,98 9 0 0 0,-36 0 258 0 0,11-2-1313 0 0,88 1-76 0 0,-98-12 417 0 0,0-6-1 0 0,133-30 1 0 0,-32 3 995 0 0,-159 29-1324 0 0,51-3-334 0 0,-20 3-24 0 0,-49 7 4 0 0,-29 2 0 0 0,0 0 0 0 0,1 0 0 0 0,18-5 0 0 0,-20 4 0 0 0,-9 2 0 0 0,-1 0 0 0 0,0 0 0 0 0,1 0 0 0 0,-1 0 0 0 0,1 0 0 0 0,-1 0 0 0 0,1-1 0 0 0,-1 1 0 0 0,0-1 0 0 0,1 1 0 0 0,-1-1 0 0 0,0 1 0 0 0,1-1 0 0 0,-1 0 0 0 0,0 0 0 0 0,0 1 0 0 0,0-1 0 0 0,0 0 0 0 0,1 0 0 0 0,0-2 0 0 0,-2 2-71 0 0,1 1 0 0 0,-1-1 1 0 0,1 0-1 0 0,-1 0 0 0 0,0 0 0 0 0,1 1 0 0 0,-1-1 1 0 0,0 0-1 0 0,0 0 0 0 0,1 0 0 0 0,-1 0 0 0 0,0 0 1 0 0,0 0-1 0 0,0 1 0 0 0,0-1 0 0 0,0 0 0 0 0,0 0 0 0 0,-1 0 1 0 0,1 0-1 0 0,0 0 0 0 0,0 0 0 0 0,-1 1 0 0 0,0-3 1 0 0,-14-19-4262 0 0,4 6-382 0 0</inkml:trace>
+</inkml:ink>
+</file>
+
+<file path=ppt/ink/ink26.xml><?xml version="1.0" encoding="utf-8"?>
+<inkml:ink xmlns:inkml="http://www.w3.org/2003/InkML">
+  <inkml:definitions>
+    <inkml:context xml:id="ctx0">
+      <inkml:inkSource xml:id="inkSrc0">
+        <inkml:traceFormat>
+          <inkml:channel name="X" type="integer" min="-2.14748E9" max="2.14748E9" units="cm"/>
+          <inkml:channel name="Y" type="integer" min="-2.14748E9" max="2.14748E9" units="cm"/>
+          <inkml:channel name="F" type="integer" max="32767" units="dev"/>
+          <inkml:channel name="OA" type="integer" max="360" units="deg"/>
+          <inkml:channel name="OE" type="integer" max="90" units="deg"/>
+        </inkml:traceFormat>
+        <inkml:channelProperties>
+          <inkml:channelProperty channel="X" name="resolution" value="1000" units="1/cm"/>
+          <inkml:channelProperty channel="Y" name="resolution" value="1000" units="1/cm"/>
+          <inkml:channelProperty channel="F" name="resolution" value="0" units="1/dev"/>
+          <inkml:channelProperty channel="OA" name="resolution" value="1000" units="1/deg"/>
+          <inkml:channelProperty channel="OE" name="resolution" value="1000" units="1/deg"/>
+        </inkml:channelProperties>
+      </inkml:inkSource>
+      <inkml:timestamp xml:id="ts0" timeString="2021-04-16T19:01:53.735"/>
+    </inkml:context>
+    <inkml:brush xml:id="br0">
+      <inkml:brushProperty name="width" value="0.05" units="cm"/>
+      <inkml:brushProperty name="height" value="0.05" units="cm"/>
+      <inkml:brushProperty name="color" value="#E71224"/>
+    </inkml:brush>
+  </inkml:definitions>
+  <inkml:trace contextRef="#ctx0" brushRef="#br0">26 52 10824 0 0,'0'0'980'0'0,"-2"-9"216"0"0,2 3 2882 0 0,22-28 747 0 0,-22 33-4327 0 0,0 1-472 0 0,0 0-1 0 0,0 0 1 0 0,1 0 0 0 0,-1 0 0 0 0,0 0 0 0 0,0-1 0 0 0,0 1 0 0 0,0 0 0 0 0,0 0 0 0 0,0 0 0 0 0,0 0 0 0 0,1 0 0 0 0,-1 0-1 0 0,0 0 1 0 0,0 0 0 0 0,0 0 0 0 0,0 0 0 0 0,0 0 0 0 0,0 0 0 0 0,1 0 0 0 0,-1 0 0 0 0,0 0 0 0 0,0 0 0 0 0,0 0-1 0 0,0 0 1 0 0,0 0 0 0 0,1 0 0 0 0,-1 0 0 0 0,0 0 0 0 0,0 0 0 0 0,0 0 0 0 0,0 0 0 0 0,0 0 0 0 0,0 0 0 0 0,1 1 0 0 0,-1-1-1 0 0,0 0 1 0 0,0 0 0 0 0,0 0 0 0 0,0 0 0 0 0,0 0 0 0 0,0 0 0 0 0,0 0 0 0 0,0 0 0 0 0,0 1 0 0 0,1-1 0 0 0,-1 0-1 0 0,0 0 1 0 0,0 0 0 0 0,0 0 0 0 0,0 0 0 0 0,0 0 0 0 0,0 1 0 0 0,0-1 0 0 0,0 0 0 0 0,0 0 0 0 0,0 0 0 0 0,0 0 0 0 0,0 0-1 0 0,0 1 1 0 0,0-1 0 0 0,0 0 0 0 0,0 0 0 0 0,2 10 330 0 0,-2-6-310 0 0,0 0 0 0 0,-1-1 0 0 0,0 1 0 0 0,0 0-1 0 0,0-1 1 0 0,-1 1 0 0 0,1-1 0 0 0,-1 1 0 0 0,0-1 0 0 0,1 0 0 0 0,-2 1-1 0 0,1-1 1 0 0,0 0 0 0 0,-1-1 0 0 0,-2 4 0 0 0,-4 4 50 0 0,9-9-83 0 0,0-1 0 0 0,0 1 1 0 0,-1-1-1 0 0,1 0 0 0 0,0 1 1 0 0,-1-1-1 0 0,1 0 1 0 0,-1 1-1 0 0,1-1 0 0 0,0 0 1 0 0,-1 0-1 0 0,1 1 1 0 0,-1-1-1 0 0,1 0 0 0 0,-1 0 1 0 0,1 1-1 0 0,-1-1 1 0 0,1 0-1 0 0,-1 0 0 0 0,1 0 1 0 0,-1 0-1 0 0,1 0 0 0 0,-1 0 1 0 0,1 0-1 0 0,-1 0 1 0 0,1 0-1 0 0,-1 0 0 0 0,-5-1 329 0 0,9-18 378 0 0,8-10-18 0 0,-11 27-675 0 0,1 1-1 0 0,0-1 1 0 0,0 1-1 0 0,0-1 1 0 0,0 1-1 0 0,0-1 1 0 0,0 1-1 0 0,0 0 1 0 0,1 0-1 0 0,-1 0 1 0 0,0 0-1 0 0,1 0 1 0 0,-1 0-1 0 0,1 0 1 0 0,1-1-1 0 0,-2 1 248 0 0,-1 1-253 0 0,0 0 0 0 0,1-1-1 0 0,-1 1 1 0 0,0 0 0 0 0,0 0 0 0 0,0 0 0 0 0,0 0-1 0 0,0 0 1 0 0,0-1 0 0 0,0 1 0 0 0,0 0-1 0 0,1 0 1 0 0,-1 0 0 0 0,0 0 0 0 0,0 0-1 0 0,0 0 1 0 0,0 0 0 0 0,0-1 0 0 0,1 1-1 0 0,-1 0 1 0 0,0 0 0 0 0,0 0 0 0 0,0 0-1 0 0,0 0 1 0 0,0 0 0 0 0,1 0 0 0 0,-1 0-1 0 0,0 0 1 0 0,0 0 0 0 0,0 0 0 0 0,1 0-1 0 0,-1 0 1 0 0,0 0 0 0 0,0 0 0 0 0,0 0-1 0 0,0 0 1 0 0,1 0 0 0 0,-1 0 0 0 0,0 0-1 0 0,0 0 1 0 0,0 0 0 0 0,0 1 0 0 0,0-1-1 0 0,1 0 1 0 0,-1 0 0 0 0,0 0 0 0 0,0 0-1 0 0,0 0 1 0 0,0 0 0 0 0,0 0 0 0 0,0 1-1 0 0,1-1 1 0 0,-1 0 0 0 0,0 0 0 0 0,0 0 0 0 0,0 0-1 0 0,0 1 1 0 0,0-1 0 0 0,0-6-624 0 0,0-3 392 0 0</inkml:trace>
+</inkml:ink>
+</file>
+
+<file path=ppt/ink/ink27.xml><?xml version="1.0" encoding="utf-8"?>
+<inkml:ink xmlns:inkml="http://www.w3.org/2003/InkML">
+  <inkml:definitions>
+    <inkml:context xml:id="ctx0">
+      <inkml:inkSource xml:id="inkSrc0">
+        <inkml:traceFormat>
+          <inkml:channel name="X" type="integer" min="-2.14748E9" max="2.14748E9" units="cm"/>
+          <inkml:channel name="Y" type="integer" min="-2.14748E9" max="2.14748E9" units="cm"/>
+          <inkml:channel name="F" type="integer" max="32767" units="dev"/>
+          <inkml:channel name="OA" type="integer" max="360" units="deg"/>
+          <inkml:channel name="OE" type="integer" max="90" units="deg"/>
+        </inkml:traceFormat>
+        <inkml:channelProperties>
+          <inkml:channelProperty channel="X" name="resolution" value="1000" units="1/cm"/>
+          <inkml:channelProperty channel="Y" name="resolution" value="1000" units="1/cm"/>
+          <inkml:channelProperty channel="F" name="resolution" value="0" units="1/dev"/>
+          <inkml:channelProperty channel="OA" name="resolution" value="1000" units="1/deg"/>
+          <inkml:channelProperty channel="OE" name="resolution" value="1000" units="1/deg"/>
+        </inkml:channelProperties>
+      </inkml:inkSource>
+      <inkml:timestamp xml:id="ts0" timeString="2021-04-16T19:01:54.187"/>
+    </inkml:context>
+    <inkml:brush xml:id="br0">
+      <inkml:brushProperty name="width" value="0.05" units="cm"/>
+      <inkml:brushProperty name="height" value="0.05" units="cm"/>
+      <inkml:brushProperty name="color" value="#E71224"/>
+    </inkml:brush>
+  </inkml:definitions>
+  <inkml:trace contextRef="#ctx0" brushRef="#br0">74 95 7368 0 0,'0'0'1197'0'0,"5"13"6857"0"0,-3 16-3681 0 0,-5 16-3298 0 0,1-14-624 0 0,-14 146 465 0 0,7-92-391 0 0,7-75-308 0 0,1-1-1 0 0,-2 0 0 0 0,1 0 0 0 0,-6 14 1 0 0,7-22 29 0 0,-7-10 526 0 0,2-6-632 0 0,1-1 1 0 0,1 0-1 0 0,0-1 0 0 0,2 1 1 0 0,-1-1-1 0 0,2 1 0 0 0,0-1 1 0 0,1 0-1 0 0,4-26 0 0 0,0 13 53 0 0,2-1-1 0 0,1 1 1 0 0,2 1-1 0 0,15-37 0 0 0,-18 53-48 0 0,0 0 0 0 0,0 1 0 0 0,2 0 0 0 0,-1 0 0 0 0,19-20 0 0 0,-21 27-106 0 0,0-1 0 0 0,0 1 0 0 0,1 1 1 0 0,-1-1-1 0 0,1 1 0 0 0,0 0 0 0 0,0 1 1 0 0,0-1-1 0 0,1 1 0 0 0,-1 0 0 0 0,1 1 1 0 0,0-1-1 0 0,9-1 0 0 0,-13 4-27 0 0,-1-1 1 0 0,1 1-1 0 0,0 0 0 0 0,0-1 0 0 0,0 1 1 0 0,-1 1-1 0 0,1-1 0 0 0,0 0 1 0 0,0 1-1 0 0,-1-1 0 0 0,1 1 0 0 0,0 0 1 0 0,-1 0-1 0 0,1 0 0 0 0,-1 0 0 0 0,1 0 1 0 0,-1 0-1 0 0,1 1 0 0 0,-1-1 1 0 0,0 1-1 0 0,0 0 0 0 0,1 0 0 0 0,-1 0 1 0 0,-1 0-1 0 0,1 0 0 0 0,0 0 0 0 0,0 0 1 0 0,-1 1-1 0 0,1-1 0 0 0,-1 1 1 0 0,0-1-1 0 0,0 1 0 0 0,0-1 0 0 0,0 1 1 0 0,0 0-1 0 0,-1-1 0 0 0,1 1 0 0 0,-1 0 1 0 0,1 0-1 0 0,-1-1 0 0 0,0 1 1 0 0,0 0-1 0 0,-1 5 0 0 0,0-1 21 0 0,-1 0 1 0 0,1 1-1 0 0,-1-1 1 0 0,-1 0-1 0 0,1 0 0 0 0,-1 0 1 0 0,-1 0-1 0 0,1-1 0 0 0,-1 1 1 0 0,0-1-1 0 0,0 0 0 0 0,-1 0 1 0 0,0 0-1 0 0,0-1 1 0 0,-9 9-1 0 0,6-8-135 0 0,1-1 1 0 0,-1 1-1 0 0,0-1 0 0 0,-1-1 0 0 0,1 1 1 0 0,-1-1-1 0 0,0-1 0 0 0,0 0 1 0 0,0 0-1 0 0,0-1 0 0 0,0 0 0 0 0,-10 1 1 0 0,11-2-417 0 0,1-1 0 0 0,-1 0 0 0 0,-7-1 0 0 0,-4-4-1244 0 0</inkml:trace>
+</inkml:ink>
+</file>
+
+<file path=ppt/ink/ink28.xml><?xml version="1.0" encoding="utf-8"?>
+<inkml:ink xmlns:inkml="http://www.w3.org/2003/InkML">
+  <inkml:definitions>
+    <inkml:context xml:id="ctx0">
+      <inkml:inkSource xml:id="inkSrc0">
+        <inkml:traceFormat>
+          <inkml:channel name="X" type="integer" min="-2.14748E9" max="2.14748E9" units="cm"/>
+          <inkml:channel name="Y" type="integer" min="-2.14748E9" max="2.14748E9" units="cm"/>
+          <inkml:channel name="F" type="integer" max="32767" units="dev"/>
+          <inkml:channel name="OA" type="integer" max="360" units="deg"/>
+          <inkml:channel name="OE" type="integer" max="90" units="deg"/>
+        </inkml:traceFormat>
+        <inkml:channelProperties>
+          <inkml:channelProperty channel="X" name="resolution" value="1000" units="1/cm"/>
+          <inkml:channelProperty channel="Y" name="resolution" value="1000" units="1/cm"/>
+          <inkml:channelProperty channel="F" name="resolution" value="0" units="1/dev"/>
+          <inkml:channelProperty channel="OA" name="resolution" value="1000" units="1/deg"/>
+          <inkml:channelProperty channel="OE" name="resolution" value="1000" units="1/deg"/>
+        </inkml:channelProperties>
+      </inkml:inkSource>
+      <inkml:timestamp xml:id="ts0" timeString="2021-04-16T19:01:54.944"/>
+    </inkml:context>
+    <inkml:brush xml:id="br0">
+      <inkml:brushProperty name="width" value="0.05" units="cm"/>
+      <inkml:brushProperty name="height" value="0.05" units="cm"/>
+      <inkml:brushProperty name="color" value="#E71224"/>
+    </inkml:brush>
+  </inkml:definitions>
+  <inkml:trace contextRef="#ctx0" brushRef="#br0">6 437 9672 0 0,'-6'39'11495'0'0,"8"-40"-11367"0"0,-1 0 0 0 0,1 0 0 0 0,-1 0 0 0 0,1 0 0 0 0,-1 0 0 0 0,1 0 0 0 0,-1-1 0 0 0,0 1 0 0 0,0 0 0 0 0,1-1 0 0 0,-1 1 0 0 0,0-1 0 0 0,1-1 0 0 0,91-261 3316 0 0,-62 167-2432 0 0,-26 83-877 0 0,0 1 0 0 0,1 0 0 0 0,0 0 1 0 0,1 1-1 0 0,11-16 0 0 0,-17 27-133 0 0,0 1-1 0 0,-1 0 1 0 0,1 0 0 0 0,0-1 0 0 0,-1 1 0 0 0,1 0 0 0 0,0 0 0 0 0,-1 0-1 0 0,1 0 1 0 0,0-1 0 0 0,0 1 0 0 0,-1 0 0 0 0,1 1 0 0 0,0-1-1 0 0,0 0 1 0 0,-1 0 0 0 0,1 0 0 0 0,0 0 0 0 0,-1 0 0 0 0,1 1 0 0 0,0-1-1 0 0,-1 0 1 0 0,1 1 0 0 0,0-1 0 0 0,-1 0 0 0 0,2 1 0 0 0,-2 0 1 0 0,3 0-3 0 0,-1 1 0 0 0,1 0 0 0 0,-1 0 0 0 0,1 0 0 0 0,-1 0 0 0 0,0 1 0 0 0,0-1 0 0 0,0 1 0 0 0,0-1 0 0 0,-1 1 0 0 0,3 4 0 0 0,15 37 4 0 0,-15-32 3 0 0,47 148 130 0 0,-36-95-106 0 0,-12-44-21 0 0,2 0 0 0 0,12 35-1 0 0,-1-13-544 0 0,-11-28-56 0 0,1 0-1 0 0,0 0 1 0 0,13 22-1 0 0,-18-36 68 0 0,2 3 107 0 0</inkml:trace>
+</inkml:ink>
+</file>
+
+<file path=ppt/ink/ink29.xml><?xml version="1.0" encoding="utf-8"?>
+<inkml:ink xmlns:inkml="http://www.w3.org/2003/InkML">
+  <inkml:definitions>
+    <inkml:context xml:id="ctx0">
+      <inkml:inkSource xml:id="inkSrc0">
+        <inkml:traceFormat>
+          <inkml:channel name="X" type="integer" min="-2.14748E9" max="2.14748E9" units="cm"/>
+          <inkml:channel name="Y" type="integer" min="-2.14748E9" max="2.14748E9" units="cm"/>
+          <inkml:channel name="F" type="integer" max="32767" units="dev"/>
+          <inkml:channel name="OA" type="integer" max="360" units="deg"/>
+          <inkml:channel name="OE" type="integer" max="90" units="deg"/>
+        </inkml:traceFormat>
+        <inkml:channelProperties>
+          <inkml:channelProperty channel="X" name="resolution" value="1000" units="1/cm"/>
+          <inkml:channelProperty channel="Y" name="resolution" value="1000" units="1/cm"/>
+          <inkml:channelProperty channel="F" name="resolution" value="0" units="1/dev"/>
+          <inkml:channelProperty channel="OA" name="resolution" value="1000" units="1/deg"/>
+          <inkml:channelProperty channel="OE" name="resolution" value="1000" units="1/deg"/>
+        </inkml:channelProperties>
+      </inkml:inkSource>
+      <inkml:timestamp xml:id="ts0" timeString="2021-04-16T19:01:55.319"/>
+    </inkml:context>
+    <inkml:brush xml:id="br0">
+      <inkml:brushProperty name="width" value="0.05" units="cm"/>
+      <inkml:brushProperty name="height" value="0.05" units="cm"/>
+      <inkml:brushProperty name="color" value="#E71224"/>
+    </inkml:brush>
+  </inkml:definitions>
+  <inkml:trace contextRef="#ctx0" brushRef="#br0">0 60 21135 0 0,'0'0'1914'0'0,"13"-3"-553"0"0,25-9 349 0 0,51-11 0 0 0,-18 6-5135 0 0,-54 12 1619 0 0</inkml:trace>
+</inkml:ink>
+</file>
+
+<file path=ppt/ink/ink3.xml><?xml version="1.0" encoding="utf-8"?>
+<inkml:ink xmlns:inkml="http://www.w3.org/2003/InkML">
+  <inkml:definitions>
+    <inkml:context xml:id="ctx0">
+      <inkml:inkSource xml:id="inkSrc0">
+        <inkml:traceFormat>
+          <inkml:channel name="X" type="integer" min="-2.14748E9" max="2.14748E9" units="cm"/>
+          <inkml:channel name="Y" type="integer" min="-2.14748E9" max="2.14748E9" units="cm"/>
+          <inkml:channel name="F" type="integer" max="32767" units="dev"/>
+          <inkml:channel name="OA" type="integer" max="360" units="deg"/>
+          <inkml:channel name="OE" type="integer" max="90" units="deg"/>
+        </inkml:traceFormat>
+        <inkml:channelProperties>
+          <inkml:channelProperty channel="X" name="resolution" value="1000" units="1/cm"/>
+          <inkml:channelProperty channel="Y" name="resolution" value="1000" units="1/cm"/>
+          <inkml:channelProperty channel="F" name="resolution" value="0" units="1/dev"/>
+          <inkml:channelProperty channel="OA" name="resolution" value="1000" units="1/deg"/>
+          <inkml:channelProperty channel="OE" name="resolution" value="1000" units="1/deg"/>
+        </inkml:channelProperties>
+      </inkml:inkSource>
+      <inkml:timestamp xml:id="ts0" timeString="2021-04-16T19:01:15.405"/>
+    </inkml:context>
+    <inkml:brush xml:id="br0">
+      <inkml:brushProperty name="width" value="0.05" units="cm"/>
+      <inkml:brushProperty name="height" value="0.05" units="cm"/>
+      <inkml:brushProperty name="color" value="#E71224"/>
+    </inkml:brush>
+  </inkml:definitions>
+  <inkml:trace contextRef="#ctx0" brushRef="#br0">72 85 2760 0 0,'0'0'125'0'0,"-17"-3"2331"0"0,14 3-1819 0 0,0-1 0 0 0,0 0 0 0 0,0 0 0 0 0,0 0 0 0 0,0 0-1 0 0,1 0 1 0 0,-1 0 0 0 0,0-1 0 0 0,1 0 0 0 0,-1 1 0 0 0,-3-4 1252 0 0,-11-1 5893 0 0,16 6-7656 0 0,1-1 1 0 0,0 0-1 0 0,0 1 0 0 0,0-1 1 0 0,0 1-1 0 0,1-1 0 0 0,-1 1 1 0 0,0-1-1 0 0,0 1 0 0 0,0-1 1 0 0,0 1-1 0 0,0-1 0 0 0,1 1 1 0 0,-1-1-1 0 0,0 1 0 0 0,0-1 1 0 0,1 1-1 0 0,-1-1 0 0 0,0 1 1 0 0,1 0-1 0 0,-1-1 0 0 0,1 1 1 0 0,-1-1-1 0 0,14-11 191 0 0,-4 9 30 0 0,1 0 0 0 0,0 0 1 0 0,0 1-1 0 0,0 1 0 0 0,15 0 0 0 0,28-2-265 0 0,102 9 1 0 0,60 7 1220 0 0,-94-8-711 0 0,226 11 123 0 0,-150-8-164 0 0,21-10-40 0 0,-157 0-297 0 0,22-2 4 0 0,-76 4-218 0 0,-5 0 0 0 0,0-1 0 0 0,0 1 0 0 0,0-1 0 0 0,0 1 0 0 0,0-1 0 0 0,0 0 0 0 0,0 0 0 0 0,0 0 0 0 0,0 0 0 0 0,4-4 0 0 0,-6 5-23 0 0,1-1 1 0 0,-1 0-1 0 0,0 0 1 0 0,0 0-1 0 0,0 0 1 0 0,-1-1-1 0 0,1 1 1 0 0,0 0-1 0 0,0 0 0 0 0,-1 0 1 0 0,1-1-1 0 0,0 1 1 0 0,-1 0-1 0 0,0-1 1 0 0,1 1-1 0 0,-1-1 0 0 0,0 1 1 0 0,1 0-1 0 0,-1-1 1 0 0,0 1-1 0 0,0-1 1 0 0,0 1-1 0 0,0 0 1 0 0,-1-1-1 0 0,1-1 0 0 0,-1 1-910 0 0,0-8 576 0 0</inkml:trace>
+</inkml:ink>
+</file>
+
+<file path=ppt/ink/ink30.xml><?xml version="1.0" encoding="utf-8"?>
+<inkml:ink xmlns:inkml="http://www.w3.org/2003/InkML">
+  <inkml:definitions>
+    <inkml:context xml:id="ctx0">
+      <inkml:inkSource xml:id="inkSrc0">
+        <inkml:traceFormat>
+          <inkml:channel name="X" type="integer" min="-2.14748E9" max="2.14748E9" units="cm"/>
+          <inkml:channel name="Y" type="integer" min="-2.14748E9" max="2.14748E9" units="cm"/>
+          <inkml:channel name="F" type="integer" max="32767" units="dev"/>
+          <inkml:channel name="OA" type="integer" max="360" units="deg"/>
+          <inkml:channel name="OE" type="integer" max="90" units="deg"/>
+        </inkml:traceFormat>
+        <inkml:channelProperties>
+          <inkml:channelProperty channel="X" name="resolution" value="1000" units="1/cm"/>
+          <inkml:channelProperty channel="Y" name="resolution" value="1000" units="1/cm"/>
+          <inkml:channelProperty channel="F" name="resolution" value="0" units="1/dev"/>
+          <inkml:channelProperty channel="OA" name="resolution" value="1000" units="1/deg"/>
+          <inkml:channelProperty channel="OE" name="resolution" value="1000" units="1/deg"/>
+        </inkml:channelProperties>
+      </inkml:inkSource>
+      <inkml:timestamp xml:id="ts0" timeString="2021-04-16T19:01:55.676"/>
+    </inkml:context>
+    <inkml:brush xml:id="br0">
+      <inkml:brushProperty name="width" value="0.05" units="cm"/>
+      <inkml:brushProperty name="height" value="0.05" units="cm"/>
+      <inkml:brushProperty name="color" value="#E71224"/>
+    </inkml:brush>
+  </inkml:definitions>
+  <inkml:trace contextRef="#ctx0" brushRef="#br0">1 87 4144 0 0,'0'0'319'0'0,"1"-1"-210"0"0,7-11 2341 0 0,-7 10-1484 0 0,0 0-1 0 0,0 0 1 0 0,0 0 0 0 0,0 0-1 0 0,1 0 1 0 0,-1 0-1 0 0,1 1 1 0 0,0-1-1 0 0,-1 1 1 0 0,3-3-1 0 0,32-16 6130 0 0,6 1-4653 0 0,-36 16-2328 0 0,1 1 0 0 0,-1 0 0 0 0,1 1-1 0 0,-1-1 1 0 0,1 1 0 0 0,0 0-1 0 0,0 1 1 0 0,-1 0 0 0 0,1 0-1 0 0,12 2 1 0 0,-17-2-102 0 0,0 0 0 0 0,0 1 1 0 0,-1 0-1 0 0,1-1 0 0 0,0 1 0 0 0,-1 0 0 0 0,1 0 0 0 0,-1 0 0 0 0,1 0 1 0 0,-1 0-1 0 0,1 0 0 0 0,-1 0 0 0 0,0 1 0 0 0,1-1 0 0 0,-1 0 0 0 0,0 1 0 0 0,1 2 1 0 0,0-1 2 0 0,-1-1 1 0 0,0 1 0 0 0,0 1-1 0 0,0-1 1 0 0,0 0 0 0 0,0 0-1 0 0,-1 0 1 0 0,1 0 0 0 0,-1 5-1 0 0,0 2 12 0 0,-1 0 0 0 0,0 0 0 0 0,-1-1 0 0 0,0 1 0 0 0,-5 15 0 0 0,-7 15 150 0 0,-33 62 0 0 0,39-87-148 0 0,1-2 115 0 0,0 1 1 0 0,-9 26-1 0 0,16-39-137 0 0,0-1 0 0 0,0 0 0 0 0,0 1 0 0 0,0-1 0 0 0,1 0 0 0 0,-1 1 0 0 0,0-1 0 0 0,0 0 0 0 0,0 0 0 0 0,1 1 0 0 0,-1-1 0 0 0,0 0 0 0 0,0 0 0 0 0,1 1 0 0 0,-1-1 0 0 0,0 0 0 0 0,0 0 0 0 0,1 0 0 0 0,-1 0 0 0 0,0 1 0 0 0,1-1 0 0 0,-1 0 0 0 0,0 0 0 0 0,1 0 0 0 0,-1 0 0 0 0,1 0-1 0 0,10 3 159 0 0,-10-3-159 0 0,9 1-187 0 0,0 0 0 0 0,0-1 0 0 0,0-1-1 0 0,0 1 1 0 0,0-1 0 0 0,-1-1 0 0 0,12-3 0 0 0,-17 5 103 0 0,23-6-803 0 0</inkml:trace>
+</inkml:ink>
+</file>
+
+<file path=ppt/ink/ink31.xml><?xml version="1.0" encoding="utf-8"?>
+<inkml:ink xmlns:inkml="http://www.w3.org/2003/InkML">
+  <inkml:definitions>
+    <inkml:context xml:id="ctx0">
+      <inkml:inkSource xml:id="inkSrc0">
+        <inkml:traceFormat>
+          <inkml:channel name="X" type="integer" min="-2.14748E9" max="2.14748E9" units="cm"/>
+          <inkml:channel name="Y" type="integer" min="-2.14748E9" max="2.14748E9" units="cm"/>
+          <inkml:channel name="F" type="integer" max="32767" units="dev"/>
+          <inkml:channel name="OA" type="integer" max="360" units="deg"/>
+          <inkml:channel name="OE" type="integer" max="90" units="deg"/>
+        </inkml:traceFormat>
+        <inkml:channelProperties>
+          <inkml:channelProperty channel="X" name="resolution" value="1000" units="1/cm"/>
+          <inkml:channelProperty channel="Y" name="resolution" value="1000" units="1/cm"/>
+          <inkml:channelProperty channel="F" name="resolution" value="0" units="1/dev"/>
+          <inkml:channelProperty channel="OA" name="resolution" value="1000" units="1/deg"/>
+          <inkml:channelProperty channel="OE" name="resolution" value="1000" units="1/deg"/>
+        </inkml:channelProperties>
+      </inkml:inkSource>
+      <inkml:timestamp xml:id="ts0" timeString="2021-04-16T19:02:11.836"/>
+    </inkml:context>
+    <inkml:brush xml:id="br0">
+      <inkml:brushProperty name="width" value="0.05" units="cm"/>
+      <inkml:brushProperty name="height" value="0.05" units="cm"/>
+      <inkml:brushProperty name="color" value="#E71224"/>
+    </inkml:brush>
+  </inkml:definitions>
+  <inkml:trace contextRef="#ctx0" brushRef="#br0">59 52 2304 0 0,'0'0'11552'0'0,"-11"8"-9451"0"0,8-3-1246 0 0,0 0-1 0 0,-1 0 1 0 0,1-1 0 0 0,-1 1 0 0 0,0-1 0 0 0,0 0-1 0 0,-8 6 3671 0 0,12-13-4454 0 0,1 1 0 0 0,0-1 0 0 0,0 0 0 0 0,0 1 0 0 0,1-1 1 0 0,-1 1-1 0 0,1-1 0 0 0,-1 1 0 0 0,1 0 0 0 0,0 0 0 0 0,0-1 1 0 0,2-1-1 0 0,7-8 154 0 0,-10 9-219 0 0,7-8 73 0 0,-7 9-16 0 0,-5 5 8 0 0,-2 6-30 0 0,0-1 1 0 0,-1-1 0 0 0,0 0-1 0 0,-14 11 1 0 0,20-17 376 0 0,3-1-401 0 0,-1-1 0 0 0,0 1 0 0 0,0 0 0 0 0,1-1 0 0 0,-1 1 0 0 0,0-1 0 0 0,0 1-1 0 0,0-1 1 0 0,0 1 0 0 0,0-1 0 0 0,0 0 0 0 0,1 0 0 0 0,-2 1 0 0 0,1-1 0 0 0,0 0-1 0 0,1-1 1 0 0,15-20 170 0 0,-6 7-23 0 0,-9 13-119 0 0,1-1 0 0 0,-1 1 0 0 0,1-1 0 0 0,-1 1 0 0 0,1 0 0 0 0,0 0 0 0 0,3-2 0 0 0,-5 4 8 0 0,1 0 0 0 0,-2 0-52 0 0,1 0-1 0 0,-1 0 0 0 0,1 1 1 0 0,0-1-1 0 0,-1 0 0 0 0,1 0 0 0 0,-1 0 1 0 0,1 1-1 0 0,-1-1 0 0 0,1 0 1 0 0,-1 1-1 0 0,1-1 0 0 0,-1 0 1 0 0,1 1-1 0 0,-1-1 0 0 0,1 1 0 0 0,-1-1 1 0 0,1 1-1 0 0,-1-1 0 0 0,0 1 1 0 0,1-1-1 0 0,-1 1 0 0 0,0-1 1 0 0,0 1-1 0 0,1 0 0 0 0,-1-1 0 0 0,0 1 1 0 0,0-1-1 0 0,0 1 0 0 0,0 0 1 0 0,0-1-1 0 0,0 1 0 0 0,0 0 0 0 0,0-1 1 0 0,0 1-1 0 0,0-1 0 0 0,0 2 1 0 0,0-1-2 0 0,0 1 5 0 0,0 0 0 0 0,0 0 0 0 0,0 0 0 0 0,0 0 0 0 0,0 0 0 0 0,0 0 0 0 0,-1 0 1 0 0,1 0-1 0 0,-1-1 0 0 0,0 1 0 0 0,1 0 0 0 0,-1 0 0 0 0,0-1 0 0 0,0 1 0 0 0,0 0 0 0 0,0-1 0 0 0,0 1 0 0 0,0-1 0 0 0,-3 3 0 0 0,4-4 0 0 0,-1 1 0 0 0,0 0 1 0 0,0 0-1 0 0,1 0 0 0 0,-1-1 0 0 0,0 1 0 0 0,0 0 1 0 0,0-1-1 0 0,0 1 0 0 0,0-1 0 0 0,0 1 0 0 0,1-1 1 0 0,-1 0-1 0 0,-1 1 0 0 0,1-1 0 0 0,0 0 0 0 0,0 1 1 0 0,0-1-1 0 0,0 0 0 0 0,0 0 0 0 0,0 0 0 0 0,0 0 1 0 0,0 0-1 0 0,0 0 0 0 0,0 0 0 0 0,0-1 0 0 0,0 1 1 0 0,0 0-1 0 0,0-1 0 0 0,0 1 0 0 0,0 0 0 0 0,0-1 1 0 0,0 1-1 0 0,-2-2 0 0 0,2 1 110 0 0,0-1 0 0 0,-1 1 0 0 0,1 0-1 0 0,0-1 1 0 0,0 0 0 0 0,0 1 0 0 0,0-1 0 0 0,0 1-1 0 0,0-1 1 0 0,0 0 0 0 0,1 0 0 0 0,-1 1 0 0 0,1-1-1 0 0,-1-4 1 0 0,1-27-621 0 0,1 8 635 0 0,-1 24-193 0 0,11 15-4062 0 0</inkml:trace>
+</inkml:ink>
+</file>
+
+<file path=ppt/ink/ink32.xml><?xml version="1.0" encoding="utf-8"?>
+<inkml:ink xmlns:inkml="http://www.w3.org/2003/InkML">
+  <inkml:definitions>
+    <inkml:context xml:id="ctx0">
+      <inkml:inkSource xml:id="inkSrc0">
+        <inkml:traceFormat>
+          <inkml:channel name="X" type="integer" min="-2.14748E9" max="2.14748E9" units="cm"/>
+          <inkml:channel name="Y" type="integer" min="-2.14748E9" max="2.14748E9" units="cm"/>
+          <inkml:channel name="F" type="integer" max="32767" units="dev"/>
+          <inkml:channel name="OA" type="integer" max="360" units="deg"/>
+          <inkml:channel name="OE" type="integer" max="90" units="deg"/>
+        </inkml:traceFormat>
+        <inkml:channelProperties>
+          <inkml:channelProperty channel="X" name="resolution" value="1000" units="1/cm"/>
+          <inkml:channelProperty channel="Y" name="resolution" value="1000" units="1/cm"/>
+          <inkml:channelProperty channel="F" name="resolution" value="0" units="1/dev"/>
+          <inkml:channelProperty channel="OA" name="resolution" value="1000" units="1/deg"/>
+          <inkml:channelProperty channel="OE" name="resolution" value="1000" units="1/deg"/>
+        </inkml:channelProperties>
+      </inkml:inkSource>
+      <inkml:timestamp xml:id="ts0" timeString="2021-04-16T19:02:14.419"/>
+    </inkml:context>
+    <inkml:brush xml:id="br0">
+      <inkml:brushProperty name="width" value="0.05" units="cm"/>
+      <inkml:brushProperty name="height" value="0.05" units="cm"/>
+      <inkml:brushProperty name="color" value="#E71224"/>
+    </inkml:brush>
+  </inkml:definitions>
+  <inkml:trace contextRef="#ctx0" brushRef="#br0">224 98 2304 0 0,'0'1'16'0'0,"0"-1"0"0"0,0 0 0 0 0,1 0 0 0 0,-1 0 0 0 0,0 1 0 0 0,0-1 0 0 0,0 0 0 0 0,1 0 0 0 0,-1 0 0 0 0,0 0 0 0 0,0 1 0 0 0,1-1 0 0 0,-1 0 0 0 0,0 0 0 0 0,1 0 0 0 0,-1 0 0 0 0,0 0 0 0 0,0 0 0 0 0,1 0 0 0 0,-1 0 0 0 0,0 0 0 0 0,1 0 0 0 0,-1 0 0 0 0,0 0 0 0 0,0 0 0 0 0,1 0 0 0 0,-1 0 0 0 0,0 0 0 0 0,1 0 0 0 0,-1 0 0 0 0,0 0 0 0 0,0 0 0 0 0,1 0 0 0 0,-1-1 0 0 0,0 1 0 0 0,0 0 0 0 0,1 0 0 0 0,-1 0 0 0 0,0 0 0 0 0,0-1 0 0 0,0 1 0 0 0,1 0 0 0 0,4-10 2135 0 0,-4 9-1452 0 0,2-6 957 0 0,0 1 0 0 0,-1-1 0 0 0,1 0 0 0 0,1-11 0 0 0,-3 16-1375 0 0,-1 1 0 0 0,0-1 0 0 0,1 1 0 0 0,-1-1 0 0 0,0 0 0 0 0,0 1 0 0 0,0-1 0 0 0,0 0 0 0 0,-1 1 0 0 0,1-1 0 0 0,0 0 0 0 0,-1 1 0 0 0,1-1 0 0 0,-1 0 0 0 0,1 1 0 0 0,-1-1 0 0 0,0 1 0 0 0,0-1 0 0 0,0 1-1 0 0,0 0 1 0 0,0-1 0 0 0,0 1 0 0 0,0 0 0 0 0,0 0 0 0 0,-2-2 0 0 0,2 3-176 0 0,0-1-1 0 0,0 1 1 0 0,-1 0-1 0 0,1 0 0 0 0,0 0 1 0 0,0 0-1 0 0,-1 0 1 0 0,1 0-1 0 0,0 0 1 0 0,0 0-1 0 0,-1 0 0 0 0,1 0 1 0 0,0 1-1 0 0,0-1 1 0 0,0 1-1 0 0,-1-1 1 0 0,1 1-1 0 0,-2 0 0 0 0,-24 15 770 0 0,23-13-716 0 0,-7 4 82 0 0,1 1 0 0 0,0 1 0 0 0,0 0 0 0 0,1 0 0 0 0,0 1-1 0 0,0 0 1 0 0,1 1 0 0 0,-12 21 0 0 0,0 5 431 0 0,-22 58-1 0 0,36-79-503 0 0,1 1 0 0 0,0-1 0 0 0,1 1 1 0 0,1 0-1 0 0,-2 35 0 0 0,5-51-149 0 0,0 1 0 0 0,0 0 0 0 0,0 0 1 0 0,0 0-1 0 0,1 0 0 0 0,-1 0 0 0 0,0-1 1 0 0,1 1-1 0 0,-1 0 0 0 0,1 0 0 0 0,0-1 1 0 0,0 1-1 0 0,-1 0 0 0 0,1-1 0 0 0,0 1 1 0 0,0-1-1 0 0,1 1 0 0 0,-1-1 0 0 0,0 1 1 0 0,0-1-1 0 0,1 0 0 0 0,-1 0 0 0 0,4 3 0 0 0,-3-3-100 0 0,1 0 0 0 0,-1-1-1 0 0,1 1 1 0 0,0 0-1 0 0,-1-1 1 0 0,1 1-1 0 0,0-1 1 0 0,-1 0 0 0 0,1 0-1 0 0,0 0 1 0 0,0 0-1 0 0,-1-1 1 0 0,1 1-1 0 0,0-1 1 0 0,4-1-1 0 0,18-6-1802 0 0,-2 0 0 0 0,40-20 0 0 0,-42 15 51 0 0</inkml:trace>
+</inkml:ink>
+</file>
+
+<file path=ppt/ink/ink33.xml><?xml version="1.0" encoding="utf-8"?>
+<inkml:ink xmlns:inkml="http://www.w3.org/2003/InkML">
+  <inkml:definitions>
+    <inkml:context xml:id="ctx0">
+      <inkml:inkSource xml:id="inkSrc0">
+        <inkml:traceFormat>
+          <inkml:channel name="X" type="integer" min="-2.14748E9" max="2.14748E9" units="cm"/>
+          <inkml:channel name="Y" type="integer" min="-2.14748E9" max="2.14748E9" units="cm"/>
+          <inkml:channel name="F" type="integer" max="32767" units="dev"/>
+          <inkml:channel name="OA" type="integer" max="360" units="deg"/>
+          <inkml:channel name="OE" type="integer" max="90" units="deg"/>
+        </inkml:traceFormat>
+        <inkml:channelProperties>
+          <inkml:channelProperty channel="X" name="resolution" value="1000" units="1/cm"/>
+          <inkml:channelProperty channel="Y" name="resolution" value="1000" units="1/cm"/>
+          <inkml:channelProperty channel="F" name="resolution" value="0" units="1/dev"/>
+          <inkml:channelProperty channel="OA" name="resolution" value="1000" units="1/deg"/>
+          <inkml:channelProperty channel="OE" name="resolution" value="1000" units="1/deg"/>
+        </inkml:channelProperties>
+      </inkml:inkSource>
+      <inkml:timestamp xml:id="ts0" timeString="2021-04-16T19:02:14.798"/>
+    </inkml:context>
+    <inkml:brush xml:id="br0">
+      <inkml:brushProperty name="width" value="0.05" units="cm"/>
+      <inkml:brushProperty name="height" value="0.05" units="cm"/>
+      <inkml:brushProperty name="color" value="#E71224"/>
+    </inkml:brush>
+  </inkml:definitions>
+  <inkml:trace contextRef="#ctx0" brushRef="#br0">115 48 11976 0 0,'0'0'1082'0'0,"-4"0"-868"0"0,0 0 242 0 0,-1 0-1 0 0,1 1 1 0 0,0-1 0 0 0,0 1 0 0 0,0 0 0 0 0,0 0 0 0 0,0 0 0 0 0,0 0 0 0 0,1 1 0 0 0,-1-1 0 0 0,0 1 0 0 0,1 0 0 0 0,-1 0-1 0 0,1 1 1 0 0,-1-1 0 0 0,1 1 0 0 0,0 0 0 0 0,0-1 0 0 0,-4 6 0 0 0,3-3-89 0 0,1 0 1 0 0,-1 1-1 0 0,1-1 0 0 0,0 1 0 0 0,0-1 1 0 0,1 1-1 0 0,-1 0 0 0 0,2 0 1 0 0,-4 12-1 0 0,5-16-318 0 0,-1 1 1 0 0,1-1-1 0 0,0 0 1 0 0,0 0-1 0 0,0 1 1 0 0,0-1-1 0 0,0 0 1 0 0,0 0-1 0 0,1 1 1 0 0,-1-1-1 0 0,1 0 1 0 0,-1 0-1 0 0,1 0 0 0 0,0 0 1 0 0,0 1-1 0 0,0-1 1 0 0,0 0-1 0 0,0-1 1 0 0,0 1-1 0 0,1 0 1 0 0,-1 0-1 0 0,1 0 1 0 0,-1-1-1 0 0,1 1 1 0 0,0-1-1 0 0,0 1 1 0 0,-1-1-1 0 0,1 0 1 0 0,0 0-1 0 0,4 2 0 0 0,-4-2-28 0 0,0 0-1 0 0,0-1 0 0 0,0 1 0 0 0,1-1 0 0 0,-1 0 0 0 0,0 1 0 0 0,0-1 0 0 0,0 0 1 0 0,0 0-1 0 0,0 0 0 0 0,1-1 0 0 0,-1 1 0 0 0,0 0 0 0 0,0-1 0 0 0,2 0 0 0 0,0-1 8 0 0,0 0 0 0 0,0 0 0 0 0,0 0 0 0 0,0 0 0 0 0,-1-1 0 0 0,1 0 0 0 0,3-3 1 0 0,1-2-249 0 0,0-1 0 0 0,0-1 0 0 0,-1 1 0 0 0,10-17 0 0 0,19-48-2654 0 0,-21 41-365 0 0,-7 10-4483 0 0</inkml:trace>
+</inkml:ink>
+</file>
+
+<file path=ppt/ink/ink34.xml><?xml version="1.0" encoding="utf-8"?>
+<inkml:ink xmlns:inkml="http://www.w3.org/2003/InkML">
+  <inkml:definitions>
+    <inkml:context xml:id="ctx0">
+      <inkml:inkSource xml:id="inkSrc0">
+        <inkml:traceFormat>
+          <inkml:channel name="X" type="integer" min="-2.14748E9" max="2.14748E9" units="cm"/>
+          <inkml:channel name="Y" type="integer" min="-2.14748E9" max="2.14748E9" units="cm"/>
+          <inkml:channel name="F" type="integer" max="32767" units="dev"/>
+          <inkml:channel name="OA" type="integer" max="360" units="deg"/>
+          <inkml:channel name="OE" type="integer" max="90" units="deg"/>
+        </inkml:traceFormat>
+        <inkml:channelProperties>
+          <inkml:channelProperty channel="X" name="resolution" value="1000" units="1/cm"/>
+          <inkml:channelProperty channel="Y" name="resolution" value="1000" units="1/cm"/>
+          <inkml:channelProperty channel="F" name="resolution" value="0" units="1/dev"/>
+          <inkml:channelProperty channel="OA" name="resolution" value="1000" units="1/deg"/>
+          <inkml:channelProperty channel="OE" name="resolution" value="1000" units="1/deg"/>
+        </inkml:channelProperties>
+      </inkml:inkSource>
+      <inkml:timestamp xml:id="ts0" timeString="2021-04-16T19:02:15.184"/>
+    </inkml:context>
+    <inkml:brush xml:id="br0">
+      <inkml:brushProperty name="width" value="0.05" units="cm"/>
+      <inkml:brushProperty name="height" value="0.05" units="cm"/>
+      <inkml:brushProperty name="color" value="#E71224"/>
+    </inkml:brush>
+  </inkml:definitions>
+  <inkml:trace contextRef="#ctx0" brushRef="#br0">1 0 17423 0 0,'0'0'4818'0'0,"0"15"-2117"0"0,0 210 761 0 0,0-200-3427 0 0,1 51 85 0 0,0-66-137 0 0,0 0 0 0 0,1 1 0 0 0,0-1 0 0 0,1-1 1 0 0,4 12-1 0 0,-7-19-58 0 0,1 0 0 0 0,0 0 0 0 0,0 0 0 0 0,0-1 0 0 0,0 1 0 0 0,0 0 0 0 0,0-1 0 0 0,1 1 0 0 0,-1-1 0 0 0,0 1 0 0 0,1-1 0 0 0,-1 0 0 0 0,1 1 0 0 0,3 1 0 0 0,-4-3-46 0 0,0 0 1 0 0,0 0-1 0 0,0 0 1 0 0,0 1-1 0 0,0-1 1 0 0,0 0-1 0 0,-1 0 0 0 0,1 0 1 0 0,0-1-1 0 0,0 1 1 0 0,0 0-1 0 0,0 0 1 0 0,0 0-1 0 0,0-1 0 0 0,0 1 1 0 0,0 0-1 0 0,0-1 1 0 0,0 1-1 0 0,0-1 0 0 0,-1 1 1 0 0,1-1-1 0 0,0 0 1 0 0,0 1-1 0 0,-1-1 1 0 0,1 0-1 0 0,0 1 0 0 0,-1-1 1 0 0,1 0-1 0 0,-1 0 1 0 0,1 0-1 0 0,-1 1 1 0 0,1-2-1 0 0,10-15-2400 0 0,-1 0 0 0 0,-1-1 0 0 0,12-33 0 0 0,13-61-4863 0 0,-17 48 6500 0 0,4 3 3596 0 0,-11 35-374 0 0,-6 13 1705 0 0,1 0 1 0 0,11-20 3020 0 0,-16 35-6357 0 0,2 13-237 0 0,-1 0 0 0 0,0 0 0 0 0,-1 0 0 0 0,-4 28 0 0 0,1 14-156 0 0,2-4-220 0 0,5 90-54 0 0,6-68-2765 0 0,-7-53 1237 0 0</inkml:trace>
+</inkml:ink>
+</file>
+
+<file path=ppt/ink/ink35.xml><?xml version="1.0" encoding="utf-8"?>
+<inkml:ink xmlns:inkml="http://www.w3.org/2003/InkML">
+  <inkml:definitions>
+    <inkml:context xml:id="ctx0">
+      <inkml:inkSource xml:id="inkSrc0">
+        <inkml:traceFormat>
+          <inkml:channel name="X" type="integer" min="-2.14748E9" max="2.14748E9" units="cm"/>
+          <inkml:channel name="Y" type="integer" min="-2.14748E9" max="2.14748E9" units="cm"/>
+          <inkml:channel name="F" type="integer" max="32767" units="dev"/>
+          <inkml:channel name="OA" type="integer" max="360" units="deg"/>
+          <inkml:channel name="OE" type="integer" max="90" units="deg"/>
+        </inkml:traceFormat>
+        <inkml:channelProperties>
+          <inkml:channelProperty channel="X" name="resolution" value="1000" units="1/cm"/>
+          <inkml:channelProperty channel="Y" name="resolution" value="1000" units="1/cm"/>
+          <inkml:channelProperty channel="F" name="resolution" value="0" units="1/dev"/>
+          <inkml:channelProperty channel="OA" name="resolution" value="1000" units="1/deg"/>
+          <inkml:channelProperty channel="OE" name="resolution" value="1000" units="1/deg"/>
+        </inkml:channelProperties>
+      </inkml:inkSource>
+      <inkml:timestamp xml:id="ts0" timeString="2021-04-16T19:02:15.657"/>
+    </inkml:context>
+    <inkml:brush xml:id="br0">
+      <inkml:brushProperty name="width" value="0.05" units="cm"/>
+      <inkml:brushProperty name="height" value="0.05" units="cm"/>
+      <inkml:brushProperty name="color" value="#E71224"/>
+    </inkml:brush>
+  </inkml:definitions>
+  <inkml:trace contextRef="#ctx0" brushRef="#br0">201 0 2760 0 0,'-1'0'207'0'0,"-25"1"9414"0"0,-29 4-4934 0 0,52-5-4331 0 0,-3 2-62 0 0,0 0-1 0 0,-1 0 1 0 0,1 1-1 0 0,1 0 1 0 0,-1 0-1 0 0,0 0 0 0 0,1 1 1 0 0,-1 0-1 0 0,1 0 1 0 0,0 0-1 0 0,0 0 1 0 0,-5 8-1 0 0,5-4-121 0 0,0 0 1 0 0,0 0-1 0 0,1 1 0 0 0,0 0 0 0 0,1 0 1 0 0,0 0-1 0 0,0 0 0 0 0,-1 11 1 0 0,3-16-135 0 0,1-1 0 0 0,0 1 0 0 0,0-1 0 0 0,0 1 1 0 0,0 0-1 0 0,0-1 0 0 0,1 1 0 0 0,-1-1 1 0 0,1 1-1 0 0,0-1 0 0 0,0 1 0 0 0,1-1 0 0 0,-1 0 1 0 0,1 1-1 0 0,-1-1 0 0 0,1 0 0 0 0,2 3 1 0 0,-2-4-21 0 0,-1-1 1 0 0,1 1 0 0 0,-1-1 0 0 0,1 1 0 0 0,0-1 0 0 0,0 0-1 0 0,-1 1 1 0 0,1-1 0 0 0,0 0 0 0 0,0 0 0 0 0,0 0 0 0 0,0-1 0 0 0,0 1-1 0 0,0 0 1 0 0,0-1 0 0 0,1 1 0 0 0,-1-1 0 0 0,0 0 0 0 0,0 0 0 0 0,0 0-1 0 0,1 0 1 0 0,-1 0 0 0 0,0 0 0 0 0,0-1 0 0 0,0 1 0 0 0,0-1 0 0 0,0 1-1 0 0,3-2 1 0 0,2-1 67 0 0,-1 0-1 0 0,1 0 1 0 0,-1 0-1 0 0,0-1 0 0 0,1 0 1 0 0,-2-1-1 0 0,8-6 1 0 0,1-2 320 0 0,15-23 0 0 0,-11 14-14 0 0,-7 9 353 0 0,15-24-1 0 0,-26 37-734 0 0,0 0-1 0 0,0 0 0 0 0,0 0 0 0 0,0 0 1 0 0,0 0-1 0 0,1 0 0 0 0,-1 0 0 0 0,0-1 0 0 0,0 1 1 0 0,0 0-1 0 0,0 0 0 0 0,0 0 0 0 0,0 0 0 0 0,0 0 1 0 0,0 0-1 0 0,0 0 0 0 0,1 1 0 0 0,-1-1 1 0 0,0 0-1 0 0,0 0 0 0 0,0 0 0 0 0,0 0 0 0 0,0 0 1 0 0,0 0-1 0 0,0 0 0 0 0,0 0 0 0 0,0 0 0 0 0,0 0 1 0 0,0 0-1 0 0,0 0 0 0 0,1 0 0 0 0,-1 0 1 0 0,0 0-1 0 0,0 0 0 0 0,0 0 0 0 0,0 0 0 0 0,0 1 1 0 0,0-1-1 0 0,0 0 0 0 0,0 0 0 0 0,0 0 0 0 0,0 0 1 0 0,0 0-1 0 0,0 0 0 0 0,0 0 0 0 0,0 0 0 0 0,0 0 1 0 0,0 0-1 0 0,0 1 0 0 0,0-1 0 0 0,0 0 1 0 0,0 0-1 0 0,0 0 0 0 0,0 0 0 0 0,0 0 0 0 0,0 0 1 0 0,0 0-1 0 0,0 0 0 0 0,0 0 0 0 0,0 0 0 0 0,0 1 1 0 0,0-1-1 0 0,0 0 0 0 0,2 14 118 0 0,-1 17-104 0 0,-5 2-3 0 0,1-21-314 0 0,2-1 0 0 0,0 1 1 0 0,0 0-1 0 0,1-1 0 0 0,2 17 1 0 0,-2-28 173 0 0,0 0 0 0 0,0 0 0 0 0,0 1-1 0 0,0-1 1 0 0,0 0 0 0 0,0 0 0 0 0,0 1 0 0 0,0-1 0 0 0,0 0 0 0 0,0 0 0 0 0,0 1 0 0 0,0-1-1 0 0,0 0 1 0 0,1 0 0 0 0,-1 0 0 0 0,0 1 0 0 0,0-1 0 0 0,0 0 0 0 0,0 0 0 0 0,1 0 0 0 0,-1 0-1 0 0,0 1 1 0 0,0-1 0 0 0,0 0 0 0 0,1 0 0 0 0,-1 0 0 0 0,0 0 0 0 0,0 0 0 0 0,0 0 0 0 0,1 0-1 0 0,-1 1 1 0 0,0-1 0 0 0,0 0 0 0 0,1 0 0 0 0,-1 0 0 0 0,0 0 0 0 0,0 0 0 0 0,1 0 0 0 0,-1 0-1 0 0,0 0 1 0 0,0 0 0 0 0,1 0 0 0 0,-1-1 0 0 0,0 1 0 0 0,1 0 0 0 0</inkml:trace>
+</inkml:ink>
+</file>
+
+<file path=ppt/ink/ink36.xml><?xml version="1.0" encoding="utf-8"?>
+<inkml:ink xmlns:inkml="http://www.w3.org/2003/InkML">
+  <inkml:definitions>
+    <inkml:context xml:id="ctx0">
+      <inkml:inkSource xml:id="inkSrc0">
+        <inkml:traceFormat>
+          <inkml:channel name="X" type="integer" min="-2.14748E9" max="2.14748E9" units="cm"/>
+          <inkml:channel name="Y" type="integer" min="-2.14748E9" max="2.14748E9" units="cm"/>
+          <inkml:channel name="F" type="integer" max="32767" units="dev"/>
+          <inkml:channel name="OA" type="integer" max="360" units="deg"/>
+          <inkml:channel name="OE" type="integer" max="90" units="deg"/>
+        </inkml:traceFormat>
+        <inkml:channelProperties>
+          <inkml:channelProperty channel="X" name="resolution" value="1000" units="1/cm"/>
+          <inkml:channelProperty channel="Y" name="resolution" value="1000" units="1/cm"/>
+          <inkml:channelProperty channel="F" name="resolution" value="0" units="1/dev"/>
+          <inkml:channelProperty channel="OA" name="resolution" value="1000" units="1/deg"/>
+          <inkml:channelProperty channel="OE" name="resolution" value="1000" units="1/deg"/>
+        </inkml:channelProperties>
+      </inkml:inkSource>
+      <inkml:timestamp xml:id="ts0" timeString="2021-04-16T19:02:16.014"/>
+    </inkml:context>
+    <inkml:brush xml:id="br0">
+      <inkml:brushProperty name="width" value="0.05" units="cm"/>
+      <inkml:brushProperty name="height" value="0.05" units="cm"/>
+      <inkml:brushProperty name="color" value="#E71224"/>
+    </inkml:brush>
+  </inkml:definitions>
+  <inkml:trace contextRef="#ctx0" brushRef="#br0">40 14 3224 0 0,'-4'-13'16822'0'0,"-1"23"-16393"0"0,0 1 1 0 0,0 0-1 0 0,1 0 1 0 0,0 1-1 0 0,1-1 1 0 0,0 1-1 0 0,-1 20 0 0 0,1 1-354 0 0,4 53-1 0 0,0-68 219 0 0,5 24-1 0 0,-5-36-141 0 0,0 0 0 0 0,1 0 0 0 0,0-1 0 0 0,0 1-1 0 0,0 0 1 0 0,1-1 0 0 0,5 10 0 0 0,-7-14-118 0 0,1 1 0 0 0,-1-1 1 0 0,1 1-1 0 0,0-1 0 0 0,-1 0 0 0 0,1 0 0 0 0,0 0 1 0 0,0 0-1 0 0,-1 0 0 0 0,1 0 0 0 0,0 0 0 0 0,0 0 1 0 0,0-1-1 0 0,0 1 0 0 0,0-1 0 0 0,0 1 0 0 0,1-1 1 0 0,-1 0-1 0 0,0 0 0 0 0,0 0 0 0 0,0 0 0 0 0,0 0 1 0 0,0-1-1 0 0,0 1 0 0 0,0 0 0 0 0,2-2 0 0 0,7-1 152 0 0,0-1-1 0 0,0 0 0 0 0,15-9 1 0 0,-15 8 0 0 0,3-3-6 0 0,-1 2 116 0 0,0 0 0 0 0,22-7 0 0 0,-31 12-223 0 0,0 0 0 0 0,-1 0 1 0 0,1 0-1 0 0,0 1 0 0 0,-1 0 1 0 0,1-1-1 0 0,0 1 0 0 0,0 1 1 0 0,-1-1-1 0 0,1 1 0 0 0,0-1 1 0 0,-1 1-1 0 0,1 0 0 0 0,-1 0 0 0 0,5 2 1 0 0,-7-2-50 0 0,0 0 0 0 0,0 0 1 0 0,0 0-1 0 0,0 0 0 0 0,0 0 0 0 0,0 0 1 0 0,0 0-1 0 0,0 0 0 0 0,0 1 0 0 0,-1-1 1 0 0,1 0-1 0 0,0 1 0 0 0,-1-1 1 0 0,1 0-1 0 0,-1 1 0 0 0,1-1 0 0 0,-1 1 1 0 0,0-1-1 0 0,0 1 0 0 0,1-1 0 0 0,-1 1 1 0 0,0-1-1 0 0,0 1 0 0 0,-1-1 1 0 0,1 3-1 0 0,-1 3 48 0 0,0 0 0 0 0,-1 0 1 0 0,0-1-1 0 0,-3 9 0 0 0,2-9-77 0 0,0 1 0 0 0,0-1 1 0 0,-1 0-1 0 0,0 0 0 0 0,0 0 0 0 0,0 0 0 0 0,-1 0 1 0 0,0-1-1 0 0,0 0 0 0 0,0 0 0 0 0,-1-1 0 0 0,0 1 0 0 0,0-1 1 0 0,0 0-1 0 0,0-1 0 0 0,0 0 0 0 0,-1 0 0 0 0,0 0 1 0 0,0 0-1 0 0,1-1 0 0 0,-15 2 0 0 0,18-3-167 0 0,0-1-1 0 0,0 0 1 0 0,0 0 0 0 0,1 0-1 0 0,-1-1 1 0 0,0 1 0 0 0,0-1-1 0 0,0 1 1 0 0,1-1 0 0 0,-1 0-1 0 0,0 0 1 0 0,1 0 0 0 0,-5-3-1 0 0,6 4 2 0 0,0-1 0 0 0,1 0 0 0 0,-1 1 0 0 0,0-1 0 0 0,1 0-1 0 0,-1 1 1 0 0,0-1 0 0 0,1 0 0 0 0,-1 0 0 0 0,1 0 0 0 0,-1 1-1 0 0,1-1 1 0 0,0 0 0 0 0,-1 0 0 0 0,1 0 0 0 0,0 0-1 0 0,-1-1 1 0 0,1 0-157 0 0,0 1 1 0 0,0-1-1 0 0,1 1 0 0 0,-1 0 0 0 0,0-1 0 0 0,1 1 0 0 0,-1-1 1 0 0,0 1-1 0 0,1 0 0 0 0,0-1 0 0 0,-1 1 0 0 0,1 0 0 0 0,0 0 1 0 0,1-3-1 0 0,9-7-7124 0 0</inkml:trace>
+</inkml:ink>
+</file>
+
+<file path=ppt/ink/ink37.xml><?xml version="1.0" encoding="utf-8"?>
+<inkml:ink xmlns:inkml="http://www.w3.org/2003/InkML">
+  <inkml:definitions>
+    <inkml:context xml:id="ctx0">
+      <inkml:inkSource xml:id="inkSrc0">
+        <inkml:traceFormat>
+          <inkml:channel name="X" type="integer" min="-2.14748E9" max="2.14748E9" units="cm"/>
+          <inkml:channel name="Y" type="integer" min="-2.14748E9" max="2.14748E9" units="cm"/>
+          <inkml:channel name="F" type="integer" max="32767" units="dev"/>
+          <inkml:channel name="OA" type="integer" max="360" units="deg"/>
+          <inkml:channel name="OE" type="integer" max="90" units="deg"/>
+        </inkml:traceFormat>
+        <inkml:channelProperties>
+          <inkml:channelProperty channel="X" name="resolution" value="1000" units="1/cm"/>
+          <inkml:channelProperty channel="Y" name="resolution" value="1000" units="1/cm"/>
+          <inkml:channelProperty channel="F" name="resolution" value="0" units="1/dev"/>
+          <inkml:channelProperty channel="OA" name="resolution" value="1000" units="1/deg"/>
+          <inkml:channelProperty channel="OE" name="resolution" value="1000" units="1/deg"/>
+        </inkml:channelProperties>
+      </inkml:inkSource>
+      <inkml:timestamp xml:id="ts0" timeString="2021-04-16T19:02:16.393"/>
+    </inkml:context>
+    <inkml:brush xml:id="br0">
+      <inkml:brushProperty name="width" value="0.05" units="cm"/>
+      <inkml:brushProperty name="height" value="0.05" units="cm"/>
+      <inkml:brushProperty name="color" value="#E71224"/>
+    </inkml:brush>
+  </inkml:definitions>
+  <inkml:trace contextRef="#ctx0" brushRef="#br0">99 1 3680 0 0,'0'7'20570'0'0,"-28"13"-20123"0"0,3-2 747 0 0,20-13-977 0 0,0 0-1 0 0,0 1 1 0 0,0-1-1 0 0,1 1 0 0 0,0 0 1 0 0,-5 8-1 0 0,8-12-148 0 0,0 1-1 0 0,-1 0 1 0 0,1-1 0 0 0,0 1-1 0 0,1 0 1 0 0,-1 0-1 0 0,0-1 1 0 0,1 1 0 0 0,-1 0-1 0 0,1 0 1 0 0,0 0 0 0 0,0 0-1 0 0,0 0 1 0 0,0 0-1 0 0,1 0 1 0 0,-1-1 0 0 0,3 6-1 0 0,-3-6-62 0 0,1-1 0 0 0,0 0 1 0 0,0 0-1 0 0,0 0 0 0 0,0 0 0 0 0,0 0 0 0 0,0-1 0 0 0,0 1 0 0 0,0 0 1 0 0,0 0-1 0 0,0-1 0 0 0,0 1 0 0 0,1-1 0 0 0,-1 1 0 0 0,0-1 1 0 0,0 1-1 0 0,1-1 0 0 0,-1 0 0 0 0,0 1 0 0 0,1-1 0 0 0,-1 0 0 0 0,0 0 1 0 0,1 0-1 0 0,-1 0 0 0 0,0 0 0 0 0,1 0 0 0 0,-1-1 0 0 0,2 0 0 0 0,3 0-9 0 0,0 0-1 0 0,0 0 0 0 0,-1-1 0 0 0,1 0 0 0 0,5-3 0 0 0,5-3-748 0 0,-1-1 0 0 0,-1-1 0 0 0,1 0 0 0 0,-1-1 0 0 0,17-18 0 0 0,-15 13-1426 0 0,1 2-372 0 0</inkml:trace>
+</inkml:ink>
+</file>
+
+<file path=ppt/ink/ink38.xml><?xml version="1.0" encoding="utf-8"?>
+<inkml:ink xmlns:inkml="http://www.w3.org/2003/InkML">
+  <inkml:definitions>
+    <inkml:context xml:id="ctx0">
+      <inkml:inkSource xml:id="inkSrc0">
+        <inkml:traceFormat>
+          <inkml:channel name="X" type="integer" min="-2.14748E9" max="2.14748E9" units="cm"/>
+          <inkml:channel name="Y" type="integer" min="-2.14748E9" max="2.14748E9" units="cm"/>
+          <inkml:channel name="F" type="integer" max="32767" units="dev"/>
+          <inkml:channel name="OA" type="integer" max="360" units="deg"/>
+          <inkml:channel name="OE" type="integer" max="90" units="deg"/>
+        </inkml:traceFormat>
+        <inkml:channelProperties>
+          <inkml:channelProperty channel="X" name="resolution" value="1000" units="1/cm"/>
+          <inkml:channelProperty channel="Y" name="resolution" value="1000" units="1/cm"/>
+          <inkml:channelProperty channel="F" name="resolution" value="0" units="1/dev"/>
+          <inkml:channelProperty channel="OA" name="resolution" value="1000" units="1/deg"/>
+          <inkml:channelProperty channel="OE" name="resolution" value="1000" units="1/deg"/>
+        </inkml:channelProperties>
+      </inkml:inkSource>
+      <inkml:timestamp xml:id="ts0" timeString="2021-04-16T19:02:16.766"/>
+    </inkml:context>
+    <inkml:brush xml:id="br0">
+      <inkml:brushProperty name="width" value="0.05" units="cm"/>
+      <inkml:brushProperty name="height" value="0.05" units="cm"/>
+      <inkml:brushProperty name="color" value="#E71224"/>
+    </inkml:brush>
+  </inkml:definitions>
+  <inkml:trace contextRef="#ctx0" brushRef="#br0">1 1 5984 0 0,'0'0'464'0'0,"0"14"2385"0"0,1 33 8525 0 0,6 60-6827 0 0,-7-104-4470 0 0,2 19 635 0 0,1-1-1 0 0,5 24 1 0 0,-7-44 33 0 0,5-4-361 0 0,-3-1-298 0 0,0 0-1 0 0,-1-1 1 0 0,1 1 0 0 0,-1-1 0 0 0,0 1-1 0 0,0-1 1 0 0,0 0 0 0 0,0 1-1 0 0,0-9 1 0 0,5-9 77 0 0,-2 9-120 0 0,0 1 0 0 0,0 0 1 0 0,1 0-1 0 0,10-14 0 0 0,-14 24-178 0 0,0-1 1 0 0,-1 1-1 0 0,1 0 1 0 0,0 0-1 0 0,1-1 0 0 0,-1 1 1 0 0,0 0-1 0 0,1 1 0 0 0,-1-1 1 0 0,1 0-1 0 0,-1 1 1 0 0,1-1-1 0 0,0 1 0 0 0,-1 0 1 0 0,1 0-1 0 0,0 0 1 0 0,0 0-1 0 0,0 1 0 0 0,0-1 1 0 0,0 1-1 0 0,0 0 1 0 0,0 0-1 0 0,0 0 0 0 0,0 0 1 0 0,3 0-1 0 0,9 5-1929 0 0</inkml:trace>
+</inkml:ink>
+</file>
+
+<file path=ppt/ink/ink39.xml><?xml version="1.0" encoding="utf-8"?>
+<inkml:ink xmlns:inkml="http://www.w3.org/2003/InkML">
+  <inkml:definitions>
+    <inkml:context xml:id="ctx0">
+      <inkml:inkSource xml:id="inkSrc0">
+        <inkml:traceFormat>
+          <inkml:channel name="X" type="integer" min="-2.14748E9" max="2.14748E9" units="cm"/>
+          <inkml:channel name="Y" type="integer" min="-2.14748E9" max="2.14748E9" units="cm"/>
+          <inkml:channel name="F" type="integer" max="32767" units="dev"/>
+          <inkml:channel name="OA" type="integer" max="360" units="deg"/>
+          <inkml:channel name="OE" type="integer" max="90" units="deg"/>
+        </inkml:traceFormat>
+        <inkml:channelProperties>
+          <inkml:channelProperty channel="X" name="resolution" value="1000" units="1/cm"/>
+          <inkml:channelProperty channel="Y" name="resolution" value="1000" units="1/cm"/>
+          <inkml:channelProperty channel="F" name="resolution" value="0" units="1/dev"/>
+          <inkml:channelProperty channel="OA" name="resolution" value="1000" units="1/deg"/>
+          <inkml:channelProperty channel="OE" name="resolution" value="1000" units="1/deg"/>
+        </inkml:channelProperties>
+      </inkml:inkSource>
+      <inkml:timestamp xml:id="ts0" timeString="2021-04-16T19:02:17.151"/>
+    </inkml:context>
+    <inkml:brush xml:id="br0">
+      <inkml:brushProperty name="width" value="0.05" units="cm"/>
+      <inkml:brushProperty name="height" value="0.05" units="cm"/>
+      <inkml:brushProperty name="color" value="#E71224"/>
+    </inkml:brush>
+  </inkml:definitions>
+  <inkml:trace contextRef="#ctx0" brushRef="#br0">68 0 7832 0 0,'0'0'11721'0'0,"-12"14"-10141"0"0,4-2-1192 0 0,0 1 1 0 0,1 1-1 0 0,1 0 0 0 0,0 0 1 0 0,-7 23-1 0 0,6-1 202 0 0,6-34-525 0 0,1 1 1 0 0,0-1 0 0 0,0 1 0 0 0,1-1 0 0 0,-1 0 0 0 0,0 1 0 0 0,1-1 0 0 0,0 1 0 0 0,-1-1 0 0 0,1 0 0 0 0,0 0 0 0 0,2 4 0 0 0,-2-6-44 0 0,-1 0 1 0 0,1 0-1 0 0,-1 0 0 0 0,1 0 1 0 0,0 0-1 0 0,-1 1 1 0 0,1-1-1 0 0,0 0 0 0 0,-1-1 1 0 0,1 1-1 0 0,0 0 0 0 0,-1 0 1 0 0,1 0-1 0 0,-1 0 1 0 0,1 0-1 0 0,0-1 0 0 0,-1 1 1 0 0,2-1-1 0 0,-1 1 28 0 0,4-2 2 0 0,-1 0 1 0 0,1 0 0 0 0,-1 0-1 0 0,0 0 1 0 0,0-1 0 0 0,0 0-1 0 0,0 1 1 0 0,0-1 0 0 0,5-6-1 0 0,3-4 77 0 0,13-20-1 0 0,-16 21 40 0 0,16-17-1 0 0,-24 28-103 0 0,10 9 128 0 0,-9-2-166 0 0,1 0 0 0 0,-1 0 0 0 0,-1 1-1 0 0,1-1 1 0 0,-1 1 0 0 0,0-1 0 0 0,-1 1-1 0 0,1 7 1 0 0,-1-4 17 0 0,1-3-38 0 0,-1-2 1 0 0,0 1-1 0 0,0-1 1 0 0,1-1-1 0 0,0 1 1 0 0,0 0-1 0 0,0 0 1 0 0,0 0-1 0 0,3 5 1 0 0,-3-9-42 0 0,-1-1 1 0 0,1 1-1 0 0,-1-1 1 0 0,1 1-1 0 0,0-1 1 0 0,-1 1 0 0 0,1-1-1 0 0,0 0 1 0 0,-1 1-1 0 0,1-1 1 0 0,0 0 0 0 0,-1 0-1 0 0,1 1 1 0 0,0-1-1 0 0,-1 0 1 0 0,1 0 0 0 0,0 0-1 0 0,0 0 1 0 0,-1 0-1 0 0,1 0 1 0 0,0 0 0 0 0,0 0-1 0 0,-1 0 1 0 0,1 0-1 0 0,0 0 1 0 0,0 0 0 0 0,-1-1-1 0 0,1 1 1 0 0,0 0-1 0 0,-1-1 1 0 0,1 1 0 0 0,0 0-1 0 0,-1-1 1 0 0,2 0-1 0 0,2-1-618 0 0,0-1-1 0 0,0 0 1 0 0,-1 0-1 0 0,5-4 1 0 0,5-8-5065 0 0,-1-4-1563 0 0</inkml:trace>
+</inkml:ink>
+</file>
+
+<file path=ppt/ink/ink4.xml><?xml version="1.0" encoding="utf-8"?>
+<inkml:ink xmlns:inkml="http://www.w3.org/2003/InkML">
+  <inkml:definitions>
+    <inkml:context xml:id="ctx0">
+      <inkml:inkSource xml:id="inkSrc0">
+        <inkml:traceFormat>
+          <inkml:channel name="X" type="integer" min="-2.14748E9" max="2.14748E9" units="cm"/>
+          <inkml:channel name="Y" type="integer" min="-2.14748E9" max="2.14748E9" units="cm"/>
+          <inkml:channel name="F" type="integer" max="32767" units="dev"/>
+          <inkml:channel name="OA" type="integer" max="360" units="deg"/>
+          <inkml:channel name="OE" type="integer" max="90" units="deg"/>
+        </inkml:traceFormat>
+        <inkml:channelProperties>
+          <inkml:channelProperty channel="X" name="resolution" value="1000" units="1/cm"/>
+          <inkml:channelProperty channel="Y" name="resolution" value="1000" units="1/cm"/>
+          <inkml:channelProperty channel="F" name="resolution" value="0" units="1/dev"/>
+          <inkml:channelProperty channel="OA" name="resolution" value="1000" units="1/deg"/>
+          <inkml:channelProperty channel="OE" name="resolution" value="1000" units="1/deg"/>
+        </inkml:channelProperties>
+      </inkml:inkSource>
+      <inkml:timestamp xml:id="ts0" timeString="2021-04-16T19:01:24.927"/>
+    </inkml:context>
+    <inkml:brush xml:id="br0">
+      <inkml:brushProperty name="width" value="0.05" units="cm"/>
+      <inkml:brushProperty name="height" value="0.05" units="cm"/>
+      <inkml:brushProperty name="color" value="#E71224"/>
+    </inkml:brush>
+  </inkml:definitions>
+  <inkml:trace contextRef="#ctx0" brushRef="#br0">106 103 4608 0 0,'0'0'208'0'0,"-1"0"-9"0"0,-3-2-29 0 0,3 2 495 0 0,-3-1-17 0 0,0 0 0 0 0,0 0 0 0 0,0 0-1 0 0,1 0 1 0 0,-1-1 0 0 0,0 0-1 0 0,1 0 1 0 0,-5-3 0 0 0,-13-13 2808 0 0,21 17-2762 0 0,-5 1-367 0 0,4 0-81 0 0,0-1 0 0 0,-1 1 0 0 0,1 0 0 0 0,0 1 0 0 0,-1-1 0 0 0,1 0 0 0 0,0 0 0 0 0,0 1 0 0 0,-1-1 0 0 0,1 0 0 0 0,0 1 0 0 0,0-1 0 0 0,-1 1 0 0 0,0 0 0 0 0,-6 4 883 0 0,0 1 2045 0 0,21-9-1999 0 0,-1 1-1113 0 0,0 1 1 0 0,1-1-1 0 0,-1 2 1 0 0,0 0-1 0 0,15 2 1 0 0,12-1 382 0 0,-11-1-40 0 0,1-2 0 0 0,0-1-1 0 0,44-10 1 0 0,-56 10-208 0 0,-14 3-167 0 0,-1 0 0 0 0,1 0 0 0 0,0 0 0 0 0,0-1 0 0 0,0 0 0 0 0,-1 1 1 0 0,1-1-1 0 0,0 0 0 0 0,-1 0 0 0 0,1 0 0 0 0,-1-1 0 0 0,1 1 0 0 0,-1-1 1 0 0,0 1-1 0 0,1-1 0 0 0,-1 0 0 0 0,3-3 0 0 0,-2 1 20 0 0,16-22 217 0 0,-19 25-367 0 0,2 1-161 0 0,0-1-1 0 0,-1 1 0 0 0,1-1 0 0 0,0 1 0 0 0,0 0 0 0 0,-1 0 0 0 0,1 0 0 0 0,0 0 0 0 0,0 0 0 0 0,1 1 0 0 0,13 8-2602 0 0,-7-2-518 0 0</inkml:trace>
+</inkml:ink>
+</file>
+
+<file path=ppt/ink/ink40.xml><?xml version="1.0" encoding="utf-8"?>
+<inkml:ink xmlns:inkml="http://www.w3.org/2003/InkML">
+  <inkml:definitions>
+    <inkml:context xml:id="ctx0">
+      <inkml:inkSource xml:id="inkSrc0">
+        <inkml:traceFormat>
+          <inkml:channel name="X" type="integer" min="-2.14748E9" max="2.14748E9" units="cm"/>
+          <inkml:channel name="Y" type="integer" min="-2.14748E9" max="2.14748E9" units="cm"/>
+          <inkml:channel name="F" type="integer" max="32767" units="dev"/>
+          <inkml:channel name="OA" type="integer" max="360" units="deg"/>
+          <inkml:channel name="OE" type="integer" max="90" units="deg"/>
+        </inkml:traceFormat>
+        <inkml:channelProperties>
+          <inkml:channelProperty channel="X" name="resolution" value="1000" units="1/cm"/>
+          <inkml:channelProperty channel="Y" name="resolution" value="1000" units="1/cm"/>
+          <inkml:channelProperty channel="F" name="resolution" value="0" units="1/dev"/>
+          <inkml:channelProperty channel="OA" name="resolution" value="1000" units="1/deg"/>
+          <inkml:channelProperty channel="OE" name="resolution" value="1000" units="1/deg"/>
+        </inkml:channelProperties>
+      </inkml:inkSource>
+      <inkml:timestamp xml:id="ts0" timeString="2021-04-16T19:02:17.527"/>
+    </inkml:context>
+    <inkml:brush xml:id="br0">
+      <inkml:brushProperty name="width" value="0.05" units="cm"/>
+      <inkml:brushProperty name="height" value="0.05" units="cm"/>
+      <inkml:brushProperty name="color" value="#E71224"/>
+    </inkml:brush>
+  </inkml:definitions>
+  <inkml:trace contextRef="#ctx0" brushRef="#br0">5 32 3680 0 0,'12'-32'19066'0'0,"-11"34"-18743"0"0,0 0-1 0 0,-1 0 1 0 0,1 0 0 0 0,-1 0-1 0 0,1 0 1 0 0,-1 0 0 0 0,1 4-1 0 0,8 138 2516 0 0,5 55-2660 0 0,-5-125-868 0 0,-5-49-2288 0 0,-1-1-3930 0 0,-2-15-771 0 0</inkml:trace>
+  <inkml:trace contextRef="#ctx0" brushRef="#br0" timeOffset="1">0 301 4608 0 0,'0'0'208'0'0,"13"-6"8688"0"0,-3 1-2188 0 0,1-1-2989 0 0,9 0-3112 0 0,-10 3-599 0 0,1-1-1 0 0,16-7 1 0 0,-6 1-220 0 0,33-14-4266 0 0,-34 16-2929 0 0</inkml:trace>
+  <inkml:trace contextRef="#ctx0" brushRef="#br0" timeOffset="2">383 193 16208 0 0,'2'9'583'0'0,"-1"1"1"0"0,-1 0 0 0 0,1 0 0 0 0,-2-1 0 0 0,1 1 0 0 0,-1 0 0 0 0,-1 0 0 0 0,0-1 0 0 0,0 1-1 0 0,-1-1 1 0 0,0 0 0 0 0,-1 1 0 0 0,1-1 0 0 0,-2-1 0 0 0,-10 17 0 0 0,13-21-904 0 0,2-10-3823 0 0</inkml:trace>
+</inkml:ink>
+</file>
+
+<file path=ppt/ink/ink41.xml><?xml version="1.0" encoding="utf-8"?>
+<inkml:ink xmlns:inkml="http://www.w3.org/2003/InkML">
+  <inkml:definitions>
+    <inkml:context xml:id="ctx0">
+      <inkml:inkSource xml:id="inkSrc0">
+        <inkml:traceFormat>
+          <inkml:channel name="X" type="integer" min="-2.14748E9" max="2.14748E9" units="cm"/>
+          <inkml:channel name="Y" type="integer" min="-2.14748E9" max="2.14748E9" units="cm"/>
+          <inkml:channel name="F" type="integer" max="32767" units="dev"/>
+          <inkml:channel name="OA" type="integer" max="360" units="deg"/>
+          <inkml:channel name="OE" type="integer" max="90" units="deg"/>
+        </inkml:traceFormat>
+        <inkml:channelProperties>
+          <inkml:channelProperty channel="X" name="resolution" value="1000" units="1/cm"/>
+          <inkml:channelProperty channel="Y" name="resolution" value="1000" units="1/cm"/>
+          <inkml:channelProperty channel="F" name="resolution" value="0" units="1/dev"/>
+          <inkml:channelProperty channel="OA" name="resolution" value="1000" units="1/deg"/>
+          <inkml:channelProperty channel="OE" name="resolution" value="1000" units="1/deg"/>
+        </inkml:channelProperties>
+      </inkml:inkSource>
+      <inkml:timestamp xml:id="ts0" timeString="2021-04-16T19:02:17.917"/>
+    </inkml:context>
+    <inkml:brush xml:id="br0">
+      <inkml:brushProperty name="width" value="0.05" units="cm"/>
+      <inkml:brushProperty name="height" value="0.05" units="cm"/>
+      <inkml:brushProperty name="color" value="#E71224"/>
+    </inkml:brush>
+  </inkml:definitions>
+  <inkml:trace contextRef="#ctx0" brushRef="#br0">1 1 15520 0 0,'0'0'760'0'0,"2"9"-337"0"0,1 2 9 0 0,2 1-344 0 0,1 1-88 0 0,0-3 0 0 0,0 3 0 0 0,-1-1-576 0 0,3 1-127 0 0,4-4-25 0 0</inkml:trace>
+</inkml:ink>
+</file>
+
+<file path=ppt/ink/ink42.xml><?xml version="1.0" encoding="utf-8"?>
+<inkml:ink xmlns:inkml="http://www.w3.org/2003/InkML">
+  <inkml:definitions>
+    <inkml:context xml:id="ctx0">
+      <inkml:inkSource xml:id="inkSrc0">
+        <inkml:traceFormat>
+          <inkml:channel name="X" type="integer" min="-2.14748E9" max="2.14748E9" units="cm"/>
+          <inkml:channel name="Y" type="integer" min="-2.14748E9" max="2.14748E9" units="cm"/>
+          <inkml:channel name="F" type="integer" max="32767" units="dev"/>
+          <inkml:channel name="OA" type="integer" max="360" units="deg"/>
+          <inkml:channel name="OE" type="integer" max="90" units="deg"/>
+        </inkml:traceFormat>
+        <inkml:channelProperties>
+          <inkml:channelProperty channel="X" name="resolution" value="1000" units="1/cm"/>
+          <inkml:channelProperty channel="Y" name="resolution" value="1000" units="1/cm"/>
+          <inkml:channelProperty channel="F" name="resolution" value="0" units="1/dev"/>
+          <inkml:channelProperty channel="OA" name="resolution" value="1000" units="1/deg"/>
+          <inkml:channelProperty channel="OE" name="resolution" value="1000" units="1/deg"/>
+        </inkml:channelProperties>
+      </inkml:inkSource>
+      <inkml:timestamp xml:id="ts0" timeString="2021-04-16T19:02:18.807"/>
+    </inkml:context>
+    <inkml:brush xml:id="br0">
+      <inkml:brushProperty name="width" value="0.05" units="cm"/>
+      <inkml:brushProperty name="height" value="0.05" units="cm"/>
+      <inkml:brushProperty name="color" value="#E71224"/>
+    </inkml:brush>
+  </inkml:definitions>
+  <inkml:trace contextRef="#ctx0" brushRef="#br0">0 20 10136 0 0,'0'0'10577'0'0,"12"-8"-7452"0"0,-9 6-2997 0 0,0 1 1 0 0,0-1 0 0 0,0 1-1 0 0,1 0 1 0 0,-1 0-1 0 0,0 0 1 0 0,1 0-1 0 0,-1 0 1 0 0,1 1-1 0 0,-1 0 1 0 0,5-1 0 0 0,41 5 1486 0 0,-35-3-1460 0 0,21 3-306 0 0,37 2-3402 0 0,-52-6-4974 0 0</inkml:trace>
+</inkml:ink>
+</file>
+
+<file path=ppt/ink/ink43.xml><?xml version="1.0" encoding="utf-8"?>
+<inkml:ink xmlns:inkml="http://www.w3.org/2003/InkML">
+  <inkml:definitions>
+    <inkml:context xml:id="ctx0">
+      <inkml:inkSource xml:id="inkSrc0">
+        <inkml:traceFormat>
+          <inkml:channel name="X" type="integer" min="-2.14748E9" max="2.14748E9" units="cm"/>
+          <inkml:channel name="Y" type="integer" min="-2.14748E9" max="2.14748E9" units="cm"/>
+          <inkml:channel name="F" type="integer" max="32767" units="dev"/>
+          <inkml:channel name="OA" type="integer" max="360" units="deg"/>
+          <inkml:channel name="OE" type="integer" max="90" units="deg"/>
+        </inkml:traceFormat>
+        <inkml:channelProperties>
+          <inkml:channelProperty channel="X" name="resolution" value="1000" units="1/cm"/>
+          <inkml:channelProperty channel="Y" name="resolution" value="1000" units="1/cm"/>
+          <inkml:channelProperty channel="F" name="resolution" value="0" units="1/dev"/>
+          <inkml:channelProperty channel="OA" name="resolution" value="1000" units="1/deg"/>
+          <inkml:channelProperty channel="OE" name="resolution" value="1000" units="1/deg"/>
+        </inkml:channelProperties>
+      </inkml:inkSource>
+      <inkml:timestamp xml:id="ts0" timeString="2021-04-16T19:02:22.664"/>
+    </inkml:context>
+    <inkml:brush xml:id="br0">
+      <inkml:brushProperty name="width" value="0.05" units="cm"/>
+      <inkml:brushProperty name="height" value="0.05" units="cm"/>
+      <inkml:brushProperty name="color" value="#E71224"/>
+    </inkml:brush>
+  </inkml:definitions>
+  <inkml:trace contextRef="#ctx0" brushRef="#br0">89 21 2304 0 0,'0'0'8040'0'0,"9"-7"-6440"0"0,-7 5-836 0 0,4-9 7447 0 0,-22 13-6651 0 0,8 3-1271 0 0,1-1 1 0 0,0 1-1 0 0,0 1 0 0 0,0-1 0 0 0,1 1 0 0 0,0 0 0 0 0,0 0 0 0 0,-10 15 0 0 0,14-18-208 0 0,-1 1 0 0 0,1 0-1 0 0,0 0 1 0 0,0 0 0 0 0,1 0-1 0 0,-1 0 1 0 0,1 0 0 0 0,0 0 0 0 0,0 0-1 0 0,0 1 1 0 0,0-1 0 0 0,1 0-1 0 0,0 1 1 0 0,0-1 0 0 0,0 0-1 0 0,0 1 1 0 0,1-1 0 0 0,-1 0-1 0 0,3 6 1 0 0,-3-8-52 0 0,1-1 1 0 0,-1 1-1 0 0,1-1 0 0 0,0 1 0 0 0,-1-1 1 0 0,1 0-1 0 0,0 1 0 0 0,0-1 0 0 0,0 0 0 0 0,0 0 1 0 0,0 0-1 0 0,0 0 0 0 0,0 1 0 0 0,0-2 1 0 0,1 1-1 0 0,-1 0 0 0 0,0 0 0 0 0,1 0 0 0 0,-1 0 1 0 0,3 0-1 0 0,-2 0-3 0 0,1-1 0 0 0,-1 0 0 0 0,0 0 0 0 0,1 0 0 0 0,-1 0 0 0 0,0 0 0 0 0,1 0 0 0 0,-1 0 0 0 0,0-1 0 0 0,1 1 0 0 0,-1-1 0 0 0,3-1 0 0 0,2-1 14 0 0,0-1 0 0 0,1 1 0 0 0,-2-2 0 0 0,1 1 0 0 0,-1-1 0 0 0,12-10 0 0 0,-12 9-119 0 0,34-37 17 0 0,-37 39-470 0 0,0 0 0 0 0,0 0 0 0 0,-1-1-1 0 0,1 1 1 0 0,1-6 0 0 0,-3 3-966 0 0</inkml:trace>
+</inkml:ink>
+</file>
+
+<file path=ppt/ink/ink44.xml><?xml version="1.0" encoding="utf-8"?>
+<inkml:ink xmlns:inkml="http://www.w3.org/2003/InkML">
+  <inkml:definitions>
+    <inkml:context xml:id="ctx0">
+      <inkml:inkSource xml:id="inkSrc0">
+        <inkml:traceFormat>
+          <inkml:channel name="X" type="integer" min="-2.14748E9" max="2.14748E9" units="cm"/>
+          <inkml:channel name="Y" type="integer" min="-2.14748E9" max="2.14748E9" units="cm"/>
+          <inkml:channel name="F" type="integer" max="32767" units="dev"/>
+          <inkml:channel name="OA" type="integer" max="360" units="deg"/>
+          <inkml:channel name="OE" type="integer" max="90" units="deg"/>
+        </inkml:traceFormat>
+        <inkml:channelProperties>
+          <inkml:channelProperty channel="X" name="resolution" value="1000" units="1/cm"/>
+          <inkml:channelProperty channel="Y" name="resolution" value="1000" units="1/cm"/>
+          <inkml:channelProperty channel="F" name="resolution" value="0" units="1/dev"/>
+          <inkml:channelProperty channel="OA" name="resolution" value="1000" units="1/deg"/>
+          <inkml:channelProperty channel="OE" name="resolution" value="1000" units="1/deg"/>
+        </inkml:channelProperties>
+      </inkml:inkSource>
+      <inkml:timestamp xml:id="ts0" timeString="2021-04-16T19:02:23.057"/>
+    </inkml:context>
+    <inkml:brush xml:id="br0">
+      <inkml:brushProperty name="width" value="0.05" units="cm"/>
+      <inkml:brushProperty name="height" value="0.05" units="cm"/>
+      <inkml:brushProperty name="color" value="#E71224"/>
+    </inkml:brush>
+  </inkml:definitions>
+  <inkml:trace contextRef="#ctx0" brushRef="#br0">1 171 19351 0 0,'0'0'1943'0'0,"3"-8"-1670"0"0,3-5 770 0 0,1 1-1 0 0,7-11 1 0 0,1-1-3 0 0,-11 18-839 0 0,-1 1 0 0 0,1 0 0 0 0,0 0 0 0 0,0 0 0 0 0,1 0 0 0 0,0 0-1 0 0,0 1 1 0 0,8-6 0 0 0,-12 10-136 0 0,-1 0-61 0 0,1 0 0 0 0,-1 0 0 0 0,1 1 0 0 0,-1-1 0 0 0,0 0 0 0 0,1 1 0 0 0,-1-1 0 0 0,1 0 0 0 0,-1 1 0 0 0,0-1 0 0 0,1 0 0 0 0,-1 1 0 0 0,0-1 0 0 0,1 1 0 0 0,-1-1 0 0 0,0 0 0 0 0,0 1 0 0 0,1-1 0 0 0,-1 1 0 0 0,0-1 0 0 0,0 2 0 0 0,6 14 38 0 0,-4-9-29 0 0,-1-2-16 0 0,3 6 92 0 0,1 0 0 0 0,0 0 0 0 0,1 0 0 0 0,-1-1 0 0 0,13 16 0 0 0,-18-26-66 0 0,1 1 1 0 0,0 0-1 0 0,0 0 0 0 0,0 0 1 0 0,0-1-1 0 0,0 1 1 0 0,0 0-1 0 0,0-1 0 0 0,1 1 1 0 0,-1-1-1 0 0,0 1 1 0 0,0-1-1 0 0,0 0 0 0 0,1 1 1 0 0,-1-1-1 0 0,0 0 1 0 0,0 0-1 0 0,0 0 0 0 0,1 0 1 0 0,-1 0-1 0 0,0 0 1 0 0,0 0-1 0 0,1 0 0 0 0,-1-1 1 0 0,0 1-1 0 0,0 0 1 0 0,0-1-1 0 0,1 1 0 0 0,-1-1 1 0 0,1 0-1 0 0,4-3 50 0 0,0 1 0 0 0,-1-1 0 0 0,1 0 0 0 0,6-7 0 0 0,-7 7-14 0 0,4-6-96 0 0,0 0 0 0 0,0-1-1 0 0,-1 0 1 0 0,7-14 0 0 0,-10 17-178 0 0,5-8-1242 0 0,-2-1-3303 0 0,-6 12 2656 0 0,7-15-6805 0 0</inkml:trace>
+</inkml:ink>
+</file>
+
+<file path=ppt/ink/ink5.xml><?xml version="1.0" encoding="utf-8"?>
+<inkml:ink xmlns:inkml="http://www.w3.org/2003/InkML">
+  <inkml:definitions>
+    <inkml:context xml:id="ctx0">
+      <inkml:inkSource xml:id="inkSrc0">
+        <inkml:traceFormat>
+          <inkml:channel name="X" type="integer" min="-2.14748E9" max="2.14748E9" units="cm"/>
+          <inkml:channel name="Y" type="integer" min="-2.14748E9" max="2.14748E9" units="cm"/>
+          <inkml:channel name="F" type="integer" max="32767" units="dev"/>
+          <inkml:channel name="OA" type="integer" max="360" units="deg"/>
+          <inkml:channel name="OE" type="integer" max="90" units="deg"/>
+        </inkml:traceFormat>
+        <inkml:channelProperties>
+          <inkml:channelProperty channel="X" name="resolution" value="1000" units="1/cm"/>
+          <inkml:channelProperty channel="Y" name="resolution" value="1000" units="1/cm"/>
+          <inkml:channelProperty channel="F" name="resolution" value="0" units="1/dev"/>
+          <inkml:channelProperty channel="OA" name="resolution" value="1000" units="1/deg"/>
+          <inkml:channelProperty channel="OE" name="resolution" value="1000" units="1/deg"/>
+        </inkml:channelProperties>
+      </inkml:inkSource>
+      <inkml:timestamp xml:id="ts0" timeString="2021-04-16T19:01:35.192"/>
+    </inkml:context>
+    <inkml:brush xml:id="br0">
+      <inkml:brushProperty name="width" value="0.05" units="cm"/>
+      <inkml:brushProperty name="height" value="0.05" units="cm"/>
+      <inkml:brushProperty name="color" value="#E71224"/>
+    </inkml:brush>
+  </inkml:definitions>
+  <inkml:trace contextRef="#ctx0" brushRef="#br0">83 79 2760 0 0,'0'0'384'0'0,"-6"3"1781"0"0,-36 14 4478 0 0,40-17-6265 0 0,1 1 1 0 0,-1 0 0 0 0,0-1-1 0 0,0 0 1 0 0,0 1 0 0 0,0-1 0 0 0,0 0-1 0 0,-2 0 1 0 0,-11 2 4067 0 0,39 1 109 0 0,58-3-3445 0 0,3 2-494 0 0,64-4 103 0 0,-9 2-62 0 0,89 4 252 0 0,-102 1-513 0 0,195-12 859 0 0,-161 0-558 0 0,79 15 330 0 0,-228-7-986 0 0,149 4 553 0 0,-156-6-572 0 0,-1 0 0 0 0,0 0 0 0 0,1 0 0 0 0,-1 0 0 0 0,0-1 0 0 0,0 0 0 0 0,0 0 0 0 0,0 0 0 0 0,0 0 0 0 0,0-1 0 0 0,0 1 0 0 0,-1-1 0 0 0,0 0 0 0 0,4-4 1 0 0,12-7 31 0 0,-15 10-54 0 0,-1 0 0 0 0,1 0 0 0 0,-1 0 0 0 0,0-1 0 0 0,5-8 0 0 0,1 0 0 0 0,-8 12-8 0 0,7-15-964 0 0,-7 13 908 0 0,0 2-324 0 0</inkml:trace>
+</inkml:ink>
+</file>
+
+<file path=ppt/ink/ink6.xml><?xml version="1.0" encoding="utf-8"?>
+<inkml:ink xmlns:inkml="http://www.w3.org/2003/InkML">
+  <inkml:definitions>
+    <inkml:context xml:id="ctx0">
+      <inkml:inkSource xml:id="inkSrc0">
+        <inkml:traceFormat>
+          <inkml:channel name="X" type="integer" min="-2.14748E9" max="2.14748E9" units="cm"/>
+          <inkml:channel name="Y" type="integer" min="-2.14748E9" max="2.14748E9" units="cm"/>
+          <inkml:channel name="F" type="integer" max="32767" units="dev"/>
+          <inkml:channel name="OA" type="integer" max="360" units="deg"/>
+          <inkml:channel name="OE" type="integer" max="90" units="deg"/>
+        </inkml:traceFormat>
+        <inkml:channelProperties>
+          <inkml:channelProperty channel="X" name="resolution" value="1000" units="1/cm"/>
+          <inkml:channelProperty channel="Y" name="resolution" value="1000" units="1/cm"/>
+          <inkml:channelProperty channel="F" name="resolution" value="0" units="1/dev"/>
+          <inkml:channelProperty channel="OA" name="resolution" value="1000" units="1/deg"/>
+          <inkml:channelProperty channel="OE" name="resolution" value="1000" units="1/deg"/>
+        </inkml:channelProperties>
+      </inkml:inkSource>
+      <inkml:timestamp xml:id="ts0" timeString="2021-04-16T19:01:39.136"/>
+    </inkml:context>
+    <inkml:brush xml:id="br0">
+      <inkml:brushProperty name="width" value="0.05" units="cm"/>
+      <inkml:brushProperty name="height" value="0.05" units="cm"/>
+      <inkml:brushProperty name="color" value="#E71224"/>
+    </inkml:brush>
+  </inkml:definitions>
+  <inkml:trace contextRef="#ctx0" brushRef="#br0">1 29 3224 0 0,'23'-9'11611'0'0,"-15"5"-7295"0"0,-5 2-3801 0 0,0 1-1 0 0,0-1 1 0 0,0 1-1 0 0,0 0 1 0 0,6-2-1 0 0,10 1-2 0 0,0 0 0 0 0,0 1-1 0 0,31 2 1 0 0,-7 1-54 0 0,24-2-381 0 0,261 7 950 0 0,-233-1-610 0 0,186 20 409 0 0,-157-14-228 0 0,163-6-1 0 0,-219-6-350 0 0,147-2 343 0 0,-197 2-424 0 0,0-1-1 0 0,1 0 1 0 0,-1-2 0 0 0,0 0 0 0 0,30-9-1 0 0,-47 11-151 0 0,0 1-1 0 0,0 0 0 0 0,0 0 0 0 0,0-1 0 0 0,0 1 0 0 0,0-1 1 0 0,0 1-1 0 0,0 0 0 0 0,0-1 0 0 0,0 0 0 0 0,0 1 0 0 0,0-1 1 0 0,-1 0-1 0 0,1 1 0 0 0,0-1 0 0 0,0 0 0 0 0,-1 0 1 0 0,1 0-1 0 0,0 1 0 0 0,-1-1 0 0 0,1 0 0 0 0,-1 0 0 0 0,0 0 1 0 0,1 0-1 0 0,-1 0 0 0 0,1 0 0 0 0,-1 0 0 0 0,0 0 0 0 0,0 0 1 0 0,0 0-1 0 0,0 0 0 0 0,0-2 0 0 0,0 3-39 0 0,0 0 1 0 0,0 0-1 0 0,0 0 0 0 0,0 0 0 0 0,0 0 1 0 0,0-1-1 0 0,0 1 0 0 0,0 0 0 0 0,0 0 1 0 0,0 0-1 0 0,0 0 0 0 0,0 0 0 0 0,0 0 1 0 0,0 0-1 0 0,0 0 0 0 0,-1-1 0 0 0,1 1 1 0 0,0 0-1 0 0,0 0 0 0 0,0 0 0 0 0,0 0 1 0 0,0 0-1 0 0,0 0 0 0 0,0 0 0 0 0,0 0 1 0 0,-1 0-1 0 0,1 0 0 0 0,0 0 1 0 0,0 0-1 0 0,0 0 0 0 0,0 0 0 0 0,0 0 1 0 0,0 0-1 0 0,0 0 0 0 0,-1 0 0 0 0,1 0 1 0 0,0 0-1 0 0,0 0 0 0 0,0 0 0 0 0,0 0 1 0 0,0 0-1 0 0,0 0 0 0 0,0 0 0 0 0,-1 0 1 0 0,1 0-1 0 0,0 0 0 0 0,0 0 0 0 0,0 0 1 0 0,0 0-1 0 0,0 0 0 0 0,0 1 0 0 0,0-1 1 0 0,-1 0-196 0 0,-2 5-4183 0 0,3-5 4183 0 0,0 1 1 0 0,0-1 0 0 0,0 0 0 0 0,0 0-1 0 0,0 1 1 0 0,0-1 0 0 0,0 0 0 0 0,1 1-1 0 0,1 8-2871 0 0</inkml:trace>
+</inkml:ink>
+</file>
+
+<file path=ppt/ink/ink7.xml><?xml version="1.0" encoding="utf-8"?>
+<inkml:ink xmlns:inkml="http://www.w3.org/2003/InkML">
+  <inkml:definitions>
+    <inkml:context xml:id="ctx0">
+      <inkml:inkSource xml:id="inkSrc0">
+        <inkml:traceFormat>
+          <inkml:channel name="X" type="integer" min="-2.14748E9" max="2.14748E9" units="cm"/>
+          <inkml:channel name="Y" type="integer" min="-2.14748E9" max="2.14748E9" units="cm"/>
+          <inkml:channel name="F" type="integer" max="32767" units="dev"/>
+          <inkml:channel name="OA" type="integer" max="360" units="deg"/>
+          <inkml:channel name="OE" type="integer" max="90" units="deg"/>
+        </inkml:traceFormat>
+        <inkml:channelProperties>
+          <inkml:channelProperty channel="X" name="resolution" value="1000" units="1/cm"/>
+          <inkml:channelProperty channel="Y" name="resolution" value="1000" units="1/cm"/>
+          <inkml:channelProperty channel="F" name="resolution" value="0" units="1/dev"/>
+          <inkml:channelProperty channel="OA" name="resolution" value="1000" units="1/deg"/>
+          <inkml:channelProperty channel="OE" name="resolution" value="1000" units="1/deg"/>
+        </inkml:channelProperties>
+      </inkml:inkSource>
+      <inkml:timestamp xml:id="ts0" timeString="2021-04-16T19:01:41.050"/>
+    </inkml:context>
+    <inkml:brush xml:id="br0">
+      <inkml:brushProperty name="width" value="0.05" units="cm"/>
+      <inkml:brushProperty name="height" value="0.05" units="cm"/>
+      <inkml:brushProperty name="color" value="#E71224"/>
+    </inkml:brush>
+  </inkml:definitions>
+  <inkml:trace contextRef="#ctx0" brushRef="#br0">71 131 17503 0 0,'-38'-3'1511'0'0,"36"2"-1431"0"0,0 1-1 0 0,0-1 0 0 0,0 1 0 0 0,0-1 0 0 0,0 0 0 0 0,0 1 0 0 0,0-1 1 0 0,0 0-1 0 0,0 0 0 0 0,0 0 0 0 0,1-1 0 0 0,-1 1 0 0 0,0 0 0 0 0,1-1 1 0 0,-3-1-1 0 0,4 2 70 0 0,0 0-1 0 0,0 0 1 0 0,0 0 0 0 0,0 0 0 0 0,0 0 0 0 0,0 0-1 0 0,0 0 1 0 0,0 0 0 0 0,0 0 0 0 0,1 0 0 0 0,-1 0-1 0 0,0 0 1 0 0,1 0 0 0 0,-1 0 0 0 0,0 0 0 0 0,1 0 0 0 0,-1 0-1 0 0,1 0 1 0 0,0 0 0 0 0,0-1 0 0 0,16-17 795 0 0,-8 11-839 0 0,1 1-1 0 0,0 1 1 0 0,0 0-1 0 0,1 0 1 0 0,-1 0-1 0 0,1 2 1 0 0,0-1-1 0 0,17-3 1 0 0,-8 3-255 0 0,1 2 0 0 0,1 0 0 0 0,38 1 0 0 0,-57 2-28 0 0,0 0-1 0 0,0 0 1 0 0,0 1 0 0 0,0-1-1 0 0,0 1 1 0 0,4 2-1 0 0,-3-2-683 0 0,0 1-1 0 0,0 0 1 0 0,-1 0-1 0 0,1 0 1 0 0,-1 1-1 0 0,5 3 1 0 0</inkml:trace>
+</inkml:ink>
+</file>
+
+<file path=ppt/ink/ink8.xml><?xml version="1.0" encoding="utf-8"?>
+<inkml:ink xmlns:inkml="http://www.w3.org/2003/InkML">
+  <inkml:definitions>
+    <inkml:context xml:id="ctx0">
+      <inkml:inkSource xml:id="inkSrc0">
+        <inkml:traceFormat>
+          <inkml:channel name="X" type="integer" min="-2.14748E9" max="2.14748E9" units="cm"/>
+          <inkml:channel name="Y" type="integer" min="-2.14748E9" max="2.14748E9" units="cm"/>
+          <inkml:channel name="F" type="integer" max="32767" units="dev"/>
+          <inkml:channel name="OA" type="integer" max="360" units="deg"/>
+          <inkml:channel name="OE" type="integer" max="90" units="deg"/>
+        </inkml:traceFormat>
+        <inkml:channelProperties>
+          <inkml:channelProperty channel="X" name="resolution" value="1000" units="1/cm"/>
+          <inkml:channelProperty channel="Y" name="resolution" value="1000" units="1/cm"/>
+          <inkml:channelProperty channel="F" name="resolution" value="0" units="1/dev"/>
+          <inkml:channelProperty channel="OA" name="resolution" value="1000" units="1/deg"/>
+          <inkml:channelProperty channel="OE" name="resolution" value="1000" units="1/deg"/>
+        </inkml:channelProperties>
+      </inkml:inkSource>
+      <inkml:timestamp xml:id="ts0" timeString="2021-04-16T19:01:41.443"/>
+    </inkml:context>
+    <inkml:brush xml:id="br0">
+      <inkml:brushProperty name="width" value="0.05" units="cm"/>
+      <inkml:brushProperty name="height" value="0.05" units="cm"/>
+      <inkml:brushProperty name="color" value="#E71224"/>
+    </inkml:brush>
+  </inkml:definitions>
+  <inkml:trace contextRef="#ctx0" brushRef="#br0">280 1 17535 0 0,'-14'5'1872'0'0,"11"-3"-1854"0"0,1 1 0 0 0,0-1 0 0 0,0 0 0 0 0,0 0 0 0 0,1 1 1 0 0,-1-1-1 0 0,1 1 0 0 0,-1-1 0 0 0,1 1 0 0 0,0 0 0 0 0,-1 3 0 0 0,-9 36 761 0 0,7-21-399 0 0,-12 71 392 0 0,2-11-496 0 0,-58 242 486 0 0,40-168-315 0 0,-51 306 1512 0 0,77-417-1675 0 0,2 1 0 0 0,1 0 0 0 0,6 59 0 0 0,-3-100-265 0 0,0 0 0 0 0,1 0 0 0 0,0 0 0 0 0,0 0 0 0 0,0-1 0 0 0,0 1 0 0 0,1 0 0 0 0,-1 0 0 0 0,1-1 0 0 0,0 1 0 0 0,0-1 0 0 0,0 0 0 0 0,1 0 0 0 0,4 6 0 0 0,-4-6-9 0 0,1-1 1 0 0,-1 0-1 0 0,0 0 0 0 0,1 0 0 0 0,-1 0 0 0 0,1-1 1 0 0,-1 1-1 0 0,1-1 0 0 0,0 0 0 0 0,0 0 0 0 0,-1-1 0 0 0,1 1 1 0 0,0-1-1 0 0,0 1 0 0 0,4-1 0 0 0,28-2 61 0 0,35-6-1 0 0,6 0-257 0 0,10 3-1619 0 0,-42 3-118 0 0</inkml:trace>
+</inkml:ink>
+</file>
+
+<file path=ppt/ink/ink9.xml><?xml version="1.0" encoding="utf-8"?>
+<inkml:ink xmlns:inkml="http://www.w3.org/2003/InkML">
+  <inkml:definitions>
+    <inkml:context xml:id="ctx0">
+      <inkml:inkSource xml:id="inkSrc0">
+        <inkml:traceFormat>
+          <inkml:channel name="X" type="integer" min="-2.14748E9" max="2.14748E9" units="cm"/>
+          <inkml:channel name="Y" type="integer" min="-2.14748E9" max="2.14748E9" units="cm"/>
+          <inkml:channel name="F" type="integer" max="32767" units="dev"/>
+          <inkml:channel name="OA" type="integer" max="360" units="deg"/>
+          <inkml:channel name="OE" type="integer" max="90" units="deg"/>
+        </inkml:traceFormat>
+        <inkml:channelProperties>
+          <inkml:channelProperty channel="X" name="resolution" value="1000" units="1/cm"/>
+          <inkml:channelProperty channel="Y" name="resolution" value="1000" units="1/cm"/>
+          <inkml:channelProperty channel="F" name="resolution" value="0" units="1/dev"/>
+          <inkml:channelProperty channel="OA" name="resolution" value="1000" units="1/deg"/>
+          <inkml:channelProperty channel="OE" name="resolution" value="1000" units="1/deg"/>
+        </inkml:channelProperties>
+      </inkml:inkSource>
+      <inkml:timestamp xml:id="ts0" timeString="2021-04-16T19:01:47.045"/>
+    </inkml:context>
+    <inkml:brush xml:id="br0">
+      <inkml:brushProperty name="width" value="0.05" units="cm"/>
+      <inkml:brushProperty name="height" value="0.05" units="cm"/>
+      <inkml:brushProperty name="color" value="#E71224"/>
+    </inkml:brush>
+  </inkml:definitions>
+  <inkml:trace contextRef="#ctx0" brushRef="#br0">76 5 2760 0 0,'-7'0'2660'0'0,"-7"-2"946"0"0,-32-1 4839 0 0,45 3-7805 0 0,-6 5 5136 0 0,334-5-235 0 0,165 0-4378 0 0,-302 6-829 0 0,48-1 300 0 0,-142-4-165 0 0,131 17 1 0 0,-223-18-548 0 0,0 0 0 0 0,0 1 1 0 0,-1 0-1 0 0,1 0 0 0 0,0 0 1 0 0,0 0-1 0 0,-1 0 0 0 0,1 1 1 0 0,-1-1-1 0 0,1 1 0 0 0,-1 0 1 0 0,0 0-1 0 0,0 0 0 0 0,0 1 0 0 0,0-1 1 0 0,0 1-1 0 0,0-1 0 0 0,0 1 1 0 0,-1 0-1 0 0,0 0 0 0 0,1 0 1 0 0,2 6-1 0 0,-5-7-284 0 0,1-1 0 0 0,0 1-1 0 0,0-1 1 0 0,0 1 0 0 0,0-1 0 0 0,1 0 0 0 0,-1 0-1 0 0,2 2 1 0 0,3 0-1098 0 0</inkml:trace>
+</inkml:ink>
 </file>
 
 <file path=ppt/notesMasters/notesMaster1.xml><?xml version="1.0" encoding="utf-8"?>
@@ -4236,6 +5649,2334 @@
           </a:p>
         </p:txBody>
       </p:sp>
+      <mc:AlternateContent xmlns:mc="http://schemas.openxmlformats.org/markup-compatibility/2006">
+        <mc:Choice xmlns:p14="http://schemas.microsoft.com/office/powerpoint/2010/main" Requires="p14">
+          <p:contentPart p14:bwMode="auto" r:id="rId2">
+            <p14:nvContentPartPr>
+              <p14:cNvPr id="4" name="Ink 3">
+                <a:extLst>
+                  <a:ext uri="{FF2B5EF4-FFF2-40B4-BE49-F238E27FC236}">
+                    <a16:creationId xmlns:a16="http://schemas.microsoft.com/office/drawing/2014/main" id="{839DD6C1-F43B-411B-9729-471A46B1E3FC}"/>
+                  </a:ext>
+                </a:extLst>
+              </p14:cNvPr>
+              <p14:cNvContentPartPr/>
+              <p14:nvPr/>
+            </p14:nvContentPartPr>
+            <p14:xfrm>
+              <a:off x="2584729" y="1150459"/>
+              <a:ext cx="99360" cy="228240"/>
+            </p14:xfrm>
+          </p:contentPart>
+        </mc:Choice>
+        <mc:Fallback>
+          <p:pic>
+            <p:nvPicPr>
+              <p:cNvPr id="4" name="Ink 3">
+                <a:extLst>
+                  <a:ext uri="{FF2B5EF4-FFF2-40B4-BE49-F238E27FC236}">
+                    <a16:creationId xmlns:a16="http://schemas.microsoft.com/office/drawing/2014/main" id="{839DD6C1-F43B-411B-9729-471A46B1E3FC}"/>
+                  </a:ext>
+                </a:extLst>
+              </p:cNvPr>
+              <p:cNvPicPr/>
+              <p:nvPr/>
+            </p:nvPicPr>
+            <p:blipFill>
+              <a:blip r:embed="rId3"/>
+              <a:stretch>
+                <a:fillRect/>
+              </a:stretch>
+            </p:blipFill>
+            <p:spPr>
+              <a:xfrm>
+                <a:off x="2576089" y="1141819"/>
+                <a:ext cx="117000" cy="245880"/>
+              </a:xfrm>
+              <a:prstGeom prst="rect">
+                <a:avLst/>
+              </a:prstGeom>
+            </p:spPr>
+          </p:pic>
+        </mc:Fallback>
+      </mc:AlternateContent>
+      <mc:AlternateContent xmlns:mc="http://schemas.openxmlformats.org/markup-compatibility/2006">
+        <mc:Choice xmlns:p14="http://schemas.microsoft.com/office/powerpoint/2010/main" Requires="p14">
+          <p:contentPart p14:bwMode="auto" r:id="rId4">
+            <p14:nvContentPartPr>
+              <p14:cNvPr id="5" name="Ink 4">
+                <a:extLst>
+                  <a:ext uri="{FF2B5EF4-FFF2-40B4-BE49-F238E27FC236}">
+                    <a16:creationId xmlns:a16="http://schemas.microsoft.com/office/drawing/2014/main" id="{CFA7E209-BA3D-4F9E-AB24-BEF0C083A701}"/>
+                  </a:ext>
+                </a:extLst>
+              </p14:cNvPr>
+              <p14:cNvContentPartPr/>
+              <p14:nvPr/>
+            </p14:nvContentPartPr>
+            <p14:xfrm>
+              <a:off x="1852489" y="2144059"/>
+              <a:ext cx="979560" cy="46800"/>
+            </p14:xfrm>
+          </p:contentPart>
+        </mc:Choice>
+        <mc:Fallback>
+          <p:pic>
+            <p:nvPicPr>
+              <p:cNvPr id="5" name="Ink 4">
+                <a:extLst>
+                  <a:ext uri="{FF2B5EF4-FFF2-40B4-BE49-F238E27FC236}">
+                    <a16:creationId xmlns:a16="http://schemas.microsoft.com/office/drawing/2014/main" id="{CFA7E209-BA3D-4F9E-AB24-BEF0C083A701}"/>
+                  </a:ext>
+                </a:extLst>
+              </p:cNvPr>
+              <p:cNvPicPr/>
+              <p:nvPr/>
+            </p:nvPicPr>
+            <p:blipFill>
+              <a:blip r:embed="rId5"/>
+              <a:stretch>
+                <a:fillRect/>
+              </a:stretch>
+            </p:blipFill>
+            <p:spPr>
+              <a:xfrm>
+                <a:off x="1843849" y="2135419"/>
+                <a:ext cx="997200" cy="64440"/>
+              </a:xfrm>
+              <a:prstGeom prst="rect">
+                <a:avLst/>
+              </a:prstGeom>
+            </p:spPr>
+          </p:pic>
+        </mc:Fallback>
+      </mc:AlternateContent>
+      <mc:AlternateContent xmlns:mc="http://schemas.openxmlformats.org/markup-compatibility/2006">
+        <mc:Choice xmlns:p14="http://schemas.microsoft.com/office/powerpoint/2010/main" Requires="p14">
+          <p:contentPart p14:bwMode="auto" r:id="rId6">
+            <p14:nvContentPartPr>
+              <p14:cNvPr id="6" name="Ink 5">
+                <a:extLst>
+                  <a:ext uri="{FF2B5EF4-FFF2-40B4-BE49-F238E27FC236}">
+                    <a16:creationId xmlns:a16="http://schemas.microsoft.com/office/drawing/2014/main" id="{BBD59532-E4BA-4E74-AF5F-EA435E06E2BF}"/>
+                  </a:ext>
+                </a:extLst>
+              </p14:cNvPr>
+              <p14:cNvContentPartPr/>
+              <p14:nvPr/>
+            </p14:nvContentPartPr>
+            <p14:xfrm>
+              <a:off x="4551049" y="2175019"/>
+              <a:ext cx="582120" cy="30960"/>
+            </p14:xfrm>
+          </p:contentPart>
+        </mc:Choice>
+        <mc:Fallback>
+          <p:pic>
+            <p:nvPicPr>
+              <p:cNvPr id="6" name="Ink 5">
+                <a:extLst>
+                  <a:ext uri="{FF2B5EF4-FFF2-40B4-BE49-F238E27FC236}">
+                    <a16:creationId xmlns:a16="http://schemas.microsoft.com/office/drawing/2014/main" id="{BBD59532-E4BA-4E74-AF5F-EA435E06E2BF}"/>
+                  </a:ext>
+                </a:extLst>
+              </p:cNvPr>
+              <p:cNvPicPr/>
+              <p:nvPr/>
+            </p:nvPicPr>
+            <p:blipFill>
+              <a:blip r:embed="rId7"/>
+              <a:stretch>
+                <a:fillRect/>
+              </a:stretch>
+            </p:blipFill>
+            <p:spPr>
+              <a:xfrm>
+                <a:off x="4542049" y="2166379"/>
+                <a:ext cx="599760" cy="48600"/>
+              </a:xfrm>
+              <a:prstGeom prst="rect">
+                <a:avLst/>
+              </a:prstGeom>
+            </p:spPr>
+          </p:pic>
+        </mc:Fallback>
+      </mc:AlternateContent>
+      <mc:AlternateContent xmlns:mc="http://schemas.openxmlformats.org/markup-compatibility/2006">
+        <mc:Choice xmlns:p14="http://schemas.microsoft.com/office/powerpoint/2010/main" Requires="p14">
+          <p:contentPart p14:bwMode="auto" r:id="rId8">
+            <p14:nvContentPartPr>
+              <p14:cNvPr id="7" name="Ink 6">
+                <a:extLst>
+                  <a:ext uri="{FF2B5EF4-FFF2-40B4-BE49-F238E27FC236}">
+                    <a16:creationId xmlns:a16="http://schemas.microsoft.com/office/drawing/2014/main" id="{66CA86D8-53F1-482C-B2E2-B13ED7D5DEA1}"/>
+                  </a:ext>
+                </a:extLst>
+              </p14:cNvPr>
+              <p14:cNvContentPartPr/>
+              <p14:nvPr/>
+            </p14:nvContentPartPr>
+            <p14:xfrm>
+              <a:off x="2752129" y="2147659"/>
+              <a:ext cx="156240" cy="37080"/>
+            </p14:xfrm>
+          </p:contentPart>
+        </mc:Choice>
+        <mc:Fallback>
+          <p:pic>
+            <p:nvPicPr>
+              <p:cNvPr id="7" name="Ink 6">
+                <a:extLst>
+                  <a:ext uri="{FF2B5EF4-FFF2-40B4-BE49-F238E27FC236}">
+                    <a16:creationId xmlns:a16="http://schemas.microsoft.com/office/drawing/2014/main" id="{66CA86D8-53F1-482C-B2E2-B13ED7D5DEA1}"/>
+                  </a:ext>
+                </a:extLst>
+              </p:cNvPr>
+              <p:cNvPicPr/>
+              <p:nvPr/>
+            </p:nvPicPr>
+            <p:blipFill>
+              <a:blip r:embed="rId9"/>
+              <a:stretch>
+                <a:fillRect/>
+              </a:stretch>
+            </p:blipFill>
+            <p:spPr>
+              <a:xfrm>
+                <a:off x="2743129" y="2139019"/>
+                <a:ext cx="173880" cy="54720"/>
+              </a:xfrm>
+              <a:prstGeom prst="rect">
+                <a:avLst/>
+              </a:prstGeom>
+            </p:spPr>
+          </p:pic>
+        </mc:Fallback>
+      </mc:AlternateContent>
+      <mc:AlternateContent xmlns:mc="http://schemas.openxmlformats.org/markup-compatibility/2006">
+        <mc:Choice xmlns:p14="http://schemas.microsoft.com/office/powerpoint/2010/main" Requires="p14">
+          <p:contentPart p14:bwMode="auto" r:id="rId10">
+            <p14:nvContentPartPr>
+              <p14:cNvPr id="8" name="Ink 7">
+                <a:extLst>
+                  <a:ext uri="{FF2B5EF4-FFF2-40B4-BE49-F238E27FC236}">
+                    <a16:creationId xmlns:a16="http://schemas.microsoft.com/office/drawing/2014/main" id="{FC720262-7B19-4D43-8ECB-7C22C3FFA4D1}"/>
+                  </a:ext>
+                </a:extLst>
+              </p14:cNvPr>
+              <p14:cNvContentPartPr/>
+              <p14:nvPr/>
+            </p14:nvContentPartPr>
+            <p14:xfrm>
+              <a:off x="2335609" y="2549419"/>
+              <a:ext cx="669600" cy="41760"/>
+            </p14:xfrm>
+          </p:contentPart>
+        </mc:Choice>
+        <mc:Fallback>
+          <p:pic>
+            <p:nvPicPr>
+              <p:cNvPr id="8" name="Ink 7">
+                <a:extLst>
+                  <a:ext uri="{FF2B5EF4-FFF2-40B4-BE49-F238E27FC236}">
+                    <a16:creationId xmlns:a16="http://schemas.microsoft.com/office/drawing/2014/main" id="{FC720262-7B19-4D43-8ECB-7C22C3FFA4D1}"/>
+                  </a:ext>
+                </a:extLst>
+              </p:cNvPr>
+              <p:cNvPicPr/>
+              <p:nvPr/>
+            </p:nvPicPr>
+            <p:blipFill>
+              <a:blip r:embed="rId11"/>
+              <a:stretch>
+                <a:fillRect/>
+              </a:stretch>
+            </p:blipFill>
+            <p:spPr>
+              <a:xfrm>
+                <a:off x="2326969" y="2540779"/>
+                <a:ext cx="687240" cy="59400"/>
+              </a:xfrm>
+              <a:prstGeom prst="rect">
+                <a:avLst/>
+              </a:prstGeom>
+            </p:spPr>
+          </p:pic>
+        </mc:Fallback>
+      </mc:AlternateContent>
+      <mc:AlternateContent xmlns:mc="http://schemas.openxmlformats.org/markup-compatibility/2006">
+        <mc:Choice xmlns:p14="http://schemas.microsoft.com/office/powerpoint/2010/main" Requires="p14">
+          <p:contentPart p14:bwMode="auto" r:id="rId12">
+            <p14:nvContentPartPr>
+              <p14:cNvPr id="9" name="Ink 8">
+                <a:extLst>
+                  <a:ext uri="{FF2B5EF4-FFF2-40B4-BE49-F238E27FC236}">
+                    <a16:creationId xmlns:a16="http://schemas.microsoft.com/office/drawing/2014/main" id="{E7683763-E8F5-499C-B203-5880A49E710F}"/>
+                  </a:ext>
+                </a:extLst>
+              </p14:cNvPr>
+              <p14:cNvContentPartPr/>
+              <p14:nvPr/>
+            </p14:nvContentPartPr>
+            <p14:xfrm>
+              <a:off x="3067849" y="2978539"/>
+              <a:ext cx="659520" cy="21960"/>
+            </p14:xfrm>
+          </p:contentPart>
+        </mc:Choice>
+        <mc:Fallback>
+          <p:pic>
+            <p:nvPicPr>
+              <p:cNvPr id="9" name="Ink 8">
+                <a:extLst>
+                  <a:ext uri="{FF2B5EF4-FFF2-40B4-BE49-F238E27FC236}">
+                    <a16:creationId xmlns:a16="http://schemas.microsoft.com/office/drawing/2014/main" id="{E7683763-E8F5-499C-B203-5880A49E710F}"/>
+                  </a:ext>
+                </a:extLst>
+              </p:cNvPr>
+              <p:cNvPicPr/>
+              <p:nvPr/>
+            </p:nvPicPr>
+            <p:blipFill>
+              <a:blip r:embed="rId13"/>
+              <a:stretch>
+                <a:fillRect/>
+              </a:stretch>
+            </p:blipFill>
+            <p:spPr>
+              <a:xfrm>
+                <a:off x="3059209" y="2969899"/>
+                <a:ext cx="677160" cy="39600"/>
+              </a:xfrm>
+              <a:prstGeom prst="rect">
+                <a:avLst/>
+              </a:prstGeom>
+            </p:spPr>
+          </p:pic>
+        </mc:Fallback>
+      </mc:AlternateContent>
+      <p:grpSp>
+        <p:nvGrpSpPr>
+          <p:cNvPr id="12" name="Group 11">
+            <a:extLst>
+              <a:ext uri="{FF2B5EF4-FFF2-40B4-BE49-F238E27FC236}">
+                <a16:creationId xmlns:a16="http://schemas.microsoft.com/office/drawing/2014/main" id="{961FAFDF-4B87-4E72-BC0A-E381A02834DA}"/>
+              </a:ext>
+            </a:extLst>
+          </p:cNvPr>
+          <p:cNvGrpSpPr/>
+          <p:nvPr/>
+        </p:nvGrpSpPr>
+        <p:grpSpPr>
+          <a:xfrm>
+            <a:off x="1148329" y="4035859"/>
+            <a:ext cx="219960" cy="578880"/>
+            <a:chOff x="1148329" y="4035859"/>
+            <a:chExt cx="219960" cy="578880"/>
+          </a:xfrm>
+        </p:grpSpPr>
+        <mc:AlternateContent xmlns:mc="http://schemas.openxmlformats.org/markup-compatibility/2006">
+          <mc:Choice xmlns:p14="http://schemas.microsoft.com/office/powerpoint/2010/main" Requires="p14">
+            <p:contentPart p14:bwMode="auto" r:id="rId14">
+              <p14:nvContentPartPr>
+                <p14:cNvPr id="10" name="Ink 9">
+                  <a:extLst>
+                    <a:ext uri="{FF2B5EF4-FFF2-40B4-BE49-F238E27FC236}">
+                      <a16:creationId xmlns:a16="http://schemas.microsoft.com/office/drawing/2014/main" id="{D13F228D-A686-4E8F-A287-5AFE2AC1A3F2}"/>
+                    </a:ext>
+                  </a:extLst>
+                </p14:cNvPr>
+                <p14:cNvContentPartPr/>
+                <p14:nvPr/>
+              </p14:nvContentPartPr>
+              <p14:xfrm>
+                <a:off x="1255969" y="4035859"/>
+                <a:ext cx="112320" cy="47160"/>
+              </p14:xfrm>
+            </p:contentPart>
+          </mc:Choice>
+          <mc:Fallback>
+            <p:pic>
+              <p:nvPicPr>
+                <p:cNvPr id="10" name="Ink 9">
+                  <a:extLst>
+                    <a:ext uri="{FF2B5EF4-FFF2-40B4-BE49-F238E27FC236}">
+                      <a16:creationId xmlns:a16="http://schemas.microsoft.com/office/drawing/2014/main" id="{D13F228D-A686-4E8F-A287-5AFE2AC1A3F2}"/>
+                    </a:ext>
+                  </a:extLst>
+                </p:cNvPr>
+                <p:cNvPicPr/>
+                <p:nvPr/>
+              </p:nvPicPr>
+              <p:blipFill>
+                <a:blip r:embed="rId15"/>
+                <a:stretch>
+                  <a:fillRect/>
+                </a:stretch>
+              </p:blipFill>
+              <p:spPr>
+                <a:xfrm>
+                  <a:off x="1247329" y="4027219"/>
+                  <a:ext cx="129960" cy="64800"/>
+                </a:xfrm>
+                <a:prstGeom prst="rect">
+                  <a:avLst/>
+                </a:prstGeom>
+              </p:spPr>
+            </p:pic>
+          </mc:Fallback>
+        </mc:AlternateContent>
+        <mc:AlternateContent xmlns:mc="http://schemas.openxmlformats.org/markup-compatibility/2006">
+          <mc:Choice xmlns:p14="http://schemas.microsoft.com/office/powerpoint/2010/main" Requires="p14">
+            <p:contentPart p14:bwMode="auto" r:id="rId16">
+              <p14:nvContentPartPr>
+                <p14:cNvPr id="11" name="Ink 10">
+                  <a:extLst>
+                    <a:ext uri="{FF2B5EF4-FFF2-40B4-BE49-F238E27FC236}">
+                      <a16:creationId xmlns:a16="http://schemas.microsoft.com/office/drawing/2014/main" id="{9EE9D0A3-8F0C-41A0-8C16-0D7D45C6E0D7}"/>
+                    </a:ext>
+                  </a:extLst>
+                </p14:cNvPr>
+                <p14:cNvContentPartPr/>
+                <p14:nvPr/>
+              </p14:nvContentPartPr>
+              <p14:xfrm>
+                <a:off x="1148329" y="4062859"/>
+                <a:ext cx="146520" cy="551880"/>
+              </p14:xfrm>
+            </p:contentPart>
+          </mc:Choice>
+          <mc:Fallback>
+            <p:pic>
+              <p:nvPicPr>
+                <p:cNvPr id="11" name="Ink 10">
+                  <a:extLst>
+                    <a:ext uri="{FF2B5EF4-FFF2-40B4-BE49-F238E27FC236}">
+                      <a16:creationId xmlns:a16="http://schemas.microsoft.com/office/drawing/2014/main" id="{9EE9D0A3-8F0C-41A0-8C16-0D7D45C6E0D7}"/>
+                    </a:ext>
+                  </a:extLst>
+                </p:cNvPr>
+                <p:cNvPicPr/>
+                <p:nvPr/>
+              </p:nvPicPr>
+              <p:blipFill>
+                <a:blip r:embed="rId17"/>
+                <a:stretch>
+                  <a:fillRect/>
+                </a:stretch>
+              </p:blipFill>
+              <p:spPr>
+                <a:xfrm>
+                  <a:off x="1139329" y="4054219"/>
+                  <a:ext cx="164160" cy="569520"/>
+                </a:xfrm>
+                <a:prstGeom prst="rect">
+                  <a:avLst/>
+                </a:prstGeom>
+              </p:spPr>
+            </p:pic>
+          </mc:Fallback>
+        </mc:AlternateContent>
+      </p:grpSp>
+      <mc:AlternateContent xmlns:mc="http://schemas.openxmlformats.org/markup-compatibility/2006">
+        <mc:Choice xmlns:p14="http://schemas.microsoft.com/office/powerpoint/2010/main" Requires="p14">
+          <p:contentPart p14:bwMode="auto" r:id="rId18">
+            <p14:nvContentPartPr>
+              <p14:cNvPr id="13" name="Ink 12">
+                <a:extLst>
+                  <a:ext uri="{FF2B5EF4-FFF2-40B4-BE49-F238E27FC236}">
+                    <a16:creationId xmlns:a16="http://schemas.microsoft.com/office/drawing/2014/main" id="{62EA4842-70A4-4B7F-BC2A-140DAE44B2B1}"/>
+                  </a:ext>
+                </a:extLst>
+              </p14:cNvPr>
+              <p14:cNvContentPartPr/>
+              <p14:nvPr/>
+            </p14:nvContentPartPr>
+            <p14:xfrm>
+              <a:off x="4136689" y="3994459"/>
+              <a:ext cx="599400" cy="36360"/>
+            </p14:xfrm>
+          </p:contentPart>
+        </mc:Choice>
+        <mc:Fallback>
+          <p:pic>
+            <p:nvPicPr>
+              <p:cNvPr id="13" name="Ink 12">
+                <a:extLst>
+                  <a:ext uri="{FF2B5EF4-FFF2-40B4-BE49-F238E27FC236}">
+                    <a16:creationId xmlns:a16="http://schemas.microsoft.com/office/drawing/2014/main" id="{62EA4842-70A4-4B7F-BC2A-140DAE44B2B1}"/>
+                  </a:ext>
+                </a:extLst>
+              </p:cNvPr>
+              <p:cNvPicPr/>
+              <p:nvPr/>
+            </p:nvPicPr>
+            <p:blipFill>
+              <a:blip r:embed="rId19"/>
+              <a:stretch>
+                <a:fillRect/>
+              </a:stretch>
+            </p:blipFill>
+            <p:spPr>
+              <a:xfrm>
+                <a:off x="4128049" y="3985459"/>
+                <a:ext cx="617040" cy="54000"/>
+              </a:xfrm>
+              <a:prstGeom prst="rect">
+                <a:avLst/>
+              </a:prstGeom>
+            </p:spPr>
+          </p:pic>
+        </mc:Fallback>
+      </mc:AlternateContent>
+      <p:grpSp>
+        <p:nvGrpSpPr>
+          <p:cNvPr id="37" name="Group 36">
+            <a:extLst>
+              <a:ext uri="{FF2B5EF4-FFF2-40B4-BE49-F238E27FC236}">
+                <a16:creationId xmlns:a16="http://schemas.microsoft.com/office/drawing/2014/main" id="{D3F19193-1C8A-4300-B3C2-34010E533B56}"/>
+              </a:ext>
+            </a:extLst>
+          </p:cNvPr>
+          <p:cNvGrpSpPr/>
+          <p:nvPr/>
+        </p:nvGrpSpPr>
+        <p:grpSpPr>
+          <a:xfrm>
+            <a:off x="1748089" y="4787539"/>
+            <a:ext cx="2590920" cy="297360"/>
+            <a:chOff x="1748089" y="4787539"/>
+            <a:chExt cx="2590920" cy="297360"/>
+          </a:xfrm>
+        </p:grpSpPr>
+        <mc:AlternateContent xmlns:mc="http://schemas.openxmlformats.org/markup-compatibility/2006">
+          <mc:Choice xmlns:p14="http://schemas.microsoft.com/office/powerpoint/2010/main" Requires="p14">
+            <p:contentPart p14:bwMode="auto" r:id="rId20">
+              <p14:nvContentPartPr>
+                <p14:cNvPr id="19" name="Ink 18">
+                  <a:extLst>
+                    <a:ext uri="{FF2B5EF4-FFF2-40B4-BE49-F238E27FC236}">
+                      <a16:creationId xmlns:a16="http://schemas.microsoft.com/office/drawing/2014/main" id="{D42D87C8-434F-4BA7-8598-B557361FC5C4}"/>
+                    </a:ext>
+                  </a:extLst>
+                </p14:cNvPr>
+                <p14:cNvContentPartPr/>
+                <p14:nvPr/>
+              </p14:nvContentPartPr>
+              <p14:xfrm>
+                <a:off x="1748089" y="4787539"/>
+                <a:ext cx="94320" cy="218160"/>
+              </p14:xfrm>
+            </p:contentPart>
+          </mc:Choice>
+          <mc:Fallback>
+            <p:pic>
+              <p:nvPicPr>
+                <p:cNvPr id="19" name="Ink 18">
+                  <a:extLst>
+                    <a:ext uri="{FF2B5EF4-FFF2-40B4-BE49-F238E27FC236}">
+                      <a16:creationId xmlns:a16="http://schemas.microsoft.com/office/drawing/2014/main" id="{D42D87C8-434F-4BA7-8598-B557361FC5C4}"/>
+                    </a:ext>
+                  </a:extLst>
+                </p:cNvPr>
+                <p:cNvPicPr/>
+                <p:nvPr/>
+              </p:nvPicPr>
+              <p:blipFill>
+                <a:blip r:embed="rId21"/>
+                <a:stretch>
+                  <a:fillRect/>
+                </a:stretch>
+              </p:blipFill>
+              <p:spPr>
+                <a:xfrm>
+                  <a:off x="1739449" y="4778539"/>
+                  <a:ext cx="111960" cy="235800"/>
+                </a:xfrm>
+                <a:prstGeom prst="rect">
+                  <a:avLst/>
+                </a:prstGeom>
+              </p:spPr>
+            </p:pic>
+          </mc:Fallback>
+        </mc:AlternateContent>
+        <mc:AlternateContent xmlns:mc="http://schemas.openxmlformats.org/markup-compatibility/2006">
+          <mc:Choice xmlns:p14="http://schemas.microsoft.com/office/powerpoint/2010/main" Requires="p14">
+            <p:contentPart p14:bwMode="auto" r:id="rId22">
+              <p14:nvContentPartPr>
+                <p14:cNvPr id="20" name="Ink 19">
+                  <a:extLst>
+                    <a:ext uri="{FF2B5EF4-FFF2-40B4-BE49-F238E27FC236}">
+                      <a16:creationId xmlns:a16="http://schemas.microsoft.com/office/drawing/2014/main" id="{42327FCB-98B7-41B2-9A9B-06E3E3270519}"/>
+                    </a:ext>
+                  </a:extLst>
+                </p14:cNvPr>
+                <p14:cNvContentPartPr/>
+                <p14:nvPr/>
+              </p14:nvContentPartPr>
+              <p14:xfrm>
+                <a:off x="1883449" y="4928299"/>
+                <a:ext cx="86400" cy="67320"/>
+              </p14:xfrm>
+            </p:contentPart>
+          </mc:Choice>
+          <mc:Fallback>
+            <p:pic>
+              <p:nvPicPr>
+                <p:cNvPr id="20" name="Ink 19">
+                  <a:extLst>
+                    <a:ext uri="{FF2B5EF4-FFF2-40B4-BE49-F238E27FC236}">
+                      <a16:creationId xmlns:a16="http://schemas.microsoft.com/office/drawing/2014/main" id="{42327FCB-98B7-41B2-9A9B-06E3E3270519}"/>
+                    </a:ext>
+                  </a:extLst>
+                </p:cNvPr>
+                <p:cNvPicPr/>
+                <p:nvPr/>
+              </p:nvPicPr>
+              <p:blipFill>
+                <a:blip r:embed="rId23"/>
+                <a:stretch>
+                  <a:fillRect/>
+                </a:stretch>
+              </p:blipFill>
+              <p:spPr>
+                <a:xfrm>
+                  <a:off x="1874809" y="4919299"/>
+                  <a:ext cx="104040" cy="84960"/>
+                </a:xfrm>
+                <a:prstGeom prst="rect">
+                  <a:avLst/>
+                </a:prstGeom>
+              </p:spPr>
+            </p:pic>
+          </mc:Fallback>
+        </mc:AlternateContent>
+        <mc:AlternateContent xmlns:mc="http://schemas.openxmlformats.org/markup-compatibility/2006">
+          <mc:Choice xmlns:p14="http://schemas.microsoft.com/office/powerpoint/2010/main" Requires="p14">
+            <p:contentPart p14:bwMode="auto" r:id="rId24">
+              <p14:nvContentPartPr>
+                <p14:cNvPr id="21" name="Ink 20">
+                  <a:extLst>
+                    <a:ext uri="{FF2B5EF4-FFF2-40B4-BE49-F238E27FC236}">
+                      <a16:creationId xmlns:a16="http://schemas.microsoft.com/office/drawing/2014/main" id="{00672552-AA19-4EE1-AA9A-FFCABE72FA0C}"/>
+                    </a:ext>
+                  </a:extLst>
+                </p14:cNvPr>
+                <p14:cNvContentPartPr/>
+                <p14:nvPr/>
+              </p14:nvContentPartPr>
+              <p14:xfrm>
+                <a:off x="2018449" y="4906339"/>
+                <a:ext cx="52200" cy="148320"/>
+              </p14:xfrm>
+            </p:contentPart>
+          </mc:Choice>
+          <mc:Fallback>
+            <p:pic>
+              <p:nvPicPr>
+                <p:cNvPr id="21" name="Ink 20">
+                  <a:extLst>
+                    <a:ext uri="{FF2B5EF4-FFF2-40B4-BE49-F238E27FC236}">
+                      <a16:creationId xmlns:a16="http://schemas.microsoft.com/office/drawing/2014/main" id="{00672552-AA19-4EE1-AA9A-FFCABE72FA0C}"/>
+                    </a:ext>
+                  </a:extLst>
+                </p:cNvPr>
+                <p:cNvPicPr/>
+                <p:nvPr/>
+              </p:nvPicPr>
+              <p:blipFill>
+                <a:blip r:embed="rId25"/>
+                <a:stretch>
+                  <a:fillRect/>
+                </a:stretch>
+              </p:blipFill>
+              <p:spPr>
+                <a:xfrm>
+                  <a:off x="2009449" y="4897339"/>
+                  <a:ext cx="69840" cy="165960"/>
+                </a:xfrm>
+                <a:prstGeom prst="rect">
+                  <a:avLst/>
+                </a:prstGeom>
+              </p:spPr>
+            </p:pic>
+          </mc:Fallback>
+        </mc:AlternateContent>
+        <mc:AlternateContent xmlns:mc="http://schemas.openxmlformats.org/markup-compatibility/2006">
+          <mc:Choice xmlns:p14="http://schemas.microsoft.com/office/powerpoint/2010/main" Requires="p14">
+            <p:contentPart p14:bwMode="auto" r:id="rId26">
+              <p14:nvContentPartPr>
+                <p14:cNvPr id="22" name="Ink 21">
+                  <a:extLst>
+                    <a:ext uri="{FF2B5EF4-FFF2-40B4-BE49-F238E27FC236}">
+                      <a16:creationId xmlns:a16="http://schemas.microsoft.com/office/drawing/2014/main" id="{A1E832FA-1B61-45A1-A99E-445D2DD3AF4F}"/>
+                    </a:ext>
+                  </a:extLst>
+                </p14:cNvPr>
+                <p14:cNvContentPartPr/>
+                <p14:nvPr/>
+              </p14:nvContentPartPr>
+              <p14:xfrm>
+                <a:off x="2135449" y="4939819"/>
+                <a:ext cx="109440" cy="103680"/>
+              </p14:xfrm>
+            </p:contentPart>
+          </mc:Choice>
+          <mc:Fallback>
+            <p:pic>
+              <p:nvPicPr>
+                <p:cNvPr id="22" name="Ink 21">
+                  <a:extLst>
+                    <a:ext uri="{FF2B5EF4-FFF2-40B4-BE49-F238E27FC236}">
+                      <a16:creationId xmlns:a16="http://schemas.microsoft.com/office/drawing/2014/main" id="{A1E832FA-1B61-45A1-A99E-445D2DD3AF4F}"/>
+                    </a:ext>
+                  </a:extLst>
+                </p:cNvPr>
+                <p:cNvPicPr/>
+                <p:nvPr/>
+              </p:nvPicPr>
+              <p:blipFill>
+                <a:blip r:embed="rId27"/>
+                <a:stretch>
+                  <a:fillRect/>
+                </a:stretch>
+              </p:blipFill>
+              <p:spPr>
+                <a:xfrm>
+                  <a:off x="2126449" y="4931179"/>
+                  <a:ext cx="127080" cy="121320"/>
+                </a:xfrm>
+                <a:prstGeom prst="rect">
+                  <a:avLst/>
+                </a:prstGeom>
+              </p:spPr>
+            </p:pic>
+          </mc:Fallback>
+        </mc:AlternateContent>
+        <mc:AlternateContent xmlns:mc="http://schemas.openxmlformats.org/markup-compatibility/2006">
+          <mc:Choice xmlns:p14="http://schemas.microsoft.com/office/powerpoint/2010/main" Requires="p14">
+            <p:contentPart p14:bwMode="auto" r:id="rId28">
+              <p14:nvContentPartPr>
+                <p14:cNvPr id="23" name="Ink 22">
+                  <a:extLst>
+                    <a:ext uri="{FF2B5EF4-FFF2-40B4-BE49-F238E27FC236}">
+                      <a16:creationId xmlns:a16="http://schemas.microsoft.com/office/drawing/2014/main" id="{774C7DBF-0CE7-4463-B8A8-3046D94E7A82}"/>
+                    </a:ext>
+                  </a:extLst>
+                </p14:cNvPr>
+                <p14:cNvContentPartPr/>
+                <p14:nvPr/>
+              </p14:nvContentPartPr>
+              <p14:xfrm>
+                <a:off x="2293489" y="4803739"/>
+                <a:ext cx="127440" cy="214560"/>
+              </p14:xfrm>
+            </p:contentPart>
+          </mc:Choice>
+          <mc:Fallback>
+            <p:pic>
+              <p:nvPicPr>
+                <p:cNvPr id="23" name="Ink 22">
+                  <a:extLst>
+                    <a:ext uri="{FF2B5EF4-FFF2-40B4-BE49-F238E27FC236}">
+                      <a16:creationId xmlns:a16="http://schemas.microsoft.com/office/drawing/2014/main" id="{774C7DBF-0CE7-4463-B8A8-3046D94E7A82}"/>
+                    </a:ext>
+                  </a:extLst>
+                </p:cNvPr>
+                <p:cNvPicPr/>
+                <p:nvPr/>
+              </p:nvPicPr>
+              <p:blipFill>
+                <a:blip r:embed="rId29"/>
+                <a:stretch>
+                  <a:fillRect/>
+                </a:stretch>
+              </p:blipFill>
+              <p:spPr>
+                <a:xfrm>
+                  <a:off x="2284489" y="4794739"/>
+                  <a:ext cx="145080" cy="232200"/>
+                </a:xfrm>
+                <a:prstGeom prst="rect">
+                  <a:avLst/>
+                </a:prstGeom>
+              </p:spPr>
+            </p:pic>
+          </mc:Fallback>
+        </mc:AlternateContent>
+        <mc:AlternateContent xmlns:mc="http://schemas.openxmlformats.org/markup-compatibility/2006">
+          <mc:Choice xmlns:p14="http://schemas.microsoft.com/office/powerpoint/2010/main" Requires="p14">
+            <p:contentPart p14:bwMode="auto" r:id="rId30">
+              <p14:nvContentPartPr>
+                <p14:cNvPr id="24" name="Ink 23">
+                  <a:extLst>
+                    <a:ext uri="{FF2B5EF4-FFF2-40B4-BE49-F238E27FC236}">
+                      <a16:creationId xmlns:a16="http://schemas.microsoft.com/office/drawing/2014/main" id="{0397D5C5-F556-4B64-BF11-4578ECE921BF}"/>
+                    </a:ext>
+                  </a:extLst>
+                </p14:cNvPr>
+                <p14:cNvContentPartPr/>
+                <p14:nvPr/>
+              </p14:nvContentPartPr>
+              <p14:xfrm>
+                <a:off x="2432089" y="4931539"/>
+                <a:ext cx="178920" cy="90360"/>
+              </p14:xfrm>
+            </p:contentPart>
+          </mc:Choice>
+          <mc:Fallback>
+            <p:pic>
+              <p:nvPicPr>
+                <p:cNvPr id="24" name="Ink 23">
+                  <a:extLst>
+                    <a:ext uri="{FF2B5EF4-FFF2-40B4-BE49-F238E27FC236}">
+                      <a16:creationId xmlns:a16="http://schemas.microsoft.com/office/drawing/2014/main" id="{0397D5C5-F556-4B64-BF11-4578ECE921BF}"/>
+                    </a:ext>
+                  </a:extLst>
+                </p:cNvPr>
+                <p:cNvPicPr/>
+                <p:nvPr/>
+              </p:nvPicPr>
+              <p:blipFill>
+                <a:blip r:embed="rId31"/>
+                <a:stretch>
+                  <a:fillRect/>
+                </a:stretch>
+              </p:blipFill>
+              <p:spPr>
+                <a:xfrm>
+                  <a:off x="2423089" y="4922539"/>
+                  <a:ext cx="196560" cy="108000"/>
+                </a:xfrm>
+                <a:prstGeom prst="rect">
+                  <a:avLst/>
+                </a:prstGeom>
+              </p:spPr>
+            </p:pic>
+          </mc:Fallback>
+        </mc:AlternateContent>
+        <mc:AlternateContent xmlns:mc="http://schemas.openxmlformats.org/markup-compatibility/2006">
+          <mc:Choice xmlns:p14="http://schemas.microsoft.com/office/powerpoint/2010/main" Requires="p14">
+            <p:contentPart p14:bwMode="auto" r:id="rId32">
+              <p14:nvContentPartPr>
+                <p14:cNvPr id="25" name="Ink 24">
+                  <a:extLst>
+                    <a:ext uri="{FF2B5EF4-FFF2-40B4-BE49-F238E27FC236}">
+                      <a16:creationId xmlns:a16="http://schemas.microsoft.com/office/drawing/2014/main" id="{24C1F2F3-824E-4561-A0A1-3DD8530423F2}"/>
+                    </a:ext>
+                  </a:extLst>
+                </p14:cNvPr>
+                <p14:cNvContentPartPr/>
+                <p14:nvPr/>
+              </p14:nvContentPartPr>
+              <p14:xfrm>
+                <a:off x="2662489" y="4858819"/>
+                <a:ext cx="35640" cy="197640"/>
+              </p14:xfrm>
+            </p:contentPart>
+          </mc:Choice>
+          <mc:Fallback>
+            <p:pic>
+              <p:nvPicPr>
+                <p:cNvPr id="25" name="Ink 24">
+                  <a:extLst>
+                    <a:ext uri="{FF2B5EF4-FFF2-40B4-BE49-F238E27FC236}">
+                      <a16:creationId xmlns:a16="http://schemas.microsoft.com/office/drawing/2014/main" id="{24C1F2F3-824E-4561-A0A1-3DD8530423F2}"/>
+                    </a:ext>
+                  </a:extLst>
+                </p:cNvPr>
+                <p:cNvPicPr/>
+                <p:nvPr/>
+              </p:nvPicPr>
+              <p:blipFill>
+                <a:blip r:embed="rId33"/>
+                <a:stretch>
+                  <a:fillRect/>
+                </a:stretch>
+              </p:blipFill>
+              <p:spPr>
+                <a:xfrm>
+                  <a:off x="2653489" y="4849819"/>
+                  <a:ext cx="53280" cy="215280"/>
+                </a:xfrm>
+                <a:prstGeom prst="rect">
+                  <a:avLst/>
+                </a:prstGeom>
+              </p:spPr>
+            </p:pic>
+          </mc:Fallback>
+        </mc:AlternateContent>
+        <mc:AlternateContent xmlns:mc="http://schemas.openxmlformats.org/markup-compatibility/2006">
+          <mc:Choice xmlns:p14="http://schemas.microsoft.com/office/powerpoint/2010/main" Requires="p14">
+            <p:contentPart p14:bwMode="auto" r:id="rId34">
+              <p14:nvContentPartPr>
+                <p14:cNvPr id="26" name="Ink 25">
+                  <a:extLst>
+                    <a:ext uri="{FF2B5EF4-FFF2-40B4-BE49-F238E27FC236}">
+                      <a16:creationId xmlns:a16="http://schemas.microsoft.com/office/drawing/2014/main" id="{EAD22FDD-6A7E-442D-AB8D-4027F0E9ABAA}"/>
+                    </a:ext>
+                  </a:extLst>
+                </p14:cNvPr>
+                <p14:cNvContentPartPr/>
+                <p14:nvPr/>
+              </p14:nvContentPartPr>
+              <p14:xfrm>
+                <a:off x="2754649" y="4920739"/>
+                <a:ext cx="59040" cy="86760"/>
+              </p14:xfrm>
+            </p:contentPart>
+          </mc:Choice>
+          <mc:Fallback>
+            <p:pic>
+              <p:nvPicPr>
+                <p:cNvPr id="26" name="Ink 25">
+                  <a:extLst>
+                    <a:ext uri="{FF2B5EF4-FFF2-40B4-BE49-F238E27FC236}">
+                      <a16:creationId xmlns:a16="http://schemas.microsoft.com/office/drawing/2014/main" id="{EAD22FDD-6A7E-442D-AB8D-4027F0E9ABAA}"/>
+                    </a:ext>
+                  </a:extLst>
+                </p:cNvPr>
+                <p:cNvPicPr/>
+                <p:nvPr/>
+              </p:nvPicPr>
+              <p:blipFill>
+                <a:blip r:embed="rId35"/>
+                <a:stretch>
+                  <a:fillRect/>
+                </a:stretch>
+              </p:blipFill>
+              <p:spPr>
+                <a:xfrm>
+                  <a:off x="2745649" y="4912099"/>
+                  <a:ext cx="76680" cy="104400"/>
+                </a:xfrm>
+                <a:prstGeom prst="rect">
+                  <a:avLst/>
+                </a:prstGeom>
+              </p:spPr>
+            </p:pic>
+          </mc:Fallback>
+        </mc:AlternateContent>
+        <mc:AlternateContent xmlns:mc="http://schemas.openxmlformats.org/markup-compatibility/2006">
+          <mc:Choice xmlns:p14="http://schemas.microsoft.com/office/powerpoint/2010/main" Requires="p14">
+            <p:contentPart p14:bwMode="auto" r:id="rId36">
+              <p14:nvContentPartPr>
+                <p14:cNvPr id="27" name="Ink 26">
+                  <a:extLst>
+                    <a:ext uri="{FF2B5EF4-FFF2-40B4-BE49-F238E27FC236}">
+                      <a16:creationId xmlns:a16="http://schemas.microsoft.com/office/drawing/2014/main" id="{815DFF8E-CFCE-4133-8152-742B15D17234}"/>
+                    </a:ext>
+                  </a:extLst>
+                </p14:cNvPr>
+                <p14:cNvContentPartPr/>
+                <p14:nvPr/>
+              </p14:nvContentPartPr>
+              <p14:xfrm>
+                <a:off x="2846089" y="4804819"/>
+                <a:ext cx="126000" cy="218520"/>
+              </p14:xfrm>
+            </p:contentPart>
+          </mc:Choice>
+          <mc:Fallback>
+            <p:pic>
+              <p:nvPicPr>
+                <p:cNvPr id="27" name="Ink 26">
+                  <a:extLst>
+                    <a:ext uri="{FF2B5EF4-FFF2-40B4-BE49-F238E27FC236}">
+                      <a16:creationId xmlns:a16="http://schemas.microsoft.com/office/drawing/2014/main" id="{815DFF8E-CFCE-4133-8152-742B15D17234}"/>
+                    </a:ext>
+                  </a:extLst>
+                </p:cNvPr>
+                <p:cNvPicPr/>
+                <p:nvPr/>
+              </p:nvPicPr>
+              <p:blipFill>
+                <a:blip r:embed="rId37"/>
+                <a:stretch>
+                  <a:fillRect/>
+                </a:stretch>
+              </p:blipFill>
+              <p:spPr>
+                <a:xfrm>
+                  <a:off x="2837089" y="4795819"/>
+                  <a:ext cx="143640" cy="236160"/>
+                </a:xfrm>
+                <a:prstGeom prst="rect">
+                  <a:avLst/>
+                </a:prstGeom>
+              </p:spPr>
+            </p:pic>
+          </mc:Fallback>
+        </mc:AlternateContent>
+        <mc:AlternateContent xmlns:mc="http://schemas.openxmlformats.org/markup-compatibility/2006">
+          <mc:Choice xmlns:p14="http://schemas.microsoft.com/office/powerpoint/2010/main" Requires="p14">
+            <p:contentPart p14:bwMode="auto" r:id="rId38">
+              <p14:nvContentPartPr>
+                <p14:cNvPr id="28" name="Ink 27">
+                  <a:extLst>
+                    <a:ext uri="{FF2B5EF4-FFF2-40B4-BE49-F238E27FC236}">
+                      <a16:creationId xmlns:a16="http://schemas.microsoft.com/office/drawing/2014/main" id="{5A4B2F03-D1D6-478C-A28A-1BF19FAFB5F0}"/>
+                    </a:ext>
+                  </a:extLst>
+                </p14:cNvPr>
+                <p14:cNvContentPartPr/>
+                <p14:nvPr/>
+              </p14:nvContentPartPr>
+              <p14:xfrm>
+                <a:off x="3030049" y="4916779"/>
+                <a:ext cx="39240" cy="51480"/>
+              </p14:xfrm>
+            </p:contentPart>
+          </mc:Choice>
+          <mc:Fallback>
+            <p:pic>
+              <p:nvPicPr>
+                <p:cNvPr id="28" name="Ink 27">
+                  <a:extLst>
+                    <a:ext uri="{FF2B5EF4-FFF2-40B4-BE49-F238E27FC236}">
+                      <a16:creationId xmlns:a16="http://schemas.microsoft.com/office/drawing/2014/main" id="{5A4B2F03-D1D6-478C-A28A-1BF19FAFB5F0}"/>
+                    </a:ext>
+                  </a:extLst>
+                </p:cNvPr>
+                <p:cNvPicPr/>
+                <p:nvPr/>
+              </p:nvPicPr>
+              <p:blipFill>
+                <a:blip r:embed="rId39"/>
+                <a:stretch>
+                  <a:fillRect/>
+                </a:stretch>
+              </p:blipFill>
+              <p:spPr>
+                <a:xfrm>
+                  <a:off x="3021409" y="4907779"/>
+                  <a:ext cx="56880" cy="69120"/>
+                </a:xfrm>
+                <a:prstGeom prst="rect">
+                  <a:avLst/>
+                </a:prstGeom>
+              </p:spPr>
+            </p:pic>
+          </mc:Fallback>
+        </mc:AlternateContent>
+        <mc:AlternateContent xmlns:mc="http://schemas.openxmlformats.org/markup-compatibility/2006">
+          <mc:Choice xmlns:p14="http://schemas.microsoft.com/office/powerpoint/2010/main" Requires="p14">
+            <p:contentPart p14:bwMode="auto" r:id="rId40">
+              <p14:nvContentPartPr>
+                <p14:cNvPr id="29" name="Ink 28">
+                  <a:extLst>
+                    <a:ext uri="{FF2B5EF4-FFF2-40B4-BE49-F238E27FC236}">
+                      <a16:creationId xmlns:a16="http://schemas.microsoft.com/office/drawing/2014/main" id="{A2AE5D10-05F0-4EA9-B1F9-918FD2CCBBDC}"/>
+                    </a:ext>
+                  </a:extLst>
+                </p14:cNvPr>
+                <p14:cNvContentPartPr/>
+                <p14:nvPr/>
+              </p14:nvContentPartPr>
+              <p14:xfrm>
+                <a:off x="3077929" y="4944859"/>
+                <a:ext cx="103680" cy="73800"/>
+              </p14:xfrm>
+            </p:contentPart>
+          </mc:Choice>
+          <mc:Fallback>
+            <p:pic>
+              <p:nvPicPr>
+                <p:cNvPr id="29" name="Ink 28">
+                  <a:extLst>
+                    <a:ext uri="{FF2B5EF4-FFF2-40B4-BE49-F238E27FC236}">
+                      <a16:creationId xmlns:a16="http://schemas.microsoft.com/office/drawing/2014/main" id="{A2AE5D10-05F0-4EA9-B1F9-918FD2CCBBDC}"/>
+                    </a:ext>
+                  </a:extLst>
+                </p:cNvPr>
+                <p:cNvPicPr/>
+                <p:nvPr/>
+              </p:nvPicPr>
+              <p:blipFill>
+                <a:blip r:embed="rId41"/>
+                <a:stretch>
+                  <a:fillRect/>
+                </a:stretch>
+              </p:blipFill>
+              <p:spPr>
+                <a:xfrm>
+                  <a:off x="3069289" y="4936219"/>
+                  <a:ext cx="121320" cy="91440"/>
+                </a:xfrm>
+                <a:prstGeom prst="rect">
+                  <a:avLst/>
+                </a:prstGeom>
+              </p:spPr>
+            </p:pic>
+          </mc:Fallback>
+        </mc:AlternateContent>
+        <mc:AlternateContent xmlns:mc="http://schemas.openxmlformats.org/markup-compatibility/2006">
+          <mc:Choice xmlns:p14="http://schemas.microsoft.com/office/powerpoint/2010/main" Requires="p14">
+            <p:contentPart p14:bwMode="auto" r:id="rId42">
+              <p14:nvContentPartPr>
+                <p14:cNvPr id="30" name="Ink 29">
+                  <a:extLst>
+                    <a:ext uri="{FF2B5EF4-FFF2-40B4-BE49-F238E27FC236}">
+                      <a16:creationId xmlns:a16="http://schemas.microsoft.com/office/drawing/2014/main" id="{AD33F611-45F9-47B9-89A8-8C426580CA9F}"/>
+                    </a:ext>
+                  </a:extLst>
+                </p14:cNvPr>
+                <p14:cNvContentPartPr/>
+                <p14:nvPr/>
+              </p14:nvContentPartPr>
+              <p14:xfrm>
+                <a:off x="3328489" y="4832539"/>
+                <a:ext cx="231840" cy="106560"/>
+              </p14:xfrm>
+            </p:contentPart>
+          </mc:Choice>
+          <mc:Fallback>
+            <p:pic>
+              <p:nvPicPr>
+                <p:cNvPr id="30" name="Ink 29">
+                  <a:extLst>
+                    <a:ext uri="{FF2B5EF4-FFF2-40B4-BE49-F238E27FC236}">
+                      <a16:creationId xmlns:a16="http://schemas.microsoft.com/office/drawing/2014/main" id="{AD33F611-45F9-47B9-89A8-8C426580CA9F}"/>
+                    </a:ext>
+                  </a:extLst>
+                </p:cNvPr>
+                <p:cNvPicPr/>
+                <p:nvPr/>
+              </p:nvPicPr>
+              <p:blipFill>
+                <a:blip r:embed="rId43"/>
+                <a:stretch>
+                  <a:fillRect/>
+                </a:stretch>
+              </p:blipFill>
+              <p:spPr>
+                <a:xfrm>
+                  <a:off x="3319849" y="4823899"/>
+                  <a:ext cx="249480" cy="124200"/>
+                </a:xfrm>
+                <a:prstGeom prst="rect">
+                  <a:avLst/>
+                </a:prstGeom>
+              </p:spPr>
+            </p:pic>
+          </mc:Fallback>
+        </mc:AlternateContent>
+        <mc:AlternateContent xmlns:mc="http://schemas.openxmlformats.org/markup-compatibility/2006">
+          <mc:Choice xmlns:p14="http://schemas.microsoft.com/office/powerpoint/2010/main" Requires="p14">
+            <p:contentPart p14:bwMode="auto" r:id="rId44">
+              <p14:nvContentPartPr>
+                <p14:cNvPr id="33" name="Ink 32">
+                  <a:extLst>
+                    <a:ext uri="{FF2B5EF4-FFF2-40B4-BE49-F238E27FC236}">
+                      <a16:creationId xmlns:a16="http://schemas.microsoft.com/office/drawing/2014/main" id="{A6DC6AC0-EB90-48F4-A013-49423605B46A}"/>
+                    </a:ext>
+                  </a:extLst>
+                </p14:cNvPr>
+                <p14:cNvContentPartPr/>
+                <p14:nvPr/>
+              </p14:nvContentPartPr>
+              <p14:xfrm>
+                <a:off x="3750049" y="4838299"/>
+                <a:ext cx="222480" cy="231120"/>
+              </p14:xfrm>
+            </p:contentPart>
+          </mc:Choice>
+          <mc:Fallback>
+            <p:pic>
+              <p:nvPicPr>
+                <p:cNvPr id="33" name="Ink 32">
+                  <a:extLst>
+                    <a:ext uri="{FF2B5EF4-FFF2-40B4-BE49-F238E27FC236}">
+                      <a16:creationId xmlns:a16="http://schemas.microsoft.com/office/drawing/2014/main" id="{A6DC6AC0-EB90-48F4-A013-49423605B46A}"/>
+                    </a:ext>
+                  </a:extLst>
+                </p:cNvPr>
+                <p:cNvPicPr/>
+                <p:nvPr/>
+              </p:nvPicPr>
+              <p:blipFill>
+                <a:blip r:embed="rId45"/>
+                <a:stretch>
+                  <a:fillRect/>
+                </a:stretch>
+              </p:blipFill>
+              <p:spPr>
+                <a:xfrm>
+                  <a:off x="3741409" y="4829299"/>
+                  <a:ext cx="240120" cy="248760"/>
+                </a:xfrm>
+                <a:prstGeom prst="rect">
+                  <a:avLst/>
+                </a:prstGeom>
+              </p:spPr>
+            </p:pic>
+          </mc:Fallback>
+        </mc:AlternateContent>
+        <mc:AlternateContent xmlns:mc="http://schemas.openxmlformats.org/markup-compatibility/2006">
+          <mc:Choice xmlns:p14="http://schemas.microsoft.com/office/powerpoint/2010/main" Requires="p14">
+            <p:contentPart p14:bwMode="auto" r:id="rId46">
+              <p14:nvContentPartPr>
+                <p14:cNvPr id="34" name="Ink 33">
+                  <a:extLst>
+                    <a:ext uri="{FF2B5EF4-FFF2-40B4-BE49-F238E27FC236}">
+                      <a16:creationId xmlns:a16="http://schemas.microsoft.com/office/drawing/2014/main" id="{E4816A00-D761-4089-8683-6D787D719888}"/>
+                    </a:ext>
+                  </a:extLst>
+                </p14:cNvPr>
+                <p14:cNvContentPartPr/>
+                <p14:nvPr/>
+              </p14:nvContentPartPr>
+              <p14:xfrm>
+                <a:off x="3995569" y="4850539"/>
+                <a:ext cx="116280" cy="94680"/>
+              </p14:xfrm>
+            </p:contentPart>
+          </mc:Choice>
+          <mc:Fallback>
+            <p:pic>
+              <p:nvPicPr>
+                <p:cNvPr id="34" name="Ink 33">
+                  <a:extLst>
+                    <a:ext uri="{FF2B5EF4-FFF2-40B4-BE49-F238E27FC236}">
+                      <a16:creationId xmlns:a16="http://schemas.microsoft.com/office/drawing/2014/main" id="{E4816A00-D761-4089-8683-6D787D719888}"/>
+                    </a:ext>
+                  </a:extLst>
+                </p:cNvPr>
+                <p:cNvPicPr/>
+                <p:nvPr/>
+              </p:nvPicPr>
+              <p:blipFill>
+                <a:blip r:embed="rId47"/>
+                <a:stretch>
+                  <a:fillRect/>
+                </a:stretch>
+              </p:blipFill>
+              <p:spPr>
+                <a:xfrm>
+                  <a:off x="3986929" y="4841899"/>
+                  <a:ext cx="133920" cy="112320"/>
+                </a:xfrm>
+                <a:prstGeom prst="rect">
+                  <a:avLst/>
+                </a:prstGeom>
+              </p:spPr>
+            </p:pic>
+          </mc:Fallback>
+        </mc:AlternateContent>
+        <mc:AlternateContent xmlns:mc="http://schemas.openxmlformats.org/markup-compatibility/2006">
+          <mc:Choice xmlns:p14="http://schemas.microsoft.com/office/powerpoint/2010/main" Requires="p14">
+            <p:contentPart p14:bwMode="auto" r:id="rId48">
+              <p14:nvContentPartPr>
+                <p14:cNvPr id="35" name="Ink 34">
+                  <a:extLst>
+                    <a:ext uri="{FF2B5EF4-FFF2-40B4-BE49-F238E27FC236}">
+                      <a16:creationId xmlns:a16="http://schemas.microsoft.com/office/drawing/2014/main" id="{64363378-9C2F-44C4-82BA-884087CD7A63}"/>
+                    </a:ext>
+                  </a:extLst>
+                </p14:cNvPr>
+                <p14:cNvContentPartPr/>
+                <p14:nvPr/>
+              </p14:nvContentPartPr>
+              <p14:xfrm>
+                <a:off x="4162969" y="4836859"/>
+                <a:ext cx="119880" cy="118440"/>
+              </p14:xfrm>
+            </p:contentPart>
+          </mc:Choice>
+          <mc:Fallback>
+            <p:pic>
+              <p:nvPicPr>
+                <p:cNvPr id="35" name="Ink 34">
+                  <a:extLst>
+                    <a:ext uri="{FF2B5EF4-FFF2-40B4-BE49-F238E27FC236}">
+                      <a16:creationId xmlns:a16="http://schemas.microsoft.com/office/drawing/2014/main" id="{64363378-9C2F-44C4-82BA-884087CD7A63}"/>
+                    </a:ext>
+                  </a:extLst>
+                </p:cNvPr>
+                <p:cNvPicPr/>
+                <p:nvPr/>
+              </p:nvPicPr>
+              <p:blipFill>
+                <a:blip r:embed="rId49"/>
+                <a:stretch>
+                  <a:fillRect/>
+                </a:stretch>
+              </p:blipFill>
+              <p:spPr>
+                <a:xfrm>
+                  <a:off x="4154329" y="4828219"/>
+                  <a:ext cx="137520" cy="136080"/>
+                </a:xfrm>
+                <a:prstGeom prst="rect">
+                  <a:avLst/>
+                </a:prstGeom>
+              </p:spPr>
+            </p:pic>
+          </mc:Fallback>
+        </mc:AlternateContent>
+        <mc:AlternateContent xmlns:mc="http://schemas.openxmlformats.org/markup-compatibility/2006">
+          <mc:Choice xmlns:p14="http://schemas.microsoft.com/office/powerpoint/2010/main" Requires="p14">
+            <p:contentPart p14:bwMode="auto" r:id="rId50">
+              <p14:nvContentPartPr>
+                <p14:cNvPr id="36" name="Ink 35">
+                  <a:extLst>
+                    <a:ext uri="{FF2B5EF4-FFF2-40B4-BE49-F238E27FC236}">
+                      <a16:creationId xmlns:a16="http://schemas.microsoft.com/office/drawing/2014/main" id="{746200EA-A284-4C8E-947D-B6CFD6941FBD}"/>
+                    </a:ext>
+                  </a:extLst>
+                </p14:cNvPr>
+                <p14:cNvContentPartPr/>
+                <p14:nvPr/>
+              </p14:nvContentPartPr>
+              <p14:xfrm>
+                <a:off x="3691369" y="5006059"/>
+                <a:ext cx="647640" cy="78840"/>
+              </p14:xfrm>
+            </p:contentPart>
+          </mc:Choice>
+          <mc:Fallback>
+            <p:pic>
+              <p:nvPicPr>
+                <p:cNvPr id="36" name="Ink 35">
+                  <a:extLst>
+                    <a:ext uri="{FF2B5EF4-FFF2-40B4-BE49-F238E27FC236}">
+                      <a16:creationId xmlns:a16="http://schemas.microsoft.com/office/drawing/2014/main" id="{746200EA-A284-4C8E-947D-B6CFD6941FBD}"/>
+                    </a:ext>
+                  </a:extLst>
+                </p:cNvPr>
+                <p:cNvPicPr/>
+                <p:nvPr/>
+              </p:nvPicPr>
+              <p:blipFill>
+                <a:blip r:embed="rId51"/>
+                <a:stretch>
+                  <a:fillRect/>
+                </a:stretch>
+              </p:blipFill>
+              <p:spPr>
+                <a:xfrm>
+                  <a:off x="3682369" y="4997419"/>
+                  <a:ext cx="665280" cy="96480"/>
+                </a:xfrm>
+                <a:prstGeom prst="rect">
+                  <a:avLst/>
+                </a:prstGeom>
+              </p:spPr>
+            </p:pic>
+          </mc:Fallback>
+        </mc:AlternateContent>
+      </p:grpSp>
+      <p:grpSp>
+        <p:nvGrpSpPr>
+          <p:cNvPr id="39" name="Group 38">
+            <a:extLst>
+              <a:ext uri="{FF2B5EF4-FFF2-40B4-BE49-F238E27FC236}">
+                <a16:creationId xmlns:a16="http://schemas.microsoft.com/office/drawing/2014/main" id="{4CE10F5A-9689-4365-A221-474167A5B26F}"/>
+              </a:ext>
+            </a:extLst>
+          </p:cNvPr>
+          <p:cNvGrpSpPr/>
+          <p:nvPr/>
+        </p:nvGrpSpPr>
+        <p:grpSpPr>
+          <a:xfrm>
+            <a:off x="814249" y="4845499"/>
+            <a:ext cx="574920" cy="208800"/>
+            <a:chOff x="814249" y="4845499"/>
+            <a:chExt cx="574920" cy="208800"/>
+          </a:xfrm>
+        </p:grpSpPr>
+        <mc:AlternateContent xmlns:mc="http://schemas.openxmlformats.org/markup-compatibility/2006">
+          <mc:Choice xmlns:p14="http://schemas.microsoft.com/office/powerpoint/2010/main" Requires="p14">
+            <p:contentPart p14:bwMode="auto" r:id="rId52">
+              <p14:nvContentPartPr>
+                <p14:cNvPr id="14" name="Ink 13">
+                  <a:extLst>
+                    <a:ext uri="{FF2B5EF4-FFF2-40B4-BE49-F238E27FC236}">
+                      <a16:creationId xmlns:a16="http://schemas.microsoft.com/office/drawing/2014/main" id="{DB5A36BE-7522-4297-ABD7-0011714FC340}"/>
+                    </a:ext>
+                  </a:extLst>
+                </p14:cNvPr>
+                <p14:cNvContentPartPr/>
+                <p14:nvPr/>
+              </p14:nvContentPartPr>
+              <p14:xfrm>
+                <a:off x="814969" y="4931899"/>
+                <a:ext cx="19800" cy="31680"/>
+              </p14:xfrm>
+            </p:contentPart>
+          </mc:Choice>
+          <mc:Fallback>
+            <p:pic>
+              <p:nvPicPr>
+                <p:cNvPr id="14" name="Ink 13">
+                  <a:extLst>
+                    <a:ext uri="{FF2B5EF4-FFF2-40B4-BE49-F238E27FC236}">
+                      <a16:creationId xmlns:a16="http://schemas.microsoft.com/office/drawing/2014/main" id="{DB5A36BE-7522-4297-ABD7-0011714FC340}"/>
+                    </a:ext>
+                  </a:extLst>
+                </p:cNvPr>
+                <p:cNvPicPr/>
+                <p:nvPr/>
+              </p:nvPicPr>
+              <p:blipFill>
+                <a:blip r:embed="rId53"/>
+                <a:stretch>
+                  <a:fillRect/>
+                </a:stretch>
+              </p:blipFill>
+              <p:spPr>
+                <a:xfrm>
+                  <a:off x="805969" y="4923259"/>
+                  <a:ext cx="37440" cy="49320"/>
+                </a:xfrm>
+                <a:prstGeom prst="rect">
+                  <a:avLst/>
+                </a:prstGeom>
+              </p:spPr>
+            </p:pic>
+          </mc:Fallback>
+        </mc:AlternateContent>
+        <mc:AlternateContent xmlns:mc="http://schemas.openxmlformats.org/markup-compatibility/2006">
+          <mc:Choice xmlns:p14="http://schemas.microsoft.com/office/powerpoint/2010/main" Requires="p14">
+            <p:contentPart p14:bwMode="auto" r:id="rId54">
+              <p14:nvContentPartPr>
+                <p14:cNvPr id="15" name="Ink 14">
+                  <a:extLst>
+                    <a:ext uri="{FF2B5EF4-FFF2-40B4-BE49-F238E27FC236}">
+                      <a16:creationId xmlns:a16="http://schemas.microsoft.com/office/drawing/2014/main" id="{A8398D3E-452A-40A5-872B-CA839A22AC44}"/>
+                    </a:ext>
+                  </a:extLst>
+                </p14:cNvPr>
+                <p14:cNvContentPartPr/>
+                <p14:nvPr/>
+              </p14:nvContentPartPr>
+              <p14:xfrm>
+                <a:off x="949969" y="4849819"/>
+                <a:ext cx="102960" cy="193320"/>
+              </p14:xfrm>
+            </p:contentPart>
+          </mc:Choice>
+          <mc:Fallback>
+            <p:pic>
+              <p:nvPicPr>
+                <p:cNvPr id="15" name="Ink 14">
+                  <a:extLst>
+                    <a:ext uri="{FF2B5EF4-FFF2-40B4-BE49-F238E27FC236}">
+                      <a16:creationId xmlns:a16="http://schemas.microsoft.com/office/drawing/2014/main" id="{A8398D3E-452A-40A5-872B-CA839A22AC44}"/>
+                    </a:ext>
+                  </a:extLst>
+                </p:cNvPr>
+                <p:cNvPicPr/>
+                <p:nvPr/>
+              </p:nvPicPr>
+              <p:blipFill>
+                <a:blip r:embed="rId55"/>
+                <a:stretch>
+                  <a:fillRect/>
+                </a:stretch>
+              </p:blipFill>
+              <p:spPr>
+                <a:xfrm>
+                  <a:off x="940969" y="4840819"/>
+                  <a:ext cx="120600" cy="210960"/>
+                </a:xfrm>
+                <a:prstGeom prst="rect">
+                  <a:avLst/>
+                </a:prstGeom>
+              </p:spPr>
+            </p:pic>
+          </mc:Fallback>
+        </mc:AlternateContent>
+        <mc:AlternateContent xmlns:mc="http://schemas.openxmlformats.org/markup-compatibility/2006">
+          <mc:Choice xmlns:p14="http://schemas.microsoft.com/office/powerpoint/2010/main" Requires="p14">
+            <p:contentPart p14:bwMode="auto" r:id="rId56">
+              <p14:nvContentPartPr>
+                <p14:cNvPr id="16" name="Ink 15">
+                  <a:extLst>
+                    <a:ext uri="{FF2B5EF4-FFF2-40B4-BE49-F238E27FC236}">
+                      <a16:creationId xmlns:a16="http://schemas.microsoft.com/office/drawing/2014/main" id="{0D635D2E-ACE5-4407-A659-0B31E20D1CFB}"/>
+                    </a:ext>
+                  </a:extLst>
+                </p14:cNvPr>
+                <p14:cNvContentPartPr/>
+                <p14:nvPr/>
+              </p14:nvContentPartPr>
+              <p14:xfrm>
+                <a:off x="1097929" y="4858099"/>
+                <a:ext cx="147240" cy="196200"/>
+              </p14:xfrm>
+            </p:contentPart>
+          </mc:Choice>
+          <mc:Fallback>
+            <p:pic>
+              <p:nvPicPr>
+                <p:cNvPr id="16" name="Ink 15">
+                  <a:extLst>
+                    <a:ext uri="{FF2B5EF4-FFF2-40B4-BE49-F238E27FC236}">
+                      <a16:creationId xmlns:a16="http://schemas.microsoft.com/office/drawing/2014/main" id="{0D635D2E-ACE5-4407-A659-0B31E20D1CFB}"/>
+                    </a:ext>
+                  </a:extLst>
+                </p:cNvPr>
+                <p:cNvPicPr/>
+                <p:nvPr/>
+              </p:nvPicPr>
+              <p:blipFill>
+                <a:blip r:embed="rId57"/>
+                <a:stretch>
+                  <a:fillRect/>
+                </a:stretch>
+              </p:blipFill>
+              <p:spPr>
+                <a:xfrm>
+                  <a:off x="1088929" y="4849099"/>
+                  <a:ext cx="164880" cy="213840"/>
+                </a:xfrm>
+                <a:prstGeom prst="rect">
+                  <a:avLst/>
+                </a:prstGeom>
+              </p:spPr>
+            </p:pic>
+          </mc:Fallback>
+        </mc:AlternateContent>
+        <mc:AlternateContent xmlns:mc="http://schemas.openxmlformats.org/markup-compatibility/2006">
+          <mc:Choice xmlns:p14="http://schemas.microsoft.com/office/powerpoint/2010/main" Requires="p14">
+            <p:contentPart p14:bwMode="auto" r:id="rId58">
+              <p14:nvContentPartPr>
+                <p14:cNvPr id="17" name="Ink 16">
+                  <a:extLst>
+                    <a:ext uri="{FF2B5EF4-FFF2-40B4-BE49-F238E27FC236}">
+                      <a16:creationId xmlns:a16="http://schemas.microsoft.com/office/drawing/2014/main" id="{DCC3BC86-FCE0-49E4-BC9E-D8564472DE9A}"/>
+                    </a:ext>
+                  </a:extLst>
+                </p14:cNvPr>
+                <p14:cNvContentPartPr/>
+                <p14:nvPr/>
+              </p14:nvContentPartPr>
+              <p14:xfrm>
+                <a:off x="1155889" y="4949899"/>
+                <a:ext cx="82440" cy="21960"/>
+              </p14:xfrm>
+            </p:contentPart>
+          </mc:Choice>
+          <mc:Fallback>
+            <p:pic>
+              <p:nvPicPr>
+                <p:cNvPr id="17" name="Ink 16">
+                  <a:extLst>
+                    <a:ext uri="{FF2B5EF4-FFF2-40B4-BE49-F238E27FC236}">
+                      <a16:creationId xmlns:a16="http://schemas.microsoft.com/office/drawing/2014/main" id="{DCC3BC86-FCE0-49E4-BC9E-D8564472DE9A}"/>
+                    </a:ext>
+                  </a:extLst>
+                </p:cNvPr>
+                <p:cNvPicPr/>
+                <p:nvPr/>
+              </p:nvPicPr>
+              <p:blipFill>
+                <a:blip r:embed="rId59"/>
+                <a:stretch>
+                  <a:fillRect/>
+                </a:stretch>
+              </p:blipFill>
+              <p:spPr>
+                <a:xfrm>
+                  <a:off x="1146889" y="4940899"/>
+                  <a:ext cx="100080" cy="39600"/>
+                </a:xfrm>
+                <a:prstGeom prst="rect">
+                  <a:avLst/>
+                </a:prstGeom>
+              </p:spPr>
+            </p:pic>
+          </mc:Fallback>
+        </mc:AlternateContent>
+        <mc:AlternateContent xmlns:mc="http://schemas.openxmlformats.org/markup-compatibility/2006">
+          <mc:Choice xmlns:p14="http://schemas.microsoft.com/office/powerpoint/2010/main" Requires="p14">
+            <p:contentPart p14:bwMode="auto" r:id="rId60">
+              <p14:nvContentPartPr>
+                <p14:cNvPr id="18" name="Ink 17">
+                  <a:extLst>
+                    <a:ext uri="{FF2B5EF4-FFF2-40B4-BE49-F238E27FC236}">
+                      <a16:creationId xmlns:a16="http://schemas.microsoft.com/office/drawing/2014/main" id="{7BEF47F3-2CDD-41F0-B6F7-023116A77305}"/>
+                    </a:ext>
+                  </a:extLst>
+                </p14:cNvPr>
+                <p14:cNvContentPartPr/>
+                <p14:nvPr/>
+              </p14:nvContentPartPr>
+              <p14:xfrm>
+                <a:off x="1297369" y="4845499"/>
+                <a:ext cx="91800" cy="132120"/>
+              </p14:xfrm>
+            </p:contentPart>
+          </mc:Choice>
+          <mc:Fallback>
+            <p:pic>
+              <p:nvPicPr>
+                <p:cNvPr id="18" name="Ink 17">
+                  <a:extLst>
+                    <a:ext uri="{FF2B5EF4-FFF2-40B4-BE49-F238E27FC236}">
+                      <a16:creationId xmlns:a16="http://schemas.microsoft.com/office/drawing/2014/main" id="{7BEF47F3-2CDD-41F0-B6F7-023116A77305}"/>
+                    </a:ext>
+                  </a:extLst>
+                </p:cNvPr>
+                <p:cNvPicPr/>
+                <p:nvPr/>
+              </p:nvPicPr>
+              <p:blipFill>
+                <a:blip r:embed="rId61"/>
+                <a:stretch>
+                  <a:fillRect/>
+                </a:stretch>
+              </p:blipFill>
+              <p:spPr>
+                <a:xfrm>
+                  <a:off x="1288729" y="4836859"/>
+                  <a:ext cx="109440" cy="149760"/>
+                </a:xfrm>
+                <a:prstGeom prst="rect">
+                  <a:avLst/>
+                </a:prstGeom>
+              </p:spPr>
+            </p:pic>
+          </mc:Fallback>
+        </mc:AlternateContent>
+        <mc:AlternateContent xmlns:mc="http://schemas.openxmlformats.org/markup-compatibility/2006">
+          <mc:Choice xmlns:p14="http://schemas.microsoft.com/office/powerpoint/2010/main" Requires="p14">
+            <p:contentPart p14:bwMode="auto" r:id="rId62">
+              <p14:nvContentPartPr>
+                <p14:cNvPr id="38" name="Ink 37">
+                  <a:extLst>
+                    <a:ext uri="{FF2B5EF4-FFF2-40B4-BE49-F238E27FC236}">
+                      <a16:creationId xmlns:a16="http://schemas.microsoft.com/office/drawing/2014/main" id="{A61F0B39-0EAF-4081-A85F-1F92E93B4F0B}"/>
+                    </a:ext>
+                  </a:extLst>
+                </p14:cNvPr>
+                <p14:cNvContentPartPr/>
+                <p14:nvPr/>
+              </p14:nvContentPartPr>
+              <p14:xfrm>
+                <a:off x="814249" y="4931899"/>
+                <a:ext cx="31680" cy="37080"/>
+              </p14:xfrm>
+            </p:contentPart>
+          </mc:Choice>
+          <mc:Fallback>
+            <p:pic>
+              <p:nvPicPr>
+                <p:cNvPr id="38" name="Ink 37">
+                  <a:extLst>
+                    <a:ext uri="{FF2B5EF4-FFF2-40B4-BE49-F238E27FC236}">
+                      <a16:creationId xmlns:a16="http://schemas.microsoft.com/office/drawing/2014/main" id="{A61F0B39-0EAF-4081-A85F-1F92E93B4F0B}"/>
+                    </a:ext>
+                  </a:extLst>
+                </p:cNvPr>
+                <p:cNvPicPr/>
+                <p:nvPr/>
+              </p:nvPicPr>
+              <p:blipFill>
+                <a:blip r:embed="rId63"/>
+                <a:stretch>
+                  <a:fillRect/>
+                </a:stretch>
+              </p:blipFill>
+              <p:spPr>
+                <a:xfrm>
+                  <a:off x="805249" y="4922899"/>
+                  <a:ext cx="49320" cy="54720"/>
+                </a:xfrm>
+                <a:prstGeom prst="rect">
+                  <a:avLst/>
+                </a:prstGeom>
+              </p:spPr>
+            </p:pic>
+          </mc:Fallback>
+        </mc:AlternateContent>
+      </p:grpSp>
+      <p:grpSp>
+        <p:nvGrpSpPr>
+          <p:cNvPr id="55" name="Group 54">
+            <a:extLst>
+              <a:ext uri="{FF2B5EF4-FFF2-40B4-BE49-F238E27FC236}">
+                <a16:creationId xmlns:a16="http://schemas.microsoft.com/office/drawing/2014/main" id="{335DD294-41D7-40FF-B35B-F1C5F068BCBB}"/>
+              </a:ext>
+            </a:extLst>
+          </p:cNvPr>
+          <p:cNvGrpSpPr/>
+          <p:nvPr/>
+        </p:nvGrpSpPr>
+        <p:grpSpPr>
+          <a:xfrm>
+            <a:off x="4533769" y="4747939"/>
+            <a:ext cx="1452240" cy="245520"/>
+            <a:chOff x="4533769" y="4747939"/>
+            <a:chExt cx="1452240" cy="245520"/>
+          </a:xfrm>
+        </p:grpSpPr>
+        <mc:AlternateContent xmlns:mc="http://schemas.openxmlformats.org/markup-compatibility/2006">
+          <mc:Choice xmlns:p14="http://schemas.microsoft.com/office/powerpoint/2010/main" Requires="p14">
+            <p:contentPart p14:bwMode="auto" r:id="rId64">
+              <p14:nvContentPartPr>
+                <p14:cNvPr id="40" name="Ink 39">
+                  <a:extLst>
+                    <a:ext uri="{FF2B5EF4-FFF2-40B4-BE49-F238E27FC236}">
+                      <a16:creationId xmlns:a16="http://schemas.microsoft.com/office/drawing/2014/main" id="{0AF30812-CC17-42BF-A1C1-DEDE679C1714}"/>
+                    </a:ext>
+                  </a:extLst>
+                </p14:cNvPr>
+                <p14:cNvContentPartPr/>
+                <p14:nvPr/>
+              </p14:nvContentPartPr>
+              <p14:xfrm>
+                <a:off x="4533769" y="4834339"/>
+                <a:ext cx="92880" cy="159120"/>
+              </p14:xfrm>
+            </p:contentPart>
+          </mc:Choice>
+          <mc:Fallback>
+            <p:pic>
+              <p:nvPicPr>
+                <p:cNvPr id="40" name="Ink 39">
+                  <a:extLst>
+                    <a:ext uri="{FF2B5EF4-FFF2-40B4-BE49-F238E27FC236}">
+                      <a16:creationId xmlns:a16="http://schemas.microsoft.com/office/drawing/2014/main" id="{0AF30812-CC17-42BF-A1C1-DEDE679C1714}"/>
+                    </a:ext>
+                  </a:extLst>
+                </p:cNvPr>
+                <p:cNvPicPr/>
+                <p:nvPr/>
+              </p:nvPicPr>
+              <p:blipFill>
+                <a:blip r:embed="rId65"/>
+                <a:stretch>
+                  <a:fillRect/>
+                </a:stretch>
+              </p:blipFill>
+              <p:spPr>
+                <a:xfrm>
+                  <a:off x="4525129" y="4825699"/>
+                  <a:ext cx="110520" cy="176760"/>
+                </a:xfrm>
+                <a:prstGeom prst="rect">
+                  <a:avLst/>
+                </a:prstGeom>
+              </p:spPr>
+            </p:pic>
+          </mc:Fallback>
+        </mc:AlternateContent>
+        <mc:AlternateContent xmlns:mc="http://schemas.openxmlformats.org/markup-compatibility/2006">
+          <mc:Choice xmlns:p14="http://schemas.microsoft.com/office/powerpoint/2010/main" Requires="p14">
+            <p:contentPart p14:bwMode="auto" r:id="rId66">
+              <p14:nvContentPartPr>
+                <p14:cNvPr id="41" name="Ink 40">
+                  <a:extLst>
+                    <a:ext uri="{FF2B5EF4-FFF2-40B4-BE49-F238E27FC236}">
+                      <a16:creationId xmlns:a16="http://schemas.microsoft.com/office/drawing/2014/main" id="{40833E96-0ADC-4238-BF28-568C838CC5A6}"/>
+                    </a:ext>
+                  </a:extLst>
+                </p14:cNvPr>
+                <p14:cNvContentPartPr/>
+                <p14:nvPr/>
+              </p14:nvContentPartPr>
+              <p14:xfrm>
+                <a:off x="4662289" y="4888339"/>
+                <a:ext cx="75960" cy="78120"/>
+              </p14:xfrm>
+            </p:contentPart>
+          </mc:Choice>
+          <mc:Fallback>
+            <p:pic>
+              <p:nvPicPr>
+                <p:cNvPr id="41" name="Ink 40">
+                  <a:extLst>
+                    <a:ext uri="{FF2B5EF4-FFF2-40B4-BE49-F238E27FC236}">
+                      <a16:creationId xmlns:a16="http://schemas.microsoft.com/office/drawing/2014/main" id="{40833E96-0ADC-4238-BF28-568C838CC5A6}"/>
+                    </a:ext>
+                  </a:extLst>
+                </p:cNvPr>
+                <p:cNvPicPr/>
+                <p:nvPr/>
+              </p:nvPicPr>
+              <p:blipFill>
+                <a:blip r:embed="rId67"/>
+                <a:stretch>
+                  <a:fillRect/>
+                </a:stretch>
+              </p:blipFill>
+              <p:spPr>
+                <a:xfrm>
+                  <a:off x="4653649" y="4879339"/>
+                  <a:ext cx="93600" cy="95760"/>
+                </a:xfrm>
+                <a:prstGeom prst="rect">
+                  <a:avLst/>
+                </a:prstGeom>
+              </p:spPr>
+            </p:pic>
+          </mc:Fallback>
+        </mc:AlternateContent>
+        <mc:AlternateContent xmlns:mc="http://schemas.openxmlformats.org/markup-compatibility/2006">
+          <mc:Choice xmlns:p14="http://schemas.microsoft.com/office/powerpoint/2010/main" Requires="p14">
+            <p:contentPart p14:bwMode="auto" r:id="rId68">
+              <p14:nvContentPartPr>
+                <p14:cNvPr id="42" name="Ink 41">
+                  <a:extLst>
+                    <a:ext uri="{FF2B5EF4-FFF2-40B4-BE49-F238E27FC236}">
+                      <a16:creationId xmlns:a16="http://schemas.microsoft.com/office/drawing/2014/main" id="{4E5121AC-1B54-4F7F-B7D0-47D93BFDAAEF}"/>
+                    </a:ext>
+                  </a:extLst>
+                </p14:cNvPr>
+                <p14:cNvContentPartPr/>
+                <p14:nvPr/>
+              </p14:nvContentPartPr>
+              <p14:xfrm>
+                <a:off x="4790449" y="4794019"/>
+                <a:ext cx="85320" cy="164160"/>
+              </p14:xfrm>
+            </p:contentPart>
+          </mc:Choice>
+          <mc:Fallback>
+            <p:pic>
+              <p:nvPicPr>
+                <p:cNvPr id="42" name="Ink 41">
+                  <a:extLst>
+                    <a:ext uri="{FF2B5EF4-FFF2-40B4-BE49-F238E27FC236}">
+                      <a16:creationId xmlns:a16="http://schemas.microsoft.com/office/drawing/2014/main" id="{4E5121AC-1B54-4F7F-B7D0-47D93BFDAAEF}"/>
+                    </a:ext>
+                  </a:extLst>
+                </p:cNvPr>
+                <p:cNvPicPr/>
+                <p:nvPr/>
+              </p:nvPicPr>
+              <p:blipFill>
+                <a:blip r:embed="rId69"/>
+                <a:stretch>
+                  <a:fillRect/>
+                </a:stretch>
+              </p:blipFill>
+              <p:spPr>
+                <a:xfrm>
+                  <a:off x="4781809" y="4785019"/>
+                  <a:ext cx="102960" cy="181800"/>
+                </a:xfrm>
+                <a:prstGeom prst="rect">
+                  <a:avLst/>
+                </a:prstGeom>
+              </p:spPr>
+            </p:pic>
+          </mc:Fallback>
+        </mc:AlternateContent>
+        <mc:AlternateContent xmlns:mc="http://schemas.openxmlformats.org/markup-compatibility/2006">
+          <mc:Choice xmlns:p14="http://schemas.microsoft.com/office/powerpoint/2010/main" Requires="p14">
+            <p:contentPart p14:bwMode="auto" r:id="rId70">
+              <p14:nvContentPartPr>
+                <p14:cNvPr id="43" name="Ink 42">
+                  <a:extLst>
+                    <a:ext uri="{FF2B5EF4-FFF2-40B4-BE49-F238E27FC236}">
+                      <a16:creationId xmlns:a16="http://schemas.microsoft.com/office/drawing/2014/main" id="{4740BDF4-269B-4252-922B-E6B812A01FFC}"/>
+                    </a:ext>
+                  </a:extLst>
+                </p14:cNvPr>
+                <p14:cNvContentPartPr/>
+                <p14:nvPr/>
+              </p14:nvContentPartPr>
+              <p14:xfrm>
+                <a:off x="4928329" y="4860619"/>
+                <a:ext cx="85680" cy="86760"/>
+              </p14:xfrm>
+            </p:contentPart>
+          </mc:Choice>
+          <mc:Fallback>
+            <p:pic>
+              <p:nvPicPr>
+                <p:cNvPr id="43" name="Ink 42">
+                  <a:extLst>
+                    <a:ext uri="{FF2B5EF4-FFF2-40B4-BE49-F238E27FC236}">
+                      <a16:creationId xmlns:a16="http://schemas.microsoft.com/office/drawing/2014/main" id="{4740BDF4-269B-4252-922B-E6B812A01FFC}"/>
+                    </a:ext>
+                  </a:extLst>
+                </p:cNvPr>
+                <p:cNvPicPr/>
+                <p:nvPr/>
+              </p:nvPicPr>
+              <p:blipFill>
+                <a:blip r:embed="rId71"/>
+                <a:stretch>
+                  <a:fillRect/>
+                </a:stretch>
+              </p:blipFill>
+              <p:spPr>
+                <a:xfrm>
+                  <a:off x="4919689" y="4851619"/>
+                  <a:ext cx="103320" cy="104400"/>
+                </a:xfrm>
+                <a:prstGeom prst="rect">
+                  <a:avLst/>
+                </a:prstGeom>
+              </p:spPr>
+            </p:pic>
+          </mc:Fallback>
+        </mc:AlternateContent>
+        <mc:AlternateContent xmlns:mc="http://schemas.openxmlformats.org/markup-compatibility/2006">
+          <mc:Choice xmlns:p14="http://schemas.microsoft.com/office/powerpoint/2010/main" Requires="p14">
+            <p:contentPart p14:bwMode="auto" r:id="rId72">
+              <p14:nvContentPartPr>
+                <p14:cNvPr id="44" name="Ink 43">
+                  <a:extLst>
+                    <a:ext uri="{FF2B5EF4-FFF2-40B4-BE49-F238E27FC236}">
+                      <a16:creationId xmlns:a16="http://schemas.microsoft.com/office/drawing/2014/main" id="{105DB4AB-1CBC-4216-9E6A-79DC0D906405}"/>
+                    </a:ext>
+                  </a:extLst>
+                </p14:cNvPr>
+                <p14:cNvContentPartPr/>
+                <p14:nvPr/>
+              </p14:nvContentPartPr>
+              <p14:xfrm>
+                <a:off x="5070529" y="4783219"/>
+                <a:ext cx="109800" cy="173160"/>
+              </p14:xfrm>
+            </p:contentPart>
+          </mc:Choice>
+          <mc:Fallback>
+            <p:pic>
+              <p:nvPicPr>
+                <p:cNvPr id="44" name="Ink 43">
+                  <a:extLst>
+                    <a:ext uri="{FF2B5EF4-FFF2-40B4-BE49-F238E27FC236}">
+                      <a16:creationId xmlns:a16="http://schemas.microsoft.com/office/drawing/2014/main" id="{105DB4AB-1CBC-4216-9E6A-79DC0D906405}"/>
+                    </a:ext>
+                  </a:extLst>
+                </p:cNvPr>
+                <p:cNvPicPr/>
+                <p:nvPr/>
+              </p:nvPicPr>
+              <p:blipFill>
+                <a:blip r:embed="rId73"/>
+                <a:stretch>
+                  <a:fillRect/>
+                </a:stretch>
+              </p:blipFill>
+              <p:spPr>
+                <a:xfrm>
+                  <a:off x="5061529" y="4774579"/>
+                  <a:ext cx="127440" cy="190800"/>
+                </a:xfrm>
+                <a:prstGeom prst="rect">
+                  <a:avLst/>
+                </a:prstGeom>
+              </p:spPr>
+            </p:pic>
+          </mc:Fallback>
+        </mc:AlternateContent>
+        <mc:AlternateContent xmlns:mc="http://schemas.openxmlformats.org/markup-compatibility/2006">
+          <mc:Choice xmlns:p14="http://schemas.microsoft.com/office/powerpoint/2010/main" Requires="p14">
+            <p:contentPart p14:bwMode="auto" r:id="rId74">
+              <p14:nvContentPartPr>
+                <p14:cNvPr id="45" name="Ink 44">
+                  <a:extLst>
+                    <a:ext uri="{FF2B5EF4-FFF2-40B4-BE49-F238E27FC236}">
+                      <a16:creationId xmlns:a16="http://schemas.microsoft.com/office/drawing/2014/main" id="{54E962EC-8754-487A-8639-097ABF11124F}"/>
+                    </a:ext>
+                  </a:extLst>
+                </p14:cNvPr>
+                <p14:cNvContentPartPr/>
+                <p14:nvPr/>
+              </p14:nvContentPartPr>
+              <p14:xfrm>
+                <a:off x="5190049" y="4857379"/>
+                <a:ext cx="78480" cy="58680"/>
+              </p14:xfrm>
+            </p:contentPart>
+          </mc:Choice>
+          <mc:Fallback>
+            <p:pic>
+              <p:nvPicPr>
+                <p:cNvPr id="45" name="Ink 44">
+                  <a:extLst>
+                    <a:ext uri="{FF2B5EF4-FFF2-40B4-BE49-F238E27FC236}">
+                      <a16:creationId xmlns:a16="http://schemas.microsoft.com/office/drawing/2014/main" id="{54E962EC-8754-487A-8639-097ABF11124F}"/>
+                    </a:ext>
+                  </a:extLst>
+                </p:cNvPr>
+                <p:cNvPicPr/>
+                <p:nvPr/>
+              </p:nvPicPr>
+              <p:blipFill>
+                <a:blip r:embed="rId75"/>
+                <a:stretch>
+                  <a:fillRect/>
+                </a:stretch>
+              </p:blipFill>
+              <p:spPr>
+                <a:xfrm>
+                  <a:off x="5181049" y="4848739"/>
+                  <a:ext cx="96120" cy="76320"/>
+                </a:xfrm>
+                <a:prstGeom prst="rect">
+                  <a:avLst/>
+                </a:prstGeom>
+              </p:spPr>
+            </p:pic>
+          </mc:Fallback>
+        </mc:AlternateContent>
+        <mc:AlternateContent xmlns:mc="http://schemas.openxmlformats.org/markup-compatibility/2006">
+          <mc:Choice xmlns:p14="http://schemas.microsoft.com/office/powerpoint/2010/main" Requires="p14">
+            <p:contentPart p14:bwMode="auto" r:id="rId76">
+              <p14:nvContentPartPr>
+                <p14:cNvPr id="46" name="Ink 45">
+                  <a:extLst>
+                    <a:ext uri="{FF2B5EF4-FFF2-40B4-BE49-F238E27FC236}">
+                      <a16:creationId xmlns:a16="http://schemas.microsoft.com/office/drawing/2014/main" id="{5AA2205C-2B09-4D0C-AA07-FDEE5BAA607F}"/>
+                    </a:ext>
+                  </a:extLst>
+                </p14:cNvPr>
+                <p14:cNvContentPartPr/>
+                <p14:nvPr/>
+              </p14:nvContentPartPr>
+              <p14:xfrm>
+                <a:off x="5301649" y="4836139"/>
+                <a:ext cx="65160" cy="93960"/>
+              </p14:xfrm>
+            </p:contentPart>
+          </mc:Choice>
+          <mc:Fallback>
+            <p:pic>
+              <p:nvPicPr>
+                <p:cNvPr id="46" name="Ink 45">
+                  <a:extLst>
+                    <a:ext uri="{FF2B5EF4-FFF2-40B4-BE49-F238E27FC236}">
+                      <a16:creationId xmlns:a16="http://schemas.microsoft.com/office/drawing/2014/main" id="{5AA2205C-2B09-4D0C-AA07-FDEE5BAA607F}"/>
+                    </a:ext>
+                  </a:extLst>
+                </p:cNvPr>
+                <p:cNvPicPr/>
+                <p:nvPr/>
+              </p:nvPicPr>
+              <p:blipFill>
+                <a:blip r:embed="rId77"/>
+                <a:stretch>
+                  <a:fillRect/>
+                </a:stretch>
+              </p:blipFill>
+              <p:spPr>
+                <a:xfrm>
+                  <a:off x="5293009" y="4827499"/>
+                  <a:ext cx="82800" cy="111600"/>
+                </a:xfrm>
+                <a:prstGeom prst="rect">
+                  <a:avLst/>
+                </a:prstGeom>
+              </p:spPr>
+            </p:pic>
+          </mc:Fallback>
+        </mc:AlternateContent>
+        <mc:AlternateContent xmlns:mc="http://schemas.openxmlformats.org/markup-compatibility/2006">
+          <mc:Choice xmlns:p14="http://schemas.microsoft.com/office/powerpoint/2010/main" Requires="p14">
+            <p:contentPart p14:bwMode="auto" r:id="rId78">
+              <p14:nvContentPartPr>
+                <p14:cNvPr id="47" name="Ink 46">
+                  <a:extLst>
+                    <a:ext uri="{FF2B5EF4-FFF2-40B4-BE49-F238E27FC236}">
+                      <a16:creationId xmlns:a16="http://schemas.microsoft.com/office/drawing/2014/main" id="{4735731D-1F16-4B8F-8524-CDD547A5928E}"/>
+                    </a:ext>
+                  </a:extLst>
+                </p14:cNvPr>
+                <p14:cNvContentPartPr/>
+                <p14:nvPr/>
+              </p14:nvContentPartPr>
+              <p14:xfrm>
+                <a:off x="5442769" y="4850539"/>
+                <a:ext cx="89640" cy="77400"/>
+              </p14:xfrm>
+            </p:contentPart>
+          </mc:Choice>
+          <mc:Fallback>
+            <p:pic>
+              <p:nvPicPr>
+                <p:cNvPr id="47" name="Ink 46">
+                  <a:extLst>
+                    <a:ext uri="{FF2B5EF4-FFF2-40B4-BE49-F238E27FC236}">
+                      <a16:creationId xmlns:a16="http://schemas.microsoft.com/office/drawing/2014/main" id="{4735731D-1F16-4B8F-8524-CDD547A5928E}"/>
+                    </a:ext>
+                  </a:extLst>
+                </p:cNvPr>
+                <p:cNvPicPr/>
+                <p:nvPr/>
+              </p:nvPicPr>
+              <p:blipFill>
+                <a:blip r:embed="rId79"/>
+                <a:stretch>
+                  <a:fillRect/>
+                </a:stretch>
+              </p:blipFill>
+              <p:spPr>
+                <a:xfrm>
+                  <a:off x="5433769" y="4841539"/>
+                  <a:ext cx="107280" cy="95040"/>
+                </a:xfrm>
+                <a:prstGeom prst="rect">
+                  <a:avLst/>
+                </a:prstGeom>
+              </p:spPr>
+            </p:pic>
+          </mc:Fallback>
+        </mc:AlternateContent>
+        <mc:AlternateContent xmlns:mc="http://schemas.openxmlformats.org/markup-compatibility/2006">
+          <mc:Choice xmlns:p14="http://schemas.microsoft.com/office/powerpoint/2010/main" Requires="p14">
+            <p:contentPart p14:bwMode="auto" r:id="rId80">
+              <p14:nvContentPartPr>
+                <p14:cNvPr id="48" name="Ink 47">
+                  <a:extLst>
+                    <a:ext uri="{FF2B5EF4-FFF2-40B4-BE49-F238E27FC236}">
+                      <a16:creationId xmlns:a16="http://schemas.microsoft.com/office/drawing/2014/main" id="{873C8F32-9AA7-481A-AC24-D1C727494EAD}"/>
+                    </a:ext>
+                  </a:extLst>
+                </p14:cNvPr>
+                <p14:cNvContentPartPr/>
+                <p14:nvPr/>
+              </p14:nvContentPartPr>
+              <p14:xfrm>
+                <a:off x="5609089" y="4747939"/>
+                <a:ext cx="139320" cy="178560"/>
+              </p14:xfrm>
+            </p:contentPart>
+          </mc:Choice>
+          <mc:Fallback>
+            <p:pic>
+              <p:nvPicPr>
+                <p:cNvPr id="48" name="Ink 47">
+                  <a:extLst>
+                    <a:ext uri="{FF2B5EF4-FFF2-40B4-BE49-F238E27FC236}">
+                      <a16:creationId xmlns:a16="http://schemas.microsoft.com/office/drawing/2014/main" id="{873C8F32-9AA7-481A-AC24-D1C727494EAD}"/>
+                    </a:ext>
+                  </a:extLst>
+                </p:cNvPr>
+                <p:cNvPicPr/>
+                <p:nvPr/>
+              </p:nvPicPr>
+              <p:blipFill>
+                <a:blip r:embed="rId81"/>
+                <a:stretch>
+                  <a:fillRect/>
+                </a:stretch>
+              </p:blipFill>
+              <p:spPr>
+                <a:xfrm>
+                  <a:off x="5600089" y="4738939"/>
+                  <a:ext cx="156960" cy="196200"/>
+                </a:xfrm>
+                <a:prstGeom prst="rect">
+                  <a:avLst/>
+                </a:prstGeom>
+              </p:spPr>
+            </p:pic>
+          </mc:Fallback>
+        </mc:AlternateContent>
+        <mc:AlternateContent xmlns:mc="http://schemas.openxmlformats.org/markup-compatibility/2006">
+          <mc:Choice xmlns:p14="http://schemas.microsoft.com/office/powerpoint/2010/main" Requires="p14">
+            <p:contentPart p14:bwMode="auto" r:id="rId82">
+              <p14:nvContentPartPr>
+                <p14:cNvPr id="49" name="Ink 48">
+                  <a:extLst>
+                    <a:ext uri="{FF2B5EF4-FFF2-40B4-BE49-F238E27FC236}">
+                      <a16:creationId xmlns:a16="http://schemas.microsoft.com/office/drawing/2014/main" id="{8A5EB08F-2688-4EA2-9413-460626822D46}"/>
+                    </a:ext>
+                  </a:extLst>
+                </p14:cNvPr>
+                <p14:cNvContentPartPr/>
+                <p14:nvPr/>
+              </p14:nvContentPartPr>
+              <p14:xfrm>
+                <a:off x="5761009" y="4755859"/>
+                <a:ext cx="19440" cy="37080"/>
+              </p14:xfrm>
+            </p:contentPart>
+          </mc:Choice>
+          <mc:Fallback>
+            <p:pic>
+              <p:nvPicPr>
+                <p:cNvPr id="49" name="Ink 48">
+                  <a:extLst>
+                    <a:ext uri="{FF2B5EF4-FFF2-40B4-BE49-F238E27FC236}">
+                      <a16:creationId xmlns:a16="http://schemas.microsoft.com/office/drawing/2014/main" id="{8A5EB08F-2688-4EA2-9413-460626822D46}"/>
+                    </a:ext>
+                  </a:extLst>
+                </p:cNvPr>
+                <p:cNvPicPr/>
+                <p:nvPr/>
+              </p:nvPicPr>
+              <p:blipFill>
+                <a:blip r:embed="rId83"/>
+                <a:stretch>
+                  <a:fillRect/>
+                </a:stretch>
+              </p:blipFill>
+              <p:spPr>
+                <a:xfrm>
+                  <a:off x="5752369" y="4747219"/>
+                  <a:ext cx="37080" cy="54720"/>
+                </a:xfrm>
+                <a:prstGeom prst="rect">
+                  <a:avLst/>
+                </a:prstGeom>
+              </p:spPr>
+            </p:pic>
+          </mc:Fallback>
+        </mc:AlternateContent>
+        <mc:AlternateContent xmlns:mc="http://schemas.openxmlformats.org/markup-compatibility/2006">
+          <mc:Choice xmlns:p14="http://schemas.microsoft.com/office/powerpoint/2010/main" Requires="p14">
+            <p:contentPart p14:bwMode="auto" r:id="rId84">
+              <p14:nvContentPartPr>
+                <p14:cNvPr id="51" name="Ink 50">
+                  <a:extLst>
+                    <a:ext uri="{FF2B5EF4-FFF2-40B4-BE49-F238E27FC236}">
+                      <a16:creationId xmlns:a16="http://schemas.microsoft.com/office/drawing/2014/main" id="{F327CA9D-B19F-43A3-BE5A-11651A99D041}"/>
+                    </a:ext>
+                  </a:extLst>
+                </p14:cNvPr>
+                <p14:cNvContentPartPr/>
+                <p14:nvPr/>
+              </p14:nvContentPartPr>
+              <p14:xfrm>
+                <a:off x="5582449" y="4826419"/>
+                <a:ext cx="88920" cy="7560"/>
+              </p14:xfrm>
+            </p:contentPart>
+          </mc:Choice>
+          <mc:Fallback>
+            <p:pic>
+              <p:nvPicPr>
+                <p:cNvPr id="51" name="Ink 50">
+                  <a:extLst>
+                    <a:ext uri="{FF2B5EF4-FFF2-40B4-BE49-F238E27FC236}">
+                      <a16:creationId xmlns:a16="http://schemas.microsoft.com/office/drawing/2014/main" id="{F327CA9D-B19F-43A3-BE5A-11651A99D041}"/>
+                    </a:ext>
+                  </a:extLst>
+                </p:cNvPr>
+                <p:cNvPicPr/>
+                <p:nvPr/>
+              </p:nvPicPr>
+              <p:blipFill>
+                <a:blip r:embed="rId85"/>
+                <a:stretch>
+                  <a:fillRect/>
+                </a:stretch>
+              </p:blipFill>
+              <p:spPr>
+                <a:xfrm>
+                  <a:off x="5573449" y="4817419"/>
+                  <a:ext cx="106560" cy="25200"/>
+                </a:xfrm>
+                <a:prstGeom prst="rect">
+                  <a:avLst/>
+                </a:prstGeom>
+              </p:spPr>
+            </p:pic>
+          </mc:Fallback>
+        </mc:AlternateContent>
+        <mc:AlternateContent xmlns:mc="http://schemas.openxmlformats.org/markup-compatibility/2006">
+          <mc:Choice xmlns:p14="http://schemas.microsoft.com/office/powerpoint/2010/main" Requires="p14">
+            <p:contentPart p14:bwMode="auto" r:id="rId86">
+              <p14:nvContentPartPr>
+                <p14:cNvPr id="53" name="Ink 52">
+                  <a:extLst>
+                    <a:ext uri="{FF2B5EF4-FFF2-40B4-BE49-F238E27FC236}">
+                      <a16:creationId xmlns:a16="http://schemas.microsoft.com/office/drawing/2014/main" id="{01B34E37-BD43-43E0-8165-1F822E934589}"/>
+                    </a:ext>
+                  </a:extLst>
+                </p14:cNvPr>
+                <p14:cNvContentPartPr/>
+                <p14:nvPr/>
+              </p14:nvContentPartPr>
+              <p14:xfrm>
+                <a:off x="5778649" y="4855939"/>
+                <a:ext cx="66600" cy="65520"/>
+              </p14:xfrm>
+            </p:contentPart>
+          </mc:Choice>
+          <mc:Fallback>
+            <p:pic>
+              <p:nvPicPr>
+                <p:cNvPr id="53" name="Ink 52">
+                  <a:extLst>
+                    <a:ext uri="{FF2B5EF4-FFF2-40B4-BE49-F238E27FC236}">
+                      <a16:creationId xmlns:a16="http://schemas.microsoft.com/office/drawing/2014/main" id="{01B34E37-BD43-43E0-8165-1F822E934589}"/>
+                    </a:ext>
+                  </a:extLst>
+                </p:cNvPr>
+                <p:cNvPicPr/>
+                <p:nvPr/>
+              </p:nvPicPr>
+              <p:blipFill>
+                <a:blip r:embed="rId87"/>
+                <a:stretch>
+                  <a:fillRect/>
+                </a:stretch>
+              </p:blipFill>
+              <p:spPr>
+                <a:xfrm>
+                  <a:off x="5770009" y="4847299"/>
+                  <a:ext cx="84240" cy="83160"/>
+                </a:xfrm>
+                <a:prstGeom prst="rect">
+                  <a:avLst/>
+                </a:prstGeom>
+              </p:spPr>
+            </p:pic>
+          </mc:Fallback>
+        </mc:AlternateContent>
+        <mc:AlternateContent xmlns:mc="http://schemas.openxmlformats.org/markup-compatibility/2006">
+          <mc:Choice xmlns:p14="http://schemas.microsoft.com/office/powerpoint/2010/main" Requires="p14">
+            <p:contentPart p14:bwMode="auto" r:id="rId88">
+              <p14:nvContentPartPr>
+                <p14:cNvPr id="54" name="Ink 53">
+                  <a:extLst>
+                    <a:ext uri="{FF2B5EF4-FFF2-40B4-BE49-F238E27FC236}">
+                      <a16:creationId xmlns:a16="http://schemas.microsoft.com/office/drawing/2014/main" id="{CB7B0512-AB51-46D8-9549-B7E57DA732B1}"/>
+                    </a:ext>
+                  </a:extLst>
+                </p14:cNvPr>
+                <p14:cNvContentPartPr/>
+                <p14:nvPr/>
+              </p14:nvContentPartPr>
+              <p14:xfrm>
+                <a:off x="5873329" y="4850539"/>
+                <a:ext cx="112680" cy="61920"/>
+              </p14:xfrm>
+            </p:contentPart>
+          </mc:Choice>
+          <mc:Fallback>
+            <p:pic>
+              <p:nvPicPr>
+                <p:cNvPr id="54" name="Ink 53">
+                  <a:extLst>
+                    <a:ext uri="{FF2B5EF4-FFF2-40B4-BE49-F238E27FC236}">
+                      <a16:creationId xmlns:a16="http://schemas.microsoft.com/office/drawing/2014/main" id="{CB7B0512-AB51-46D8-9549-B7E57DA732B1}"/>
+                    </a:ext>
+                  </a:extLst>
+                </p:cNvPr>
+                <p:cNvPicPr/>
+                <p:nvPr/>
+              </p:nvPicPr>
+              <p:blipFill>
+                <a:blip r:embed="rId89"/>
+                <a:stretch>
+                  <a:fillRect/>
+                </a:stretch>
+              </p:blipFill>
+              <p:spPr>
+                <a:xfrm>
+                  <a:off x="5864689" y="4841539"/>
+                  <a:ext cx="130320" cy="79560"/>
+                </a:xfrm>
+                <a:prstGeom prst="rect">
+                  <a:avLst/>
+                </a:prstGeom>
+              </p:spPr>
+            </p:pic>
+          </mc:Fallback>
+        </mc:AlternateContent>
+      </p:grpSp>
     </p:spTree>
     <p:extLst>
       <p:ext uri="{BB962C8B-B14F-4D97-AF65-F5344CB8AC3E}">
